--- a/Documents/Final Thesis/Indian Trade Analysis and Forecasting.pptx
+++ b/Documents/Final Thesis/Indian Trade Analysis and Forecasting.pptx
@@ -2,7 +2,7 @@
 <file path=ppt/presentation.xml><?xml version="1.0" encoding="utf-8"?>
 <p:presentation xmlns:a="http://schemas.openxmlformats.org/drawingml/2006/main" xmlns:r="http://schemas.openxmlformats.org/officeDocument/2006/relationships" xmlns:p="http://schemas.openxmlformats.org/presentationml/2006/main" saveSubsetFonts="1">
   <p:sldMasterIdLst>
-    <p:sldMasterId id="2147483660" r:id="rId1"/>
+    <p:sldMasterId id="2147483672" r:id="rId1"/>
   </p:sldMasterIdLst>
   <p:sldIdLst>
     <p:sldId id="256" r:id="rId2"/>
@@ -19,6 +19,10 @@
     <p:sldId id="267" r:id="rId13"/>
     <p:sldId id="268" r:id="rId14"/>
     <p:sldId id="269" r:id="rId15"/>
+    <p:sldId id="270" r:id="rId16"/>
+    <p:sldId id="271" r:id="rId17"/>
+    <p:sldId id="272" r:id="rId18"/>
+    <p:sldId id="273" r:id="rId19"/>
   </p:sldIdLst>
   <p:sldSz cx="12192000" cy="6858000"/>
   <p:notesSz cx="6858000" cy="9144000"/>
@@ -119,14 +123,14 @@
   </p:defaultTextStyle>
   <p:extLst>
     <p:ext uri="{EFAFB233-063F-42B5-8137-9DF3F51BA10A}">
-      <p15:sldGuideLst xmlns:p15="http://schemas.microsoft.com/office/powerpoint/2012/main"/>
+      <p15:sldGuideLst xmlns:p15="http://schemas.microsoft.com/office/powerpoint/2012/main" xmlns=""/>
     </p:ext>
   </p:extLst>
 </p:presentation>
 </file>
 
 <file path=ppt/slideLayouts/slideLayout1.xml><?xml version="1.0" encoding="utf-8"?>
-<p:sldLayout xmlns:a="http://schemas.openxmlformats.org/drawingml/2006/main" xmlns:r="http://schemas.openxmlformats.org/officeDocument/2006/relationships" xmlns:p="http://schemas.openxmlformats.org/presentationml/2006/main" showMasterSp="0" type="title" preserve="1">
+<p:sldLayout xmlns:a="http://schemas.openxmlformats.org/drawingml/2006/main" xmlns:r="http://schemas.openxmlformats.org/officeDocument/2006/relationships" xmlns:p="http://schemas.openxmlformats.org/presentationml/2006/main" type="title" preserve="1">
   <p:cSld name="Title Slide">
     <p:spTree>
       <p:nvGrpSpPr>
@@ -144,118 +148,37 @@
       </p:grpSpPr>
       <p:sp>
         <p:nvSpPr>
-          <p:cNvPr id="7" name="Rectangle 6"/>
-          <p:cNvSpPr/>
-          <p:nvPr/>
+          <p:cNvPr id="2" name="Title 1"/>
+          <p:cNvSpPr>
+            <a:spLocks noGrp="1"/>
+          </p:cNvSpPr>
+          <p:nvPr>
+            <p:ph type="ctrTitle"/>
+          </p:nvPr>
         </p:nvSpPr>
         <p:spPr>
           <a:xfrm>
-            <a:off x="3175" y="6400800"/>
-            <a:ext cx="12188825" cy="457200"/>
-          </a:xfrm>
-          <a:prstGeom prst="rect">
-            <a:avLst/>
-          </a:prstGeom>
-          <a:solidFill>
-            <a:schemeClr val="accent2"/>
-          </a:solidFill>
-          <a:ln>
-            <a:noFill/>
-          </a:ln>
-        </p:spPr>
-        <p:style>
-          <a:lnRef idx="2">
-            <a:schemeClr val="accent1">
-              <a:shade val="50000"/>
-            </a:schemeClr>
-          </a:lnRef>
-          <a:fillRef idx="1">
-            <a:schemeClr val="accent1"/>
-          </a:fillRef>
-          <a:effectRef idx="0">
-            <a:schemeClr val="accent1"/>
-          </a:effectRef>
-          <a:fontRef idx="minor">
-            <a:schemeClr val="lt1"/>
-          </a:fontRef>
-        </p:style>
-      </p:sp>
-      <p:sp>
-        <p:nvSpPr>
-          <p:cNvPr id="8" name="Rectangle 7"/>
-          <p:cNvSpPr/>
-          <p:nvPr/>
-        </p:nvSpPr>
-        <p:spPr>
-          <a:xfrm>
-            <a:off x="15" y="6334316"/>
-            <a:ext cx="12188825" cy="64008"/>
-          </a:xfrm>
-          <a:prstGeom prst="rect">
-            <a:avLst/>
-          </a:prstGeom>
-          <a:solidFill>
-            <a:schemeClr val="accent1"/>
-          </a:solidFill>
-          <a:ln>
-            <a:noFill/>
-          </a:ln>
-        </p:spPr>
-        <p:style>
-          <a:lnRef idx="2">
-            <a:schemeClr val="accent1">
-              <a:shade val="50000"/>
-            </a:schemeClr>
-          </a:lnRef>
-          <a:fillRef idx="1">
-            <a:schemeClr val="accent1"/>
-          </a:fillRef>
-          <a:effectRef idx="0">
-            <a:schemeClr val="accent1"/>
-          </a:effectRef>
-          <a:fontRef idx="minor">
-            <a:schemeClr val="lt1"/>
-          </a:fontRef>
-        </p:style>
-      </p:sp>
-      <p:sp>
-        <p:nvSpPr>
-          <p:cNvPr id="2" name="Title 1"/>
-          <p:cNvSpPr>
-            <a:spLocks noGrp="1"/>
-          </p:cNvSpPr>
-          <p:nvPr>
-            <p:ph type="ctrTitle"/>
-          </p:nvPr>
-        </p:nvSpPr>
-        <p:spPr>
-          <a:xfrm>
-            <a:off x="1097280" y="758952"/>
-            <a:ext cx="10058400" cy="3566160"/>
+            <a:off x="914400" y="1905001"/>
+            <a:ext cx="10058400" cy="2593975"/>
           </a:xfrm>
         </p:spPr>
         <p:txBody>
-          <a:bodyPr anchor="b">
-            <a:normAutofit/>
-          </a:bodyPr>
+          <a:bodyPr anchor="b"/>
           <a:lstStyle>
-            <a:lvl1pPr algn="l">
-              <a:lnSpc>
-                <a:spcPct val="85000"/>
-              </a:lnSpc>
-              <a:defRPr sz="8000" spc="-50" baseline="0">
+            <a:lvl1pPr>
+              <a:defRPr sz="6600">
+                <a:ln>
+                  <a:noFill/>
+                </a:ln>
                 <a:solidFill>
-                  <a:schemeClr val="tx1">
-                    <a:lumMod val="85000"/>
-                    <a:lumOff val="15000"/>
-                  </a:schemeClr>
+                  <a:schemeClr val="tx2"/>
                 </a:solidFill>
               </a:defRPr>
             </a:lvl1pPr>
           </a:lstStyle>
           <a:p>
             <a:r>
-              <a:rPr lang="en-US"/>
+              <a:rPr lang="en-US" smtClean="0"/>
               <a:t>Click to edit Master title style</a:t>
             </a:r>
             <a:endParaRPr lang="en-US" dirty="0"/>
@@ -274,60 +197,109 @@
         </p:nvSpPr>
         <p:spPr>
           <a:xfrm>
-            <a:off x="1100051" y="4455620"/>
-            <a:ext cx="10058400" cy="1143000"/>
+            <a:off x="914400" y="4572000"/>
+            <a:ext cx="8615680" cy="1066800"/>
           </a:xfrm>
         </p:spPr>
         <p:txBody>
-          <a:bodyPr lIns="91440" rIns="91440">
+          <a:bodyPr anchor="t">
             <a:normAutofit/>
           </a:bodyPr>
           <a:lstStyle>
             <a:lvl1pPr marL="0" indent="0" algn="l">
               <a:buNone/>
-              <a:defRPr sz="2400" cap="all" spc="200" baseline="0">
+              <a:defRPr sz="2000">
                 <a:solidFill>
-                  <a:schemeClr val="tx2"/>
+                  <a:schemeClr val="tx1">
+                    <a:tint val="75000"/>
+                  </a:schemeClr>
                 </a:solidFill>
-                <a:latin typeface="+mj-lt"/>
               </a:defRPr>
             </a:lvl1pPr>
             <a:lvl2pPr marL="457200" indent="0" algn="ctr">
               <a:buNone/>
-              <a:defRPr sz="2400"/>
+              <a:defRPr>
+                <a:solidFill>
+                  <a:schemeClr val="tx1">
+                    <a:tint val="75000"/>
+                  </a:schemeClr>
+                </a:solidFill>
+              </a:defRPr>
             </a:lvl2pPr>
             <a:lvl3pPr marL="914400" indent="0" algn="ctr">
               <a:buNone/>
-              <a:defRPr sz="2400"/>
+              <a:defRPr>
+                <a:solidFill>
+                  <a:schemeClr val="tx1">
+                    <a:tint val="75000"/>
+                  </a:schemeClr>
+                </a:solidFill>
+              </a:defRPr>
             </a:lvl3pPr>
             <a:lvl4pPr marL="1371600" indent="0" algn="ctr">
               <a:buNone/>
-              <a:defRPr sz="2000"/>
+              <a:defRPr>
+                <a:solidFill>
+                  <a:schemeClr val="tx1">
+                    <a:tint val="75000"/>
+                  </a:schemeClr>
+                </a:solidFill>
+              </a:defRPr>
             </a:lvl4pPr>
             <a:lvl5pPr marL="1828800" indent="0" algn="ctr">
               <a:buNone/>
-              <a:defRPr sz="2000"/>
+              <a:defRPr>
+                <a:solidFill>
+                  <a:schemeClr val="tx1">
+                    <a:tint val="75000"/>
+                  </a:schemeClr>
+                </a:solidFill>
+              </a:defRPr>
             </a:lvl5pPr>
             <a:lvl6pPr marL="2286000" indent="0" algn="ctr">
               <a:buNone/>
-              <a:defRPr sz="2000"/>
+              <a:defRPr>
+                <a:solidFill>
+                  <a:schemeClr val="tx1">
+                    <a:tint val="75000"/>
+                  </a:schemeClr>
+                </a:solidFill>
+              </a:defRPr>
             </a:lvl6pPr>
             <a:lvl7pPr marL="2743200" indent="0" algn="ctr">
               <a:buNone/>
-              <a:defRPr sz="2000"/>
+              <a:defRPr>
+                <a:solidFill>
+                  <a:schemeClr val="tx1">
+                    <a:tint val="75000"/>
+                  </a:schemeClr>
+                </a:solidFill>
+              </a:defRPr>
             </a:lvl7pPr>
             <a:lvl8pPr marL="3200400" indent="0" algn="ctr">
               <a:buNone/>
-              <a:defRPr sz="2000"/>
+              <a:defRPr>
+                <a:solidFill>
+                  <a:schemeClr val="tx1">
+                    <a:tint val="75000"/>
+                  </a:schemeClr>
+                </a:solidFill>
+              </a:defRPr>
             </a:lvl8pPr>
             <a:lvl9pPr marL="3657600" indent="0" algn="ctr">
               <a:buNone/>
-              <a:defRPr sz="2000"/>
+              <a:defRPr>
+                <a:solidFill>
+                  <a:schemeClr val="tx1">
+                    <a:tint val="75000"/>
+                  </a:schemeClr>
+                </a:solidFill>
+              </a:defRPr>
             </a:lvl9pPr>
           </a:lstStyle>
           <a:p>
             <a:r>
-              <a:rPr lang="en-US"/>
+              <a:rPr lang="en-US" smtClean="0"/>
               <a:t>Click to edit Master subtitle style</a:t>
             </a:r>
             <a:endParaRPr lang="en-US" dirty="0"/>
@@ -351,7 +323,7 @@
           <a:p>
             <a:fld id="{3A51130B-5554-4741-8142-56D17AB8E1DF}" type="datetimeFigureOut">
               <a:rPr lang="en-US" smtClean="0"/>
-              <a:t>6/10/2020</a:t>
+              <a:t>6/11/2020</a:t>
             </a:fld>
             <a:endParaRPr lang="en-US"/>
           </a:p>
@@ -399,50 +371,7 @@
           </a:p>
         </p:txBody>
       </p:sp>
-      <p:cxnSp>
-        <p:nvCxnSpPr>
-          <p:cNvPr id="9" name="Straight Connector 8"/>
-          <p:cNvCxnSpPr/>
-          <p:nvPr/>
-        </p:nvCxnSpPr>
-        <p:spPr>
-          <a:xfrm>
-            <a:off x="1207658" y="4343400"/>
-            <a:ext cx="9875520" cy="0"/>
-          </a:xfrm>
-          <a:prstGeom prst="line">
-            <a:avLst/>
-          </a:prstGeom>
-          <a:ln w="6350">
-            <a:solidFill>
-              <a:schemeClr val="tx1">
-                <a:lumMod val="50000"/>
-                <a:lumOff val="50000"/>
-              </a:schemeClr>
-            </a:solidFill>
-          </a:ln>
-        </p:spPr>
-        <p:style>
-          <a:lnRef idx="1">
-            <a:schemeClr val="accent1"/>
-          </a:lnRef>
-          <a:fillRef idx="0">
-            <a:schemeClr val="accent1"/>
-          </a:fillRef>
-          <a:effectRef idx="0">
-            <a:schemeClr val="accent1"/>
-          </a:effectRef>
-          <a:fontRef idx="minor">
-            <a:schemeClr val="tx1"/>
-          </a:fontRef>
-        </p:style>
-      </p:cxnSp>
     </p:spTree>
-    <p:extLst>
-      <p:ext uri="{BB962C8B-B14F-4D97-AF65-F5344CB8AC3E}">
-        <p14:creationId xmlns:p14="http://schemas.microsoft.com/office/powerpoint/2010/main" val="1025093573"/>
-      </p:ext>
-    </p:extLst>
   </p:cSld>
   <p:clrMapOvr>
     <a:masterClrMapping/>
@@ -483,10 +412,10 @@
           <a:lstStyle/>
           <a:p>
             <a:r>
-              <a:rPr lang="en-US"/>
+              <a:rPr lang="en-US" smtClean="0"/>
               <a:t>Click to edit Master title style</a:t>
             </a:r>
-            <a:endParaRPr lang="en-US" dirty="0"/>
+            <a:endParaRPr lang="en-US"/>
           </a:p>
         </p:txBody>
       </p:sp>
@@ -502,43 +431,43 @@
         </p:nvSpPr>
         <p:spPr/>
         <p:txBody>
-          <a:bodyPr vert="eaVert" lIns="45720" tIns="0" rIns="45720" bIns="0"/>
+          <a:bodyPr vert="eaVert"/>
           <a:lstStyle/>
           <a:p>
             <a:pPr lvl="0"/>
             <a:r>
-              <a:rPr lang="en-US"/>
+              <a:rPr lang="en-US" smtClean="0"/>
               <a:t>Click to edit Master text styles</a:t>
             </a:r>
           </a:p>
           <a:p>
             <a:pPr lvl="1"/>
             <a:r>
-              <a:rPr lang="en-US"/>
+              <a:rPr lang="en-US" smtClean="0"/>
               <a:t>Second level</a:t>
             </a:r>
           </a:p>
           <a:p>
             <a:pPr lvl="2"/>
             <a:r>
-              <a:rPr lang="en-US"/>
+              <a:rPr lang="en-US" smtClean="0"/>
               <a:t>Third level</a:t>
             </a:r>
           </a:p>
           <a:p>
             <a:pPr lvl="3"/>
             <a:r>
-              <a:rPr lang="en-US"/>
+              <a:rPr lang="en-US" smtClean="0"/>
               <a:t>Fourth level</a:t>
             </a:r>
           </a:p>
           <a:p>
             <a:pPr lvl="4"/>
             <a:r>
-              <a:rPr lang="en-US"/>
+              <a:rPr lang="en-US" smtClean="0"/>
               <a:t>Fifth level</a:t>
             </a:r>
-            <a:endParaRPr lang="en-US" dirty="0"/>
+            <a:endParaRPr lang="en-US"/>
           </a:p>
         </p:txBody>
       </p:sp>
@@ -559,7 +488,7 @@
           <a:p>
             <a:fld id="{3A51130B-5554-4741-8142-56D17AB8E1DF}" type="datetimeFigureOut">
               <a:rPr lang="en-US" smtClean="0"/>
-              <a:t>6/10/2020</a:t>
+              <a:t>6/11/2020</a:t>
             </a:fld>
             <a:endParaRPr lang="en-US"/>
           </a:p>
@@ -608,11 +537,6 @@
         </p:txBody>
       </p:sp>
     </p:spTree>
-    <p:extLst>
-      <p:ext uri="{BB962C8B-B14F-4D97-AF65-F5344CB8AC3E}">
-        <p14:creationId xmlns:p14="http://schemas.microsoft.com/office/powerpoint/2010/main" val="2550504302"/>
-      </p:ext>
-    </p:extLst>
   </p:cSld>
   <p:clrMapOvr>
     <a:masterClrMapping/>
@@ -621,7 +545,7 @@
 </file>
 
 <file path=ppt/slideLayouts/slideLayout11.xml><?xml version="1.0" encoding="utf-8"?>
-<p:sldLayout xmlns:a="http://schemas.openxmlformats.org/drawingml/2006/main" xmlns:r="http://schemas.openxmlformats.org/officeDocument/2006/relationships" xmlns:p="http://schemas.openxmlformats.org/presentationml/2006/main" showMasterSp="0" type="vertTitleAndTx" preserve="1">
+<p:sldLayout xmlns:a="http://schemas.openxmlformats.org/drawingml/2006/main" xmlns:r="http://schemas.openxmlformats.org/officeDocument/2006/relationships" xmlns:p="http://schemas.openxmlformats.org/presentationml/2006/main" type="vertTitleAndTx" preserve="1">
   <p:cSld name="Vertical Title and Text">
     <p:spTree>
       <p:nvGrpSpPr>
@@ -639,162 +563,86 @@
       </p:grpSpPr>
       <p:sp>
         <p:nvSpPr>
-          <p:cNvPr id="7" name="Rectangle 6"/>
-          <p:cNvSpPr/>
-          <p:nvPr/>
+          <p:cNvPr id="2" name="Vertical Title 1"/>
+          <p:cNvSpPr>
+            <a:spLocks noGrp="1"/>
+          </p:cNvSpPr>
+          <p:nvPr>
+            <p:ph type="title" orient="vert"/>
+          </p:nvPr>
         </p:nvSpPr>
         <p:spPr>
           <a:xfrm>
-            <a:off x="3175" y="6400800"/>
-            <a:ext cx="12188825" cy="457200"/>
+            <a:off x="8839200" y="274639"/>
+            <a:ext cx="2336800" cy="5851525"/>
           </a:xfrm>
-          <a:prstGeom prst="rect">
-            <a:avLst/>
-          </a:prstGeom>
-          <a:solidFill>
-            <a:schemeClr val="accent2"/>
-          </a:solidFill>
-          <a:ln>
-            <a:noFill/>
-          </a:ln>
         </p:spPr>
-        <p:style>
-          <a:lnRef idx="2">
-            <a:schemeClr val="accent1">
-              <a:shade val="50000"/>
-            </a:schemeClr>
-          </a:lnRef>
-          <a:fillRef idx="1">
-            <a:schemeClr val="accent1"/>
-          </a:fillRef>
-          <a:effectRef idx="0">
-            <a:schemeClr val="accent1"/>
-          </a:effectRef>
-          <a:fontRef idx="minor">
-            <a:schemeClr val="lt1"/>
-          </a:fontRef>
-        </p:style>
-      </p:sp>
-      <p:sp>
-        <p:nvSpPr>
-          <p:cNvPr id="8" name="Rectangle 7"/>
-          <p:cNvSpPr/>
-          <p:nvPr/>
+        <p:txBody>
+          <a:bodyPr vert="eaVert" anchor="b" anchorCtr="0"/>
+          <a:lstStyle/>
+          <a:p>
+            <a:r>
+              <a:rPr lang="en-US" smtClean="0"/>
+              <a:t>Click to edit Master title style</a:t>
+            </a:r>
+            <a:endParaRPr lang="en-US" dirty="0"/>
+          </a:p>
+        </p:txBody>
+      </p:sp>
+      <p:sp>
+        <p:nvSpPr>
+          <p:cNvPr id="3" name="Vertical Text Placeholder 2"/>
+          <p:cNvSpPr>
+            <a:spLocks noGrp="1"/>
+          </p:cNvSpPr>
+          <p:nvPr>
+            <p:ph type="body" orient="vert" idx="1"/>
+          </p:nvPr>
         </p:nvSpPr>
         <p:spPr>
           <a:xfrm>
-            <a:off x="15" y="6334316"/>
-            <a:ext cx="12188825" cy="64008"/>
-          </a:xfrm>
-          <a:prstGeom prst="rect">
-            <a:avLst/>
-          </a:prstGeom>
-          <a:solidFill>
-            <a:schemeClr val="accent1"/>
-          </a:solidFill>
-          <a:ln>
-            <a:noFill/>
-          </a:ln>
-        </p:spPr>
-        <p:style>
-          <a:lnRef idx="2">
-            <a:schemeClr val="accent1">
-              <a:shade val="50000"/>
-            </a:schemeClr>
-          </a:lnRef>
-          <a:fillRef idx="1">
-            <a:schemeClr val="accent1"/>
-          </a:fillRef>
-          <a:effectRef idx="0">
-            <a:schemeClr val="accent1"/>
-          </a:effectRef>
-          <a:fontRef idx="minor">
-            <a:schemeClr val="lt1"/>
-          </a:fontRef>
-        </p:style>
-      </p:sp>
-      <p:sp>
-        <p:nvSpPr>
-          <p:cNvPr id="2" name="Vertical Title 1"/>
-          <p:cNvSpPr>
-            <a:spLocks noGrp="1"/>
-          </p:cNvSpPr>
-          <p:nvPr>
-            <p:ph type="title" orient="vert"/>
-          </p:nvPr>
-        </p:nvSpPr>
-        <p:spPr>
-          <a:xfrm>
-            <a:off x="8724900" y="414778"/>
-            <a:ext cx="2628900" cy="5757421"/>
+            <a:off x="609600" y="274639"/>
+            <a:ext cx="8026400" cy="5851525"/>
           </a:xfrm>
         </p:spPr>
         <p:txBody>
           <a:bodyPr vert="eaVert"/>
           <a:lstStyle/>
           <a:p>
-            <a:r>
-              <a:rPr lang="en-US"/>
-              <a:t>Click to edit Master title style</a:t>
-            </a:r>
-            <a:endParaRPr lang="en-US" dirty="0"/>
-          </a:p>
-        </p:txBody>
-      </p:sp>
-      <p:sp>
-        <p:nvSpPr>
-          <p:cNvPr id="3" name="Vertical Text Placeholder 2"/>
-          <p:cNvSpPr>
-            <a:spLocks noGrp="1"/>
-          </p:cNvSpPr>
-          <p:nvPr>
-            <p:ph type="body" orient="vert" idx="1"/>
-          </p:nvPr>
-        </p:nvSpPr>
-        <p:spPr>
-          <a:xfrm>
-            <a:off x="838200" y="414778"/>
-            <a:ext cx="7734300" cy="5757422"/>
-          </a:xfrm>
-        </p:spPr>
-        <p:txBody>
-          <a:bodyPr vert="eaVert" lIns="45720" tIns="0" rIns="45720" bIns="0"/>
-          <a:lstStyle/>
-          <a:p>
             <a:pPr lvl="0"/>
             <a:r>
-              <a:rPr lang="en-US"/>
+              <a:rPr lang="en-US" smtClean="0"/>
               <a:t>Click to edit Master text styles</a:t>
             </a:r>
           </a:p>
           <a:p>
             <a:pPr lvl="1"/>
             <a:r>
-              <a:rPr lang="en-US"/>
+              <a:rPr lang="en-US" smtClean="0"/>
               <a:t>Second level</a:t>
             </a:r>
           </a:p>
           <a:p>
             <a:pPr lvl="2"/>
             <a:r>
-              <a:rPr lang="en-US"/>
+              <a:rPr lang="en-US" smtClean="0"/>
               <a:t>Third level</a:t>
             </a:r>
           </a:p>
           <a:p>
             <a:pPr lvl="3"/>
             <a:r>
-              <a:rPr lang="en-US"/>
+              <a:rPr lang="en-US" smtClean="0"/>
               <a:t>Fourth level</a:t>
             </a:r>
           </a:p>
           <a:p>
             <a:pPr lvl="4"/>
             <a:r>
-              <a:rPr lang="en-US"/>
+              <a:rPr lang="en-US" smtClean="0"/>
               <a:t>Fifth level</a:t>
             </a:r>
-            <a:endParaRPr lang="en-US" dirty="0"/>
+            <a:endParaRPr lang="en-US"/>
           </a:p>
         </p:txBody>
       </p:sp>
@@ -815,7 +663,7 @@
           <a:p>
             <a:fld id="{3A51130B-5554-4741-8142-56D17AB8E1DF}" type="datetimeFigureOut">
               <a:rPr lang="en-US" smtClean="0"/>
-              <a:t>6/10/2020</a:t>
+              <a:t>6/11/2020</a:t>
             </a:fld>
             <a:endParaRPr lang="en-US"/>
           </a:p>
@@ -864,11 +712,6 @@
         </p:txBody>
       </p:sp>
     </p:spTree>
-    <p:extLst>
-      <p:ext uri="{BB962C8B-B14F-4D97-AF65-F5344CB8AC3E}">
-        <p14:creationId xmlns:p14="http://schemas.microsoft.com/office/powerpoint/2010/main" val="1923207634"/>
-      </p:ext>
-    </p:extLst>
   </p:cSld>
   <p:clrMapOvr>
     <a:masterClrMapping/>
@@ -906,17 +749,13 @@
         <p:spPr/>
         <p:txBody>
           <a:bodyPr/>
-          <a:lstStyle>
-            <a:lvl1pPr marL="0">
-              <a:defRPr/>
-            </a:lvl1pPr>
-          </a:lstStyle>
-          <a:p>
-            <a:r>
-              <a:rPr lang="en-US"/>
+          <a:lstStyle/>
+          <a:p>
+            <a:r>
+              <a:rPr lang="en-US" smtClean="0"/>
               <a:t>Click to edit Master title style</a:t>
             </a:r>
-            <a:endParaRPr lang="en-US" dirty="0"/>
+            <a:endParaRPr lang="en-US"/>
           </a:p>
         </p:txBody>
       </p:sp>
@@ -937,38 +776,38 @@
           <a:p>
             <a:pPr lvl="0"/>
             <a:r>
-              <a:rPr lang="en-US"/>
+              <a:rPr lang="en-US" smtClean="0"/>
               <a:t>Click to edit Master text styles</a:t>
             </a:r>
           </a:p>
           <a:p>
             <a:pPr lvl="1"/>
             <a:r>
-              <a:rPr lang="en-US"/>
+              <a:rPr lang="en-US" smtClean="0"/>
               <a:t>Second level</a:t>
             </a:r>
           </a:p>
           <a:p>
             <a:pPr lvl="2"/>
             <a:r>
-              <a:rPr lang="en-US"/>
+              <a:rPr lang="en-US" smtClean="0"/>
               <a:t>Third level</a:t>
             </a:r>
           </a:p>
           <a:p>
             <a:pPr lvl="3"/>
             <a:r>
-              <a:rPr lang="en-US"/>
+              <a:rPr lang="en-US" smtClean="0"/>
               <a:t>Fourth level</a:t>
             </a:r>
           </a:p>
           <a:p>
             <a:pPr lvl="4"/>
             <a:r>
-              <a:rPr lang="en-US"/>
+              <a:rPr lang="en-US" smtClean="0"/>
               <a:t>Fifth level</a:t>
             </a:r>
-            <a:endParaRPr lang="en-US" dirty="0"/>
+            <a:endParaRPr lang="en-US"/>
           </a:p>
         </p:txBody>
       </p:sp>
@@ -989,7 +828,7 @@
           <a:p>
             <a:fld id="{3A51130B-5554-4741-8142-56D17AB8E1DF}" type="datetimeFigureOut">
               <a:rPr lang="en-US" smtClean="0"/>
-              <a:t>6/10/2020</a:t>
+              <a:t>6/11/2020</a:t>
             </a:fld>
             <a:endParaRPr lang="en-US"/>
           </a:p>
@@ -1038,11 +877,6 @@
         </p:txBody>
       </p:sp>
     </p:spTree>
-    <p:extLst>
-      <p:ext uri="{BB962C8B-B14F-4D97-AF65-F5344CB8AC3E}">
-        <p14:creationId xmlns:p14="http://schemas.microsoft.com/office/powerpoint/2010/main" val="3569707900"/>
-      </p:ext>
-    </p:extLst>
   </p:cSld>
   <p:clrMapOvr>
     <a:masterClrMapping/>
@@ -1051,16 +885,8 @@
 </file>
 
 <file path=ppt/slideLayouts/slideLayout3.xml><?xml version="1.0" encoding="utf-8"?>
-<p:sldLayout xmlns:a="http://schemas.openxmlformats.org/drawingml/2006/main" xmlns:r="http://schemas.openxmlformats.org/officeDocument/2006/relationships" xmlns:p="http://schemas.openxmlformats.org/presentationml/2006/main" showMasterSp="0" type="secHead" preserve="1">
+<p:sldLayout xmlns:a="http://schemas.openxmlformats.org/drawingml/2006/main" xmlns:r="http://schemas.openxmlformats.org/officeDocument/2006/relationships" xmlns:p="http://schemas.openxmlformats.org/presentationml/2006/main" type="secHead" preserve="1">
   <p:cSld name="Section Header">
-    <p:bg>
-      <p:bgPr>
-        <a:solidFill>
-          <a:schemeClr val="bg1"/>
-        </a:solidFill>
-        <a:effectLst/>
-      </p:bgPr>
-    </p:bg>
     <p:spTree>
       <p:nvGrpSpPr>
         <p:cNvPr id="1" name=""/>
@@ -1077,152 +903,63 @@
       </p:grpSpPr>
       <p:sp>
         <p:nvSpPr>
-          <p:cNvPr id="7" name="Rectangle 6"/>
-          <p:cNvSpPr/>
-          <p:nvPr/>
+          <p:cNvPr id="2" name="Title 1"/>
+          <p:cNvSpPr>
+            <a:spLocks noGrp="1"/>
+          </p:cNvSpPr>
+          <p:nvPr>
+            <p:ph type="title"/>
+          </p:nvPr>
         </p:nvSpPr>
         <p:spPr>
           <a:xfrm>
-            <a:off x="3175" y="6400800"/>
-            <a:ext cx="12188825" cy="457200"/>
+            <a:off x="963085" y="5486400"/>
+            <a:ext cx="10212916" cy="1168400"/>
           </a:xfrm>
-          <a:prstGeom prst="rect">
-            <a:avLst/>
-          </a:prstGeom>
-          <a:solidFill>
-            <a:schemeClr val="accent2"/>
-          </a:solidFill>
-          <a:ln>
-            <a:noFill/>
-          </a:ln>
         </p:spPr>
-        <p:style>
-          <a:lnRef idx="2">
-            <a:schemeClr val="accent1">
-              <a:shade val="50000"/>
-            </a:schemeClr>
-          </a:lnRef>
-          <a:fillRef idx="1">
-            <a:schemeClr val="accent1"/>
-          </a:fillRef>
-          <a:effectRef idx="0">
-            <a:schemeClr val="accent1"/>
-          </a:effectRef>
-          <a:fontRef idx="minor">
-            <a:schemeClr val="lt1"/>
-          </a:fontRef>
-        </p:style>
-      </p:sp>
-      <p:sp>
-        <p:nvSpPr>
-          <p:cNvPr id="8" name="Rectangle 7"/>
-          <p:cNvSpPr/>
-          <p:nvPr/>
+        <p:txBody>
+          <a:bodyPr anchor="t"/>
+          <a:lstStyle>
+            <a:lvl1pPr algn="l">
+              <a:defRPr sz="3600" b="0" cap="all"/>
+            </a:lvl1pPr>
+          </a:lstStyle>
+          <a:p>
+            <a:r>
+              <a:rPr lang="en-US" smtClean="0"/>
+              <a:t>Click to edit Master title style</a:t>
+            </a:r>
+            <a:endParaRPr lang="en-US" dirty="0"/>
+          </a:p>
+        </p:txBody>
+      </p:sp>
+      <p:sp>
+        <p:nvSpPr>
+          <p:cNvPr id="3" name="Text Placeholder 2"/>
+          <p:cNvSpPr>
+            <a:spLocks noGrp="1"/>
+          </p:cNvSpPr>
+          <p:nvPr>
+            <p:ph type="body" idx="1"/>
+          </p:nvPr>
         </p:nvSpPr>
         <p:spPr>
           <a:xfrm>
-            <a:off x="15" y="6334316"/>
-            <a:ext cx="12188825" cy="64008"/>
-          </a:xfrm>
-          <a:prstGeom prst="rect">
-            <a:avLst/>
-          </a:prstGeom>
-          <a:solidFill>
-            <a:schemeClr val="accent1"/>
-          </a:solidFill>
-          <a:ln>
-            <a:noFill/>
-          </a:ln>
-        </p:spPr>
-        <p:style>
-          <a:lnRef idx="2">
-            <a:schemeClr val="accent1">
-              <a:shade val="50000"/>
-            </a:schemeClr>
-          </a:lnRef>
-          <a:fillRef idx="1">
-            <a:schemeClr val="accent1"/>
-          </a:fillRef>
-          <a:effectRef idx="0">
-            <a:schemeClr val="accent1"/>
-          </a:effectRef>
-          <a:fontRef idx="minor">
-            <a:schemeClr val="lt1"/>
-          </a:fontRef>
-        </p:style>
-      </p:sp>
-      <p:sp>
-        <p:nvSpPr>
-          <p:cNvPr id="2" name="Title 1"/>
-          <p:cNvSpPr>
-            <a:spLocks noGrp="1"/>
-          </p:cNvSpPr>
-          <p:nvPr>
-            <p:ph type="title"/>
-          </p:nvPr>
-        </p:nvSpPr>
-        <p:spPr>
-          <a:xfrm>
-            <a:off x="1097280" y="758952"/>
-            <a:ext cx="10058400" cy="3566160"/>
+            <a:off x="963085" y="3852863"/>
+            <a:ext cx="8180916" cy="1633538"/>
           </a:xfrm>
         </p:spPr>
         <p:txBody>
-          <a:bodyPr anchor="b" anchorCtr="0">
-            <a:normAutofit/>
-          </a:bodyPr>
-          <a:lstStyle>
-            <a:lvl1pPr>
-              <a:lnSpc>
-                <a:spcPct val="85000"/>
-              </a:lnSpc>
-              <a:defRPr sz="8000" b="0">
-                <a:solidFill>
-                  <a:schemeClr val="tx1">
-                    <a:lumMod val="85000"/>
-                    <a:lumOff val="15000"/>
-                  </a:schemeClr>
-                </a:solidFill>
-              </a:defRPr>
-            </a:lvl1pPr>
-          </a:lstStyle>
-          <a:p>
-            <a:r>
-              <a:rPr lang="en-US"/>
-              <a:t>Click to edit Master title style</a:t>
-            </a:r>
-            <a:endParaRPr lang="en-US" dirty="0"/>
-          </a:p>
-        </p:txBody>
-      </p:sp>
-      <p:sp>
-        <p:nvSpPr>
-          <p:cNvPr id="3" name="Text Placeholder 2"/>
-          <p:cNvSpPr>
-            <a:spLocks noGrp="1"/>
-          </p:cNvSpPr>
-          <p:nvPr>
-            <p:ph type="body" idx="1"/>
-          </p:nvPr>
-        </p:nvSpPr>
-        <p:spPr>
-          <a:xfrm>
-            <a:off x="1097280" y="4453128"/>
-            <a:ext cx="10058400" cy="1143000"/>
-          </a:xfrm>
-        </p:spPr>
-        <p:txBody>
-          <a:bodyPr lIns="91440" rIns="91440" anchor="t" anchorCtr="0">
-            <a:normAutofit/>
-          </a:bodyPr>
+          <a:bodyPr anchor="b"/>
           <a:lstStyle>
             <a:lvl1pPr marL="0" indent="0">
               <a:buNone/>
-              <a:defRPr sz="2400" cap="all" spc="200" baseline="0">
+              <a:defRPr sz="2000">
                 <a:solidFill>
-                  <a:schemeClr val="tx2"/>
+                  <a:schemeClr val="tx1">
+                    <a:tint val="75000"/>
+                  </a:schemeClr>
                 </a:solidFill>
-                <a:latin typeface="+mj-lt"/>
               </a:defRPr>
             </a:lvl1pPr>
             <a:lvl2pPr marL="457200" indent="0">
@@ -1309,7 +1046,7 @@
           <a:p>
             <a:pPr lvl="0"/>
             <a:r>
-              <a:rPr lang="en-US"/>
+              <a:rPr lang="en-US" smtClean="0"/>
               <a:t>Click to edit Master text styles</a:t>
             </a:r>
           </a:p>
@@ -1332,7 +1069,7 @@
           <a:p>
             <a:fld id="{3A51130B-5554-4741-8142-56D17AB8E1DF}" type="datetimeFigureOut">
               <a:rPr lang="en-US" smtClean="0"/>
-              <a:t>6/10/2020</a:t>
+              <a:t>6/11/2020</a:t>
             </a:fld>
             <a:endParaRPr lang="en-US"/>
           </a:p>
@@ -1380,50 +1117,7 @@
           </a:p>
         </p:txBody>
       </p:sp>
-      <p:cxnSp>
-        <p:nvCxnSpPr>
-          <p:cNvPr id="9" name="Straight Connector 8"/>
-          <p:cNvCxnSpPr/>
-          <p:nvPr/>
-        </p:nvCxnSpPr>
-        <p:spPr>
-          <a:xfrm>
-            <a:off x="1207658" y="4343400"/>
-            <a:ext cx="9875520" cy="0"/>
-          </a:xfrm>
-          <a:prstGeom prst="line">
-            <a:avLst/>
-          </a:prstGeom>
-          <a:ln w="6350">
-            <a:solidFill>
-              <a:schemeClr val="tx1">
-                <a:lumMod val="50000"/>
-                <a:lumOff val="50000"/>
-              </a:schemeClr>
-            </a:solidFill>
-          </a:ln>
-        </p:spPr>
-        <p:style>
-          <a:lnRef idx="1">
-            <a:schemeClr val="accent1"/>
-          </a:lnRef>
-          <a:fillRef idx="0">
-            <a:schemeClr val="accent1"/>
-          </a:fillRef>
-          <a:effectRef idx="0">
-            <a:schemeClr val="accent1"/>
-          </a:effectRef>
-          <a:fontRef idx="minor">
-            <a:schemeClr val="tx1"/>
-          </a:fontRef>
-        </p:style>
-      </p:cxnSp>
     </p:spTree>
-    <p:extLst>
-      <p:ext uri="{BB962C8B-B14F-4D97-AF65-F5344CB8AC3E}">
-        <p14:creationId xmlns:p14="http://schemas.microsoft.com/office/powerpoint/2010/main" val="2356121297"/>
-      </p:ext>
-    </p:extLst>
   </p:cSld>
   <p:clrMapOvr>
     <a:masterClrMapping/>
@@ -1450,27 +1144,107 @@
       </p:grpSpPr>
       <p:sp>
         <p:nvSpPr>
-          <p:cNvPr id="8" name="Title 7"/>
+          <p:cNvPr id="2" name="Title 1"/>
           <p:cNvSpPr>
             <a:spLocks noGrp="1"/>
           </p:cNvSpPr>
           <p:nvPr>
             <p:ph type="title"/>
+          </p:nvPr>
+        </p:nvSpPr>
+        <p:spPr/>
+        <p:txBody>
+          <a:bodyPr/>
+          <a:lstStyle/>
+          <a:p>
+            <a:r>
+              <a:rPr lang="en-US" smtClean="0"/>
+              <a:t>Click to edit Master title style</a:t>
+            </a:r>
+            <a:endParaRPr lang="en-US"/>
+          </a:p>
+        </p:txBody>
+      </p:sp>
+      <p:sp>
+        <p:nvSpPr>
+          <p:cNvPr id="3" name="Content Placeholder 2"/>
+          <p:cNvSpPr>
+            <a:spLocks noGrp="1"/>
+          </p:cNvSpPr>
+          <p:nvPr>
+            <p:ph sz="half" idx="1"/>
           </p:nvPr>
         </p:nvSpPr>
         <p:spPr>
           <a:xfrm>
-            <a:off x="1097280" y="286603"/>
-            <a:ext cx="10058400" cy="1450757"/>
+            <a:off x="609600" y="1536192"/>
+            <a:ext cx="4876800" cy="4590288"/>
           </a:xfrm>
         </p:spPr>
         <p:txBody>
           <a:bodyPr/>
-          <a:lstStyle/>
-          <a:p>
-            <a:r>
-              <a:rPr lang="en-US"/>
-              <a:t>Click to edit Master title style</a:t>
+          <a:lstStyle>
+            <a:lvl1pPr>
+              <a:defRPr sz="2800"/>
+            </a:lvl1pPr>
+            <a:lvl2pPr>
+              <a:defRPr sz="2400"/>
+            </a:lvl2pPr>
+            <a:lvl3pPr>
+              <a:defRPr sz="2000"/>
+            </a:lvl3pPr>
+            <a:lvl4pPr>
+              <a:defRPr sz="1800"/>
+            </a:lvl4pPr>
+            <a:lvl5pPr>
+              <a:defRPr sz="1800"/>
+            </a:lvl5pPr>
+            <a:lvl6pPr>
+              <a:defRPr sz="1800"/>
+            </a:lvl6pPr>
+            <a:lvl7pPr>
+              <a:defRPr sz="1800"/>
+            </a:lvl7pPr>
+            <a:lvl8pPr>
+              <a:defRPr sz="1800"/>
+            </a:lvl8pPr>
+            <a:lvl9pPr>
+              <a:defRPr sz="1800"/>
+            </a:lvl9pPr>
+          </a:lstStyle>
+          <a:p>
+            <a:pPr lvl="0"/>
+            <a:r>
+              <a:rPr lang="en-US" smtClean="0"/>
+              <a:t>Click to edit Master text styles</a:t>
+            </a:r>
+          </a:p>
+          <a:p>
+            <a:pPr lvl="1"/>
+            <a:r>
+              <a:rPr lang="en-US" smtClean="0"/>
+              <a:t>Second level</a:t>
+            </a:r>
+          </a:p>
+          <a:p>
+            <a:pPr lvl="2"/>
+            <a:r>
+              <a:rPr lang="en-US" smtClean="0"/>
+              <a:t>Third level</a:t>
+            </a:r>
+          </a:p>
+          <a:p>
+            <a:pPr lvl="3"/>
+            <a:r>
+              <a:rPr lang="en-US" smtClean="0"/>
+              <a:t>Fourth level</a:t>
+            </a:r>
+          </a:p>
+          <a:p>
+            <a:pPr lvl="4"/>
+            <a:r>
+              <a:rPr lang="en-US" smtClean="0"/>
+              <a:t>Fifth level</a:t>
             </a:r>
             <a:endParaRPr lang="en-US" dirty="0"/>
           </a:p>
@@ -1478,55 +1252,83 @@
       </p:sp>
       <p:sp>
         <p:nvSpPr>
-          <p:cNvPr id="3" name="Content Placeholder 2"/>
-          <p:cNvSpPr>
-            <a:spLocks noGrp="1"/>
-          </p:cNvSpPr>
-          <p:nvPr>
-            <p:ph sz="half" idx="1"/>
+          <p:cNvPr id="4" name="Content Placeholder 3"/>
+          <p:cNvSpPr>
+            <a:spLocks noGrp="1"/>
+          </p:cNvSpPr>
+          <p:nvPr>
+            <p:ph sz="half" idx="2"/>
           </p:nvPr>
         </p:nvSpPr>
         <p:spPr>
           <a:xfrm>
-            <a:off x="1097279" y="1845734"/>
-            <a:ext cx="4937760" cy="4023360"/>
+            <a:off x="5892800" y="1536192"/>
+            <a:ext cx="4876800" cy="4590288"/>
           </a:xfrm>
         </p:spPr>
         <p:txBody>
           <a:bodyPr/>
-          <a:lstStyle/>
+          <a:lstStyle>
+            <a:lvl1pPr>
+              <a:defRPr sz="2800"/>
+            </a:lvl1pPr>
+            <a:lvl2pPr>
+              <a:defRPr sz="2400"/>
+            </a:lvl2pPr>
+            <a:lvl3pPr>
+              <a:defRPr sz="2000"/>
+            </a:lvl3pPr>
+            <a:lvl4pPr>
+              <a:defRPr sz="1800"/>
+            </a:lvl4pPr>
+            <a:lvl5pPr>
+              <a:defRPr sz="1800"/>
+            </a:lvl5pPr>
+            <a:lvl6pPr>
+              <a:defRPr sz="1800"/>
+            </a:lvl6pPr>
+            <a:lvl7pPr>
+              <a:defRPr sz="1800"/>
+            </a:lvl7pPr>
+            <a:lvl8pPr>
+              <a:defRPr sz="1800"/>
+            </a:lvl8pPr>
+            <a:lvl9pPr>
+              <a:defRPr sz="1800"/>
+            </a:lvl9pPr>
+          </a:lstStyle>
           <a:p>
             <a:pPr lvl="0"/>
             <a:r>
-              <a:rPr lang="en-US"/>
+              <a:rPr lang="en-US" smtClean="0"/>
               <a:t>Click to edit Master text styles</a:t>
             </a:r>
           </a:p>
           <a:p>
             <a:pPr lvl="1"/>
             <a:r>
-              <a:rPr lang="en-US"/>
+              <a:rPr lang="en-US" smtClean="0"/>
               <a:t>Second level</a:t>
             </a:r>
           </a:p>
           <a:p>
             <a:pPr lvl="2"/>
             <a:r>
-              <a:rPr lang="en-US"/>
+              <a:rPr lang="en-US" smtClean="0"/>
               <a:t>Third level</a:t>
             </a:r>
           </a:p>
           <a:p>
             <a:pPr lvl="3"/>
             <a:r>
-              <a:rPr lang="en-US"/>
+              <a:rPr lang="en-US" smtClean="0"/>
               <a:t>Fourth level</a:t>
             </a:r>
           </a:p>
           <a:p>
             <a:pPr lvl="4"/>
             <a:r>
-              <a:rPr lang="en-US"/>
+              <a:rPr lang="en-US" smtClean="0"/>
               <a:t>Fifth level</a:t>
             </a:r>
             <a:endParaRPr lang="en-US" dirty="0"/>
@@ -1535,63 +1337,6 @@
       </p:sp>
       <p:sp>
         <p:nvSpPr>
-          <p:cNvPr id="4" name="Content Placeholder 3"/>
-          <p:cNvSpPr>
-            <a:spLocks noGrp="1"/>
-          </p:cNvSpPr>
-          <p:nvPr>
-            <p:ph sz="half" idx="2"/>
-          </p:nvPr>
-        </p:nvSpPr>
-        <p:spPr>
-          <a:xfrm>
-            <a:off x="6217920" y="1845735"/>
-            <a:ext cx="4937760" cy="4023360"/>
-          </a:xfrm>
-        </p:spPr>
-        <p:txBody>
-          <a:bodyPr/>
-          <a:lstStyle/>
-          <a:p>
-            <a:pPr lvl="0"/>
-            <a:r>
-              <a:rPr lang="en-US"/>
-              <a:t>Click to edit Master text styles</a:t>
-            </a:r>
-          </a:p>
-          <a:p>
-            <a:pPr lvl="1"/>
-            <a:r>
-              <a:rPr lang="en-US"/>
-              <a:t>Second level</a:t>
-            </a:r>
-          </a:p>
-          <a:p>
-            <a:pPr lvl="2"/>
-            <a:r>
-              <a:rPr lang="en-US"/>
-              <a:t>Third level</a:t>
-            </a:r>
-          </a:p>
-          <a:p>
-            <a:pPr lvl="3"/>
-            <a:r>
-              <a:rPr lang="en-US"/>
-              <a:t>Fourth level</a:t>
-            </a:r>
-          </a:p>
-          <a:p>
-            <a:pPr lvl="4"/>
-            <a:r>
-              <a:rPr lang="en-US"/>
-              <a:t>Fifth level</a:t>
-            </a:r>
-            <a:endParaRPr lang="en-US" dirty="0"/>
-          </a:p>
-        </p:txBody>
-      </p:sp>
-      <p:sp>
-        <p:nvSpPr>
           <p:cNvPr id="5" name="Date Placeholder 4"/>
           <p:cNvSpPr>
             <a:spLocks noGrp="1"/>
@@ -1607,7 +1352,7 @@
           <a:p>
             <a:fld id="{3A51130B-5554-4741-8142-56D17AB8E1DF}" type="datetimeFigureOut">
               <a:rPr lang="en-US" smtClean="0"/>
-              <a:t>6/10/2020</a:t>
+              <a:t>6/11/2020</a:t>
             </a:fld>
             <a:endParaRPr lang="en-US"/>
           </a:p>
@@ -1656,11 +1401,6 @@
         </p:txBody>
       </p:sp>
     </p:spTree>
-    <p:extLst>
-      <p:ext uri="{BB962C8B-B14F-4D97-AF65-F5344CB8AC3E}">
-        <p14:creationId xmlns:p14="http://schemas.microsoft.com/office/powerpoint/2010/main" val="1606715143"/>
-      </p:ext>
-    </p:extLst>
   </p:cSld>
   <p:clrMapOvr>
     <a:masterClrMapping/>
@@ -1687,56 +1427,55 @@
       </p:grpSpPr>
       <p:sp>
         <p:nvSpPr>
-          <p:cNvPr id="10" name="Title 9"/>
+          <p:cNvPr id="2" name="Title 1"/>
           <p:cNvSpPr>
             <a:spLocks noGrp="1"/>
           </p:cNvSpPr>
           <p:nvPr>
             <p:ph type="title"/>
+          </p:nvPr>
+        </p:nvSpPr>
+        <p:spPr/>
+        <p:txBody>
+          <a:bodyPr/>
+          <a:lstStyle>
+            <a:lvl1pPr>
+              <a:defRPr/>
+            </a:lvl1pPr>
+          </a:lstStyle>
+          <a:p>
+            <a:r>
+              <a:rPr lang="en-US" smtClean="0"/>
+              <a:t>Click to edit Master title style</a:t>
+            </a:r>
+            <a:endParaRPr lang="en-US"/>
+          </a:p>
+        </p:txBody>
+      </p:sp>
+      <p:sp>
+        <p:nvSpPr>
+          <p:cNvPr id="3" name="Text Placeholder 2"/>
+          <p:cNvSpPr>
+            <a:spLocks noGrp="1"/>
+          </p:cNvSpPr>
+          <p:nvPr>
+            <p:ph type="body" idx="1"/>
           </p:nvPr>
         </p:nvSpPr>
         <p:spPr>
           <a:xfrm>
-            <a:off x="1097280" y="286603"/>
-            <a:ext cx="10058400" cy="1450757"/>
+            <a:off x="609600" y="1535113"/>
+            <a:ext cx="4876800" cy="639762"/>
           </a:xfrm>
         </p:spPr>
         <p:txBody>
-          <a:bodyPr/>
-          <a:lstStyle/>
-          <a:p>
-            <a:r>
-              <a:rPr lang="en-US"/>
-              <a:t>Click to edit Master title style</a:t>
-            </a:r>
-            <a:endParaRPr lang="en-US" dirty="0"/>
-          </a:p>
-        </p:txBody>
-      </p:sp>
-      <p:sp>
-        <p:nvSpPr>
-          <p:cNvPr id="3" name="Text Placeholder 2"/>
-          <p:cNvSpPr>
-            <a:spLocks noGrp="1"/>
-          </p:cNvSpPr>
-          <p:nvPr>
-            <p:ph type="body" idx="1"/>
-          </p:nvPr>
-        </p:nvSpPr>
-        <p:spPr>
-          <a:xfrm>
-            <a:off x="1097280" y="1846052"/>
-            <a:ext cx="4937760" cy="736282"/>
-          </a:xfrm>
-        </p:spPr>
-        <p:txBody>
-          <a:bodyPr lIns="91440" rIns="91440" anchor="ctr">
-            <a:normAutofit/>
+          <a:bodyPr anchor="b">
+            <a:noAutofit/>
           </a:bodyPr>
           <a:lstStyle>
-            <a:lvl1pPr marL="0" indent="0">
+            <a:lvl1pPr marL="0" indent="0" algn="ctr">
               <a:buNone/>
-              <a:defRPr sz="2000" b="0" cap="all" baseline="0">
+              <a:defRPr sz="2000" b="1">
                 <a:solidFill>
                   <a:schemeClr val="tx2"/>
                 </a:solidFill>
@@ -1778,7 +1517,7 @@
           <a:p>
             <a:pPr lvl="0"/>
             <a:r>
-              <a:rPr lang="en-US"/>
+              <a:rPr lang="en-US" smtClean="0"/>
               <a:t>Click to edit Master text styles</a:t>
             </a:r>
           </a:p>
@@ -1796,45 +1535,73 @@
         </p:nvSpPr>
         <p:spPr>
           <a:xfrm>
-            <a:off x="1097280" y="2582334"/>
-            <a:ext cx="4937760" cy="3378200"/>
+            <a:off x="609600" y="2174875"/>
+            <a:ext cx="4876800" cy="3951288"/>
           </a:xfrm>
         </p:spPr>
         <p:txBody>
           <a:bodyPr/>
-          <a:lstStyle/>
+          <a:lstStyle>
+            <a:lvl1pPr>
+              <a:defRPr sz="2400"/>
+            </a:lvl1pPr>
+            <a:lvl2pPr>
+              <a:defRPr sz="2000"/>
+            </a:lvl2pPr>
+            <a:lvl3pPr>
+              <a:defRPr sz="1800"/>
+            </a:lvl3pPr>
+            <a:lvl4pPr>
+              <a:defRPr sz="1600"/>
+            </a:lvl4pPr>
+            <a:lvl5pPr>
+              <a:defRPr sz="1600"/>
+            </a:lvl5pPr>
+            <a:lvl6pPr>
+              <a:defRPr sz="1600"/>
+            </a:lvl6pPr>
+            <a:lvl7pPr>
+              <a:defRPr sz="1600"/>
+            </a:lvl7pPr>
+            <a:lvl8pPr>
+              <a:defRPr sz="1600"/>
+            </a:lvl8pPr>
+            <a:lvl9pPr>
+              <a:defRPr sz="1600"/>
+            </a:lvl9pPr>
+          </a:lstStyle>
           <a:p>
             <a:pPr lvl="0"/>
             <a:r>
-              <a:rPr lang="en-US"/>
+              <a:rPr lang="en-US" smtClean="0"/>
               <a:t>Click to edit Master text styles</a:t>
             </a:r>
           </a:p>
           <a:p>
             <a:pPr lvl="1"/>
             <a:r>
-              <a:rPr lang="en-US"/>
+              <a:rPr lang="en-US" smtClean="0"/>
               <a:t>Second level</a:t>
             </a:r>
           </a:p>
           <a:p>
             <a:pPr lvl="2"/>
             <a:r>
-              <a:rPr lang="en-US"/>
+              <a:rPr lang="en-US" smtClean="0"/>
               <a:t>Third level</a:t>
             </a:r>
           </a:p>
           <a:p>
             <a:pPr lvl="3"/>
             <a:r>
-              <a:rPr lang="en-US"/>
+              <a:rPr lang="en-US" smtClean="0"/>
               <a:t>Fourth level</a:t>
             </a:r>
           </a:p>
           <a:p>
             <a:pPr lvl="4"/>
             <a:r>
-              <a:rPr lang="en-US"/>
+              <a:rPr lang="en-US" smtClean="0"/>
               <a:t>Fifth level</a:t>
             </a:r>
             <a:endParaRPr lang="en-US" dirty="0"/>
@@ -1853,18 +1620,18 @@
         </p:nvSpPr>
         <p:spPr>
           <a:xfrm>
-            <a:off x="6217920" y="1846052"/>
-            <a:ext cx="4937760" cy="736282"/>
+            <a:off x="5892800" y="1535113"/>
+            <a:ext cx="4876800" cy="639762"/>
           </a:xfrm>
         </p:spPr>
         <p:txBody>
-          <a:bodyPr lIns="91440" rIns="91440" anchor="ctr">
-            <a:normAutofit/>
+          <a:bodyPr anchor="b">
+            <a:noAutofit/>
           </a:bodyPr>
           <a:lstStyle>
-            <a:lvl1pPr marL="0" indent="0">
+            <a:lvl1pPr marL="0" indent="0" algn="ctr">
               <a:buNone/>
-              <a:defRPr sz="2000" b="0" cap="all" baseline="0">
+              <a:defRPr sz="2000" b="1">
                 <a:solidFill>
                   <a:schemeClr val="tx2"/>
                 </a:solidFill>
@@ -1906,7 +1673,7 @@
           <a:p>
             <a:pPr lvl="0"/>
             <a:r>
-              <a:rPr lang="en-US"/>
+              <a:rPr lang="en-US" smtClean="0"/>
               <a:t>Click to edit Master text styles</a:t>
             </a:r>
           </a:p>
@@ -1924,48 +1691,76 @@
         </p:nvSpPr>
         <p:spPr>
           <a:xfrm>
-            <a:off x="6217920" y="2582334"/>
-            <a:ext cx="4937760" cy="3378200"/>
+            <a:off x="5892800" y="2174875"/>
+            <a:ext cx="4876800" cy="3951288"/>
           </a:xfrm>
         </p:spPr>
         <p:txBody>
           <a:bodyPr/>
-          <a:lstStyle/>
+          <a:lstStyle>
+            <a:lvl1pPr>
+              <a:defRPr sz="2400"/>
+            </a:lvl1pPr>
+            <a:lvl2pPr>
+              <a:defRPr sz="2000"/>
+            </a:lvl2pPr>
+            <a:lvl3pPr>
+              <a:defRPr sz="1800"/>
+            </a:lvl3pPr>
+            <a:lvl4pPr>
+              <a:defRPr sz="1600"/>
+            </a:lvl4pPr>
+            <a:lvl5pPr>
+              <a:defRPr sz="1600"/>
+            </a:lvl5pPr>
+            <a:lvl6pPr>
+              <a:defRPr sz="1600"/>
+            </a:lvl6pPr>
+            <a:lvl7pPr>
+              <a:defRPr sz="1600"/>
+            </a:lvl7pPr>
+            <a:lvl8pPr>
+              <a:defRPr sz="1600"/>
+            </a:lvl8pPr>
+            <a:lvl9pPr>
+              <a:defRPr sz="1600"/>
+            </a:lvl9pPr>
+          </a:lstStyle>
           <a:p>
             <a:pPr lvl="0"/>
             <a:r>
-              <a:rPr lang="en-US"/>
+              <a:rPr lang="en-US" smtClean="0"/>
               <a:t>Click to edit Master text styles</a:t>
             </a:r>
           </a:p>
           <a:p>
             <a:pPr lvl="1"/>
             <a:r>
-              <a:rPr lang="en-US"/>
+              <a:rPr lang="en-US" smtClean="0"/>
               <a:t>Second level</a:t>
             </a:r>
           </a:p>
           <a:p>
             <a:pPr lvl="2"/>
             <a:r>
-              <a:rPr lang="en-US"/>
+              <a:rPr lang="en-US" smtClean="0"/>
               <a:t>Third level</a:t>
             </a:r>
           </a:p>
           <a:p>
             <a:pPr lvl="3"/>
             <a:r>
-              <a:rPr lang="en-US"/>
+              <a:rPr lang="en-US" smtClean="0"/>
               <a:t>Fourth level</a:t>
             </a:r>
           </a:p>
           <a:p>
             <a:pPr lvl="4"/>
             <a:r>
-              <a:rPr lang="en-US"/>
+              <a:rPr lang="en-US" smtClean="0"/>
               <a:t>Fifth level</a:t>
             </a:r>
-            <a:endParaRPr lang="en-US" dirty="0"/>
+            <a:endParaRPr lang="en-US"/>
           </a:p>
         </p:txBody>
       </p:sp>
@@ -1986,7 +1781,7 @@
           <a:p>
             <a:fld id="{3A51130B-5554-4741-8142-56D17AB8E1DF}" type="datetimeFigureOut">
               <a:rPr lang="en-US" smtClean="0"/>
-              <a:t>6/10/2020</a:t>
+              <a:t>6/11/2020</a:t>
             </a:fld>
             <a:endParaRPr lang="en-US"/>
           </a:p>
@@ -2035,11 +1830,6 @@
         </p:txBody>
       </p:sp>
     </p:spTree>
-    <p:extLst>
-      <p:ext uri="{BB962C8B-B14F-4D97-AF65-F5344CB8AC3E}">
-        <p14:creationId xmlns:p14="http://schemas.microsoft.com/office/powerpoint/2010/main" val="1429433149"/>
-      </p:ext>
-    </p:extLst>
   </p:cSld>
   <p:clrMapOvr>
     <a:masterClrMapping/>
@@ -2080,10 +1870,10 @@
           <a:lstStyle/>
           <a:p>
             <a:r>
-              <a:rPr lang="en-US"/>
+              <a:rPr lang="en-US" smtClean="0"/>
               <a:t>Click to edit Master title style</a:t>
             </a:r>
-            <a:endParaRPr lang="en-US" dirty="0"/>
+            <a:endParaRPr lang="en-US"/>
           </a:p>
         </p:txBody>
       </p:sp>
@@ -2104,7 +1894,7 @@
           <a:p>
             <a:fld id="{3A51130B-5554-4741-8142-56D17AB8E1DF}" type="datetimeFigureOut">
               <a:rPr lang="en-US" smtClean="0"/>
-              <a:t>6/10/2020</a:t>
+              <a:t>6/11/2020</a:t>
             </a:fld>
             <a:endParaRPr lang="en-US"/>
           </a:p>
@@ -2153,11 +1943,6 @@
         </p:txBody>
       </p:sp>
     </p:spTree>
-    <p:extLst>
-      <p:ext uri="{BB962C8B-B14F-4D97-AF65-F5344CB8AC3E}">
-        <p14:creationId xmlns:p14="http://schemas.microsoft.com/office/powerpoint/2010/main" val="875221248"/>
-      </p:ext>
-    </p:extLst>
   </p:cSld>
   <p:clrMapOvr>
     <a:masterClrMapping/>
@@ -2166,7 +1951,7 @@
 </file>
 
 <file path=ppt/slideLayouts/slideLayout7.xml><?xml version="1.0" encoding="utf-8"?>
-<p:sldLayout xmlns:a="http://schemas.openxmlformats.org/drawingml/2006/main" xmlns:r="http://schemas.openxmlformats.org/officeDocument/2006/relationships" xmlns:p="http://schemas.openxmlformats.org/presentationml/2006/main" showMasterSp="0" type="blank" preserve="1">
+<p:sldLayout xmlns:a="http://schemas.openxmlformats.org/drawingml/2006/main" xmlns:r="http://schemas.openxmlformats.org/officeDocument/2006/relationships" xmlns:p="http://schemas.openxmlformats.org/presentationml/2006/main" type="blank" preserve="1">
   <p:cSld name="Blank">
     <p:spTree>
       <p:nvGrpSpPr>
@@ -2184,83 +1969,7 @@
       </p:grpSpPr>
       <p:sp>
         <p:nvSpPr>
-          <p:cNvPr id="5" name="Rectangle 4"/>
-          <p:cNvSpPr/>
-          <p:nvPr/>
-        </p:nvSpPr>
-        <p:spPr>
-          <a:xfrm>
-            <a:off x="3175" y="6400800"/>
-            <a:ext cx="12188825" cy="457200"/>
-          </a:xfrm>
-          <a:prstGeom prst="rect">
-            <a:avLst/>
-          </a:prstGeom>
-          <a:solidFill>
-            <a:schemeClr val="accent2"/>
-          </a:solidFill>
-          <a:ln>
-            <a:noFill/>
-          </a:ln>
-        </p:spPr>
-        <p:style>
-          <a:lnRef idx="2">
-            <a:schemeClr val="accent1">
-              <a:shade val="50000"/>
-            </a:schemeClr>
-          </a:lnRef>
-          <a:fillRef idx="1">
-            <a:schemeClr val="accent1"/>
-          </a:fillRef>
-          <a:effectRef idx="0">
-            <a:schemeClr val="accent1"/>
-          </a:effectRef>
-          <a:fontRef idx="minor">
-            <a:schemeClr val="lt1"/>
-          </a:fontRef>
-        </p:style>
-      </p:sp>
-      <p:sp>
-        <p:nvSpPr>
-          <p:cNvPr id="6" name="Rectangle 5"/>
-          <p:cNvSpPr/>
-          <p:nvPr/>
-        </p:nvSpPr>
-        <p:spPr>
-          <a:xfrm>
-            <a:off x="15" y="6334316"/>
-            <a:ext cx="12188825" cy="64008"/>
-          </a:xfrm>
-          <a:prstGeom prst="rect">
-            <a:avLst/>
-          </a:prstGeom>
-          <a:solidFill>
-            <a:schemeClr val="accent1"/>
-          </a:solidFill>
-          <a:ln>
-            <a:noFill/>
-          </a:ln>
-        </p:spPr>
-        <p:style>
-          <a:lnRef idx="2">
-            <a:schemeClr val="accent1">
-              <a:shade val="50000"/>
-            </a:schemeClr>
-          </a:lnRef>
-          <a:fillRef idx="1">
-            <a:schemeClr val="accent1"/>
-          </a:fillRef>
-          <a:effectRef idx="0">
-            <a:schemeClr val="accent1"/>
-          </a:effectRef>
-          <a:fontRef idx="minor">
-            <a:schemeClr val="lt1"/>
-          </a:fontRef>
-        </p:style>
-      </p:sp>
-      <p:sp>
-        <p:nvSpPr>
-          <p:cNvPr id="7" name="Date Placeholder 6"/>
+          <p:cNvPr id="2" name="Date Placeholder 1"/>
           <p:cNvSpPr>
             <a:spLocks noGrp="1"/>
           </p:cNvSpPr>
@@ -2275,7 +1984,7 @@
           <a:p>
             <a:fld id="{3A51130B-5554-4741-8142-56D17AB8E1DF}" type="datetimeFigureOut">
               <a:rPr lang="en-US" smtClean="0"/>
-              <a:t>6/10/2020</a:t>
+              <a:t>6/11/2020</a:t>
             </a:fld>
             <a:endParaRPr lang="en-US"/>
           </a:p>
@@ -2283,7 +1992,7 @@
       </p:sp>
       <p:sp>
         <p:nvSpPr>
-          <p:cNvPr id="8" name="Footer Placeholder 7"/>
+          <p:cNvPr id="3" name="Footer Placeholder 2"/>
           <p:cNvSpPr>
             <a:spLocks noGrp="1"/>
           </p:cNvSpPr>
@@ -2294,15 +2003,7 @@
         <p:spPr/>
         <p:txBody>
           <a:bodyPr/>
-          <a:lstStyle>
-            <a:lvl1pPr>
-              <a:defRPr>
-                <a:solidFill>
-                  <a:srgbClr val="FFFFFF"/>
-                </a:solidFill>
-              </a:defRPr>
-            </a:lvl1pPr>
-          </a:lstStyle>
+          <a:lstStyle/>
           <a:p>
             <a:endParaRPr lang="en-US"/>
           </a:p>
@@ -2310,7 +2011,7 @@
       </p:sp>
       <p:sp>
         <p:nvSpPr>
-          <p:cNvPr id="9" name="Slide Number Placeholder 8"/>
+          <p:cNvPr id="4" name="Slide Number Placeholder 3"/>
           <p:cNvSpPr>
             <a:spLocks noGrp="1"/>
           </p:cNvSpPr>
@@ -2332,11 +2033,6 @@
         </p:txBody>
       </p:sp>
     </p:spTree>
-    <p:extLst>
-      <p:ext uri="{BB962C8B-B14F-4D97-AF65-F5344CB8AC3E}">
-        <p14:creationId xmlns:p14="http://schemas.microsoft.com/office/powerpoint/2010/main" val="1041428343"/>
-      </p:ext>
-    </p:extLst>
   </p:cSld>
   <p:clrMapOvr>
     <a:masterClrMapping/>
@@ -2345,7 +2041,7 @@
 </file>
 
 <file path=ppt/slideLayouts/slideLayout8.xml><?xml version="1.0" encoding="utf-8"?>
-<p:sldLayout xmlns:a="http://schemas.openxmlformats.org/drawingml/2006/main" xmlns:r="http://schemas.openxmlformats.org/officeDocument/2006/relationships" xmlns:p="http://schemas.openxmlformats.org/presentationml/2006/main" showMasterSp="0" type="objTx" preserve="1">
+<p:sldLayout xmlns:a="http://schemas.openxmlformats.org/drawingml/2006/main" xmlns:r="http://schemas.openxmlformats.org/officeDocument/2006/relationships" xmlns:p="http://schemas.openxmlformats.org/presentationml/2006/main" type="objTx" preserve="1">
   <p:cSld name="Content with Caption">
     <p:spTree>
       <p:nvGrpSpPr>
@@ -2363,203 +2059,60 @@
       </p:grpSpPr>
       <p:sp>
         <p:nvSpPr>
-          <p:cNvPr id="8" name="Rectangle 7"/>
-          <p:cNvSpPr/>
-          <p:nvPr/>
+          <p:cNvPr id="2" name="Title 1"/>
+          <p:cNvSpPr>
+            <a:spLocks noGrp="1"/>
+          </p:cNvSpPr>
+          <p:nvPr>
+            <p:ph type="title"/>
+          </p:nvPr>
         </p:nvSpPr>
         <p:spPr>
           <a:xfrm>
-            <a:off x="16" y="0"/>
-            <a:ext cx="4050791" cy="6858000"/>
+            <a:off x="406401" y="5495544"/>
+            <a:ext cx="10363200" cy="594360"/>
           </a:xfrm>
-          <a:prstGeom prst="rect">
-            <a:avLst/>
-          </a:prstGeom>
-          <a:solidFill>
-            <a:schemeClr val="accent2"/>
-          </a:solidFill>
-          <a:ln>
-            <a:noFill/>
-          </a:ln>
         </p:spPr>
-        <p:style>
-          <a:lnRef idx="2">
-            <a:schemeClr val="accent1">
-              <a:shade val="50000"/>
-            </a:schemeClr>
-          </a:lnRef>
-          <a:fillRef idx="1">
-            <a:schemeClr val="accent1"/>
-          </a:fillRef>
-          <a:effectRef idx="0">
-            <a:schemeClr val="accent1"/>
-          </a:effectRef>
-          <a:fontRef idx="minor">
-            <a:schemeClr val="lt1"/>
-          </a:fontRef>
-        </p:style>
-      </p:sp>
-      <p:sp>
-        <p:nvSpPr>
-          <p:cNvPr id="9" name="Rectangle 8"/>
-          <p:cNvSpPr/>
-          <p:nvPr/>
+        <p:txBody>
+          <a:bodyPr anchor="b"/>
+          <a:lstStyle>
+            <a:lvl1pPr algn="ctr">
+              <a:defRPr sz="2200" b="1"/>
+            </a:lvl1pPr>
+          </a:lstStyle>
+          <a:p>
+            <a:r>
+              <a:rPr lang="en-US" smtClean="0"/>
+              <a:t>Click to edit Master title style</a:t>
+            </a:r>
+            <a:endParaRPr lang="en-US" dirty="0"/>
+          </a:p>
+        </p:txBody>
+      </p:sp>
+      <p:sp>
+        <p:nvSpPr>
+          <p:cNvPr id="4" name="Text Placeholder 3"/>
+          <p:cNvSpPr>
+            <a:spLocks noGrp="1"/>
+          </p:cNvSpPr>
+          <p:nvPr>
+            <p:ph type="body" sz="half" idx="2"/>
+          </p:nvPr>
         </p:nvSpPr>
         <p:spPr>
           <a:xfrm>
-            <a:off x="4040071" y="0"/>
-            <a:ext cx="64008" cy="6858000"/>
-          </a:xfrm>
-          <a:prstGeom prst="rect">
-            <a:avLst/>
-          </a:prstGeom>
-          <a:solidFill>
-            <a:schemeClr val="accent1"/>
-          </a:solidFill>
-          <a:ln>
-            <a:noFill/>
-          </a:ln>
-        </p:spPr>
-        <p:style>
-          <a:lnRef idx="2">
-            <a:schemeClr val="accent1">
-              <a:shade val="50000"/>
-            </a:schemeClr>
-          </a:lnRef>
-          <a:fillRef idx="1">
-            <a:schemeClr val="accent1"/>
-          </a:fillRef>
-          <a:effectRef idx="0">
-            <a:schemeClr val="accent1"/>
-          </a:effectRef>
-          <a:fontRef idx="minor">
-            <a:schemeClr val="lt1"/>
-          </a:fontRef>
-        </p:style>
-      </p:sp>
-      <p:sp>
-        <p:nvSpPr>
-          <p:cNvPr id="2" name="Title 1"/>
-          <p:cNvSpPr>
-            <a:spLocks noGrp="1"/>
-          </p:cNvSpPr>
-          <p:nvPr>
-            <p:ph type="title"/>
-          </p:nvPr>
-        </p:nvSpPr>
-        <p:spPr>
-          <a:xfrm>
-            <a:off x="457200" y="594359"/>
-            <a:ext cx="3200400" cy="2286000"/>
+            <a:off x="406400" y="6096000"/>
+            <a:ext cx="10363201" cy="609600"/>
           </a:xfrm>
         </p:spPr>
         <p:txBody>
-          <a:bodyPr anchor="b">
+          <a:bodyPr>
             <a:normAutofit/>
           </a:bodyPr>
           <a:lstStyle>
-            <a:lvl1pPr>
-              <a:defRPr sz="3600" b="0">
-                <a:solidFill>
-                  <a:srgbClr val="FFFFFF"/>
-                </a:solidFill>
-              </a:defRPr>
-            </a:lvl1pPr>
-          </a:lstStyle>
-          <a:p>
-            <a:r>
-              <a:rPr lang="en-US"/>
-              <a:t>Click to edit Master title style</a:t>
-            </a:r>
-            <a:endParaRPr lang="en-US" dirty="0"/>
-          </a:p>
-        </p:txBody>
-      </p:sp>
-      <p:sp>
-        <p:nvSpPr>
-          <p:cNvPr id="3" name="Content Placeholder 2"/>
-          <p:cNvSpPr>
-            <a:spLocks noGrp="1"/>
-          </p:cNvSpPr>
-          <p:nvPr>
-            <p:ph idx="1"/>
-          </p:nvPr>
-        </p:nvSpPr>
-        <p:spPr>
-          <a:xfrm>
-            <a:off x="4800600" y="731520"/>
-            <a:ext cx="6492240" cy="5257800"/>
-          </a:xfrm>
-        </p:spPr>
-        <p:txBody>
-          <a:bodyPr/>
-          <a:lstStyle/>
-          <a:p>
-            <a:pPr lvl="0"/>
-            <a:r>
-              <a:rPr lang="en-US"/>
-              <a:t>Click to edit Master text styles</a:t>
-            </a:r>
-          </a:p>
-          <a:p>
-            <a:pPr lvl="1"/>
-            <a:r>
-              <a:rPr lang="en-US"/>
-              <a:t>Second level</a:t>
-            </a:r>
-          </a:p>
-          <a:p>
-            <a:pPr lvl="2"/>
-            <a:r>
-              <a:rPr lang="en-US"/>
-              <a:t>Third level</a:t>
-            </a:r>
-          </a:p>
-          <a:p>
-            <a:pPr lvl="3"/>
-            <a:r>
-              <a:rPr lang="en-US"/>
-              <a:t>Fourth level</a:t>
-            </a:r>
-          </a:p>
-          <a:p>
-            <a:pPr lvl="4"/>
-            <a:r>
-              <a:rPr lang="en-US"/>
-              <a:t>Fifth level</a:t>
-            </a:r>
-            <a:endParaRPr lang="en-US" dirty="0"/>
-          </a:p>
-        </p:txBody>
-      </p:sp>
-      <p:sp>
-        <p:nvSpPr>
-          <p:cNvPr id="4" name="Text Placeholder 3"/>
-          <p:cNvSpPr>
-            <a:spLocks noGrp="1"/>
-          </p:cNvSpPr>
-          <p:nvPr>
-            <p:ph type="body" sz="half" idx="2"/>
-          </p:nvPr>
-        </p:nvSpPr>
-        <p:spPr>
-          <a:xfrm>
-            <a:off x="457200" y="2926080"/>
-            <a:ext cx="3200400" cy="3379124"/>
-          </a:xfrm>
-        </p:spPr>
-        <p:txBody>
-          <a:bodyPr lIns="91440" rIns="91440">
-            <a:normAutofit/>
-          </a:bodyPr>
-          <a:lstStyle>
-            <a:lvl1pPr marL="0" indent="0">
+            <a:lvl1pPr marL="0" indent="0" algn="ctr">
               <a:buNone/>
-              <a:defRPr sz="1500">
-                <a:solidFill>
-                  <a:srgbClr val="FFFFFF"/>
-                </a:solidFill>
-              </a:defRPr>
+              <a:defRPr sz="1600"/>
             </a:lvl1pPr>
             <a:lvl2pPr marL="457200" indent="0">
               <a:buNone/>
@@ -2597,7 +2150,7 @@
           <a:p>
             <a:pPr lvl="0"/>
             <a:r>
-              <a:rPr lang="en-US"/>
+              <a:rPr lang="en-US" smtClean="0"/>
               <a:t>Click to edit Master text styles</a:t>
             </a:r>
           </a:p>
@@ -2613,23 +2166,14 @@
             <p:ph type="dt" sz="half" idx="10"/>
           </p:nvPr>
         </p:nvSpPr>
-        <p:spPr>
-          <a:xfrm>
-            <a:off x="465512" y="6459785"/>
-            <a:ext cx="2618510" cy="365125"/>
-          </a:xfrm>
-        </p:spPr>
-        <p:txBody>
-          <a:bodyPr/>
-          <a:lstStyle>
-            <a:lvl1pPr algn="l">
-              <a:defRPr/>
-            </a:lvl1pPr>
-          </a:lstStyle>
+        <p:spPr/>
+        <p:txBody>
+          <a:bodyPr/>
+          <a:lstStyle/>
           <a:p>
             <a:fld id="{3A51130B-5554-4741-8142-56D17AB8E1DF}" type="datetimeFigureOut">
               <a:rPr lang="en-US" smtClean="0"/>
-              <a:t>6/10/2020</a:t>
+              <a:t>6/11/2020</a:t>
             </a:fld>
             <a:endParaRPr lang="en-US"/>
           </a:p>
@@ -2645,23 +2189,10 @@
             <p:ph type="ftr" sz="quarter" idx="11"/>
           </p:nvPr>
         </p:nvSpPr>
-        <p:spPr>
-          <a:xfrm>
-            <a:off x="4800600" y="6459785"/>
-            <a:ext cx="4648200" cy="365125"/>
-          </a:xfrm>
-        </p:spPr>
-        <p:txBody>
-          <a:bodyPr/>
-          <a:lstStyle>
-            <a:lvl1pPr algn="l">
-              <a:defRPr>
-                <a:solidFill>
-                  <a:schemeClr val="tx2"/>
-                </a:solidFill>
-              </a:defRPr>
-            </a:lvl1pPr>
-          </a:lstStyle>
+        <p:spPr/>
+        <p:txBody>
+          <a:bodyPr/>
+          <a:lstStyle/>
           <a:p>
             <a:endParaRPr lang="en-US"/>
           </a:p>
@@ -2680,15 +2211,7 @@
         <p:spPr/>
         <p:txBody>
           <a:bodyPr/>
-          <a:lstStyle>
-            <a:lvl1pPr>
-              <a:defRPr>
-                <a:solidFill>
-                  <a:schemeClr val="tx2"/>
-                </a:solidFill>
-              </a:defRPr>
-            </a:lvl1pPr>
-          </a:lstStyle>
+          <a:lstStyle/>
           <a:p>
             <a:fld id="{875942D6-B7AA-482E-A111-0A2C783F5CFF}" type="slidenum">
               <a:rPr lang="en-US" smtClean="0"/>
@@ -2698,12 +2221,64 @@
           </a:p>
         </p:txBody>
       </p:sp>
+      <p:sp>
+        <p:nvSpPr>
+          <p:cNvPr id="9" name="Content Placeholder 8"/>
+          <p:cNvSpPr>
+            <a:spLocks noGrp="1"/>
+          </p:cNvSpPr>
+          <p:nvPr>
+            <p:ph sz="quarter" idx="13"/>
+          </p:nvPr>
+        </p:nvSpPr>
+        <p:spPr>
+          <a:xfrm>
+            <a:off x="406400" y="381000"/>
+            <a:ext cx="10363200" cy="4942840"/>
+          </a:xfrm>
+        </p:spPr>
+        <p:txBody>
+          <a:bodyPr/>
+          <a:lstStyle/>
+          <a:p>
+            <a:pPr lvl="0"/>
+            <a:r>
+              <a:rPr lang="en-US" smtClean="0"/>
+              <a:t>Click to edit Master text styles</a:t>
+            </a:r>
+          </a:p>
+          <a:p>
+            <a:pPr lvl="1"/>
+            <a:r>
+              <a:rPr lang="en-US" smtClean="0"/>
+              <a:t>Second level</a:t>
+            </a:r>
+          </a:p>
+          <a:p>
+            <a:pPr lvl="2"/>
+            <a:r>
+              <a:rPr lang="en-US" smtClean="0"/>
+              <a:t>Third level</a:t>
+            </a:r>
+          </a:p>
+          <a:p>
+            <a:pPr lvl="3"/>
+            <a:r>
+              <a:rPr lang="en-US" smtClean="0"/>
+              <a:t>Fourth level</a:t>
+            </a:r>
+          </a:p>
+          <a:p>
+            <a:pPr lvl="4"/>
+            <a:r>
+              <a:rPr lang="en-US" smtClean="0"/>
+              <a:t>Fifth level</a:t>
+            </a:r>
+            <a:endParaRPr lang="en-US"/>
+          </a:p>
+        </p:txBody>
+      </p:sp>
     </p:spTree>
-    <p:extLst>
-      <p:ext uri="{BB962C8B-B14F-4D97-AF65-F5344CB8AC3E}">
-        <p14:creationId xmlns:p14="http://schemas.microsoft.com/office/powerpoint/2010/main" val="2124138124"/>
-      </p:ext>
-    </p:extLst>
   </p:cSld>
   <p:clrMapOvr>
     <a:masterClrMapping/>
@@ -2712,7 +2287,7 @@
 </file>
 
 <file path=ppt/slideLayouts/slideLayout9.xml><?xml version="1.0" encoding="utf-8"?>
-<p:sldLayout xmlns:a="http://schemas.openxmlformats.org/drawingml/2006/main" xmlns:r="http://schemas.openxmlformats.org/officeDocument/2006/relationships" xmlns:p="http://schemas.openxmlformats.org/presentationml/2006/main" showMasterSp="0" type="picTx" preserve="1">
+<p:sldLayout xmlns:a="http://schemas.openxmlformats.org/drawingml/2006/main" xmlns:r="http://schemas.openxmlformats.org/officeDocument/2006/relationships" xmlns:p="http://schemas.openxmlformats.org/presentationml/2006/main" type="picTx" preserve="1">
   <p:cSld name="Picture with Caption">
     <p:spTree>
       <p:nvGrpSpPr>
@@ -2730,112 +2305,37 @@
       </p:grpSpPr>
       <p:sp>
         <p:nvSpPr>
-          <p:cNvPr id="8" name="Rectangle 7"/>
-          <p:cNvSpPr/>
-          <p:nvPr/>
+          <p:cNvPr id="2" name="Title 1"/>
+          <p:cNvSpPr>
+            <a:spLocks noGrp="1"/>
+          </p:cNvSpPr>
+          <p:nvPr>
+            <p:ph type="title"/>
+          </p:nvPr>
         </p:nvSpPr>
         <p:spPr>
           <a:xfrm>
-            <a:off x="0" y="4953000"/>
-            <a:ext cx="12188825" cy="1905000"/>
-          </a:xfrm>
-          <a:prstGeom prst="rect">
-            <a:avLst/>
-          </a:prstGeom>
-          <a:solidFill>
-            <a:schemeClr val="accent2"/>
-          </a:solidFill>
-          <a:ln>
-            <a:noFill/>
-          </a:ln>
-        </p:spPr>
-        <p:style>
-          <a:lnRef idx="2">
-            <a:schemeClr val="accent1">
-              <a:shade val="50000"/>
-            </a:schemeClr>
-          </a:lnRef>
-          <a:fillRef idx="1">
-            <a:schemeClr val="accent1"/>
-          </a:fillRef>
-          <a:effectRef idx="0">
-            <a:schemeClr val="accent1"/>
-          </a:effectRef>
-          <a:fontRef idx="minor">
-            <a:schemeClr val="lt1"/>
-          </a:fontRef>
-        </p:style>
-      </p:sp>
-      <p:sp>
-        <p:nvSpPr>
-          <p:cNvPr id="9" name="Rectangle 8"/>
-          <p:cNvSpPr/>
-          <p:nvPr/>
-        </p:nvSpPr>
-        <p:spPr>
-          <a:xfrm>
-            <a:off x="15" y="4915076"/>
-            <a:ext cx="12188825" cy="64008"/>
-          </a:xfrm>
-          <a:prstGeom prst="rect">
-            <a:avLst/>
-          </a:prstGeom>
-          <a:solidFill>
-            <a:schemeClr val="accent1"/>
-          </a:solidFill>
-          <a:ln>
-            <a:noFill/>
-          </a:ln>
-        </p:spPr>
-        <p:style>
-          <a:lnRef idx="2">
-            <a:schemeClr val="accent1">
-              <a:shade val="50000"/>
-            </a:schemeClr>
-          </a:lnRef>
-          <a:fillRef idx="1">
-            <a:schemeClr val="accent1"/>
-          </a:fillRef>
-          <a:effectRef idx="0">
-            <a:schemeClr val="accent1"/>
-          </a:effectRef>
-          <a:fontRef idx="minor">
-            <a:schemeClr val="lt1"/>
-          </a:fontRef>
-        </p:style>
-      </p:sp>
-      <p:sp>
-        <p:nvSpPr>
-          <p:cNvPr id="2" name="Title 1"/>
-          <p:cNvSpPr>
-            <a:spLocks noGrp="1"/>
-          </p:cNvSpPr>
-          <p:nvPr>
-            <p:ph type="title"/>
-          </p:nvPr>
-        </p:nvSpPr>
-        <p:spPr>
-          <a:xfrm>
-            <a:off x="1097280" y="5074920"/>
-            <a:ext cx="10113264" cy="822960"/>
+            <a:off x="402336" y="5495278"/>
+            <a:ext cx="10363200" cy="594626"/>
           </a:xfrm>
         </p:spPr>
         <p:txBody>
-          <a:bodyPr lIns="91440" tIns="0" rIns="91440" bIns="0" anchor="b">
-            <a:noAutofit/>
-          </a:bodyPr>
+          <a:bodyPr anchor="b"/>
           <a:lstStyle>
-            <a:lvl1pPr>
-              <a:defRPr sz="3600" b="0">
+            <a:lvl1pPr algn="ctr">
+              <a:defRPr sz="2200" b="1">
+                <a:ln>
+                  <a:noFill/>
+                </a:ln>
                 <a:solidFill>
-                  <a:srgbClr val="FFFFFF"/>
+                  <a:schemeClr val="tx2"/>
                 </a:solidFill>
               </a:defRPr>
             </a:lvl1pPr>
           </a:lstStyle>
           <a:p>
             <a:r>
-              <a:rPr lang="en-US"/>
+              <a:rPr lang="en-US" smtClean="0"/>
               <a:t>Click to edit Master title style</a:t>
             </a:r>
             <a:endParaRPr lang="en-US" dirty="0"/>
@@ -2846,7 +2346,7 @@
         <p:nvSpPr>
           <p:cNvPr id="3" name="Picture Placeholder 2"/>
           <p:cNvSpPr>
-            <a:spLocks noGrp="1" noChangeAspect="1"/>
+            <a:spLocks noGrp="1"/>
           </p:cNvSpPr>
           <p:nvPr>
             <p:ph type="pic" idx="1"/>
@@ -2854,26 +2354,16 @@
         </p:nvSpPr>
         <p:spPr>
           <a:xfrm>
-            <a:off x="15" y="0"/>
-            <a:ext cx="12191985" cy="4915076"/>
+            <a:off x="0" y="0"/>
+            <a:ext cx="11277600" cy="5486400"/>
           </a:xfrm>
-          <a:blipFill>
-            <a:blip r:embed="rId2"/>
-            <a:stretch>
-              <a:fillRect/>
-            </a:stretch>
-          </a:blipFill>
         </p:spPr>
         <p:txBody>
-          <a:bodyPr lIns="457200" tIns="457200" anchor="t"/>
+          <a:bodyPr/>
           <a:lstStyle>
             <a:lvl1pPr marL="0" indent="0">
               <a:buNone/>
-              <a:defRPr sz="3200">
-                <a:solidFill>
-                  <a:schemeClr val="bg1"/>
-                </a:solidFill>
-              </a:defRPr>
+              <a:defRPr sz="3200"/>
             </a:lvl1pPr>
             <a:lvl2pPr marL="457200" indent="0">
               <a:buNone/>
@@ -2910,7 +2400,7 @@
           </a:lstStyle>
           <a:p>
             <a:r>
-              <a:rPr lang="en-US"/>
+              <a:rPr lang="en-US" smtClean="0"/>
               <a:t>Click icon to add picture</a:t>
             </a:r>
             <a:endParaRPr lang="en-US" dirty="0"/>
@@ -2929,28 +2419,18 @@
         </p:nvSpPr>
         <p:spPr>
           <a:xfrm>
-            <a:off x="1097280" y="5907023"/>
-            <a:ext cx="10113264" cy="594360"/>
+            <a:off x="402336" y="6096000"/>
+            <a:ext cx="10363200" cy="612648"/>
           </a:xfrm>
         </p:spPr>
         <p:txBody>
-          <a:bodyPr lIns="91440" tIns="0" rIns="91440" bIns="0">
+          <a:bodyPr>
             <a:normAutofit/>
           </a:bodyPr>
           <a:lstStyle>
-            <a:lvl1pPr marL="0" indent="0">
-              <a:spcBef>
-                <a:spcPts val="0"/>
-              </a:spcBef>
-              <a:spcAft>
-                <a:spcPts val="600"/>
-              </a:spcAft>
+            <a:lvl1pPr marL="0" indent="0" algn="ctr">
               <a:buNone/>
-              <a:defRPr sz="1500">
-                <a:solidFill>
-                  <a:srgbClr val="FFFFFF"/>
-                </a:solidFill>
-              </a:defRPr>
+              <a:defRPr sz="1600"/>
             </a:lvl1pPr>
             <a:lvl2pPr marL="457200" indent="0">
               <a:buNone/>
@@ -2988,7 +2468,7 @@
           <a:p>
             <a:pPr lvl="0"/>
             <a:r>
-              <a:rPr lang="en-US"/>
+              <a:rPr lang="en-US" smtClean="0"/>
               <a:t>Click to edit Master text styles</a:t>
             </a:r>
           </a:p>
@@ -2996,7 +2476,7 @@
       </p:sp>
       <p:sp>
         <p:nvSpPr>
-          <p:cNvPr id="5" name="Date Placeholder 4"/>
+          <p:cNvPr id="8" name="Date Placeholder 7"/>
           <p:cNvSpPr>
             <a:spLocks noGrp="1"/>
           </p:cNvSpPr>
@@ -3011,7 +2491,7 @@
           <a:p>
             <a:fld id="{3A51130B-5554-4741-8142-56D17AB8E1DF}" type="datetimeFigureOut">
               <a:rPr lang="en-US" smtClean="0"/>
-              <a:t>6/10/2020</a:t>
+              <a:t>6/11/2020</a:t>
             </a:fld>
             <a:endParaRPr lang="en-US"/>
           </a:p>
@@ -3019,31 +2499,12 @@
       </p:sp>
       <p:sp>
         <p:nvSpPr>
-          <p:cNvPr id="6" name="Footer Placeholder 5"/>
-          <p:cNvSpPr>
-            <a:spLocks noGrp="1"/>
-          </p:cNvSpPr>
-          <p:nvPr>
-            <p:ph type="ftr" sz="quarter" idx="11"/>
-          </p:nvPr>
-        </p:nvSpPr>
-        <p:spPr/>
-        <p:txBody>
-          <a:bodyPr/>
-          <a:lstStyle/>
-          <a:p>
-            <a:endParaRPr lang="en-US"/>
-          </a:p>
-        </p:txBody>
-      </p:sp>
-      <p:sp>
-        <p:nvSpPr>
-          <p:cNvPr id="7" name="Slide Number Placeholder 6"/>
-          <p:cNvSpPr>
-            <a:spLocks noGrp="1"/>
-          </p:cNvSpPr>
-          <p:nvPr>
-            <p:ph type="sldNum" sz="quarter" idx="12"/>
+          <p:cNvPr id="9" name="Slide Number Placeholder 8"/>
+          <p:cNvSpPr>
+            <a:spLocks noGrp="1"/>
+          </p:cNvSpPr>
+          <p:nvPr>
+            <p:ph type="sldNum" sz="quarter" idx="11"/>
           </p:nvPr>
         </p:nvSpPr>
         <p:spPr/>
@@ -3059,12 +2520,26 @@
           </a:p>
         </p:txBody>
       </p:sp>
+      <p:sp>
+        <p:nvSpPr>
+          <p:cNvPr id="10" name="Footer Placeholder 9"/>
+          <p:cNvSpPr>
+            <a:spLocks noGrp="1"/>
+          </p:cNvSpPr>
+          <p:nvPr>
+            <p:ph type="ftr" sz="quarter" idx="12"/>
+          </p:nvPr>
+        </p:nvSpPr>
+        <p:spPr/>
+        <p:txBody>
+          <a:bodyPr/>
+          <a:lstStyle/>
+          <a:p>
+            <a:endParaRPr lang="en-US"/>
+          </a:p>
+        </p:txBody>
+      </p:sp>
     </p:spTree>
-    <p:extLst>
-      <p:ext uri="{BB962C8B-B14F-4D97-AF65-F5344CB8AC3E}">
-        <p14:creationId xmlns:p14="http://schemas.microsoft.com/office/powerpoint/2010/main" val="2476897516"/>
-      </p:ext>
-    </p:extLst>
   </p:cSld>
   <p:clrMapOvr>
     <a:masterClrMapping/>
@@ -3076,9 +2551,16 @@
 <p:sldMaster xmlns:a="http://schemas.openxmlformats.org/drawingml/2006/main" xmlns:r="http://schemas.openxmlformats.org/officeDocument/2006/relationships" xmlns:p="http://schemas.openxmlformats.org/presentationml/2006/main">
   <p:cSld>
     <p:bg>
-      <p:bgRef idx="1001">
-        <a:schemeClr val="bg1"/>
-      </p:bgRef>
+      <p:bgPr>
+        <a:blipFill dpi="0" rotWithShape="1">
+          <a:blip r:embed="rId13">
+            <a:alphaModFix amt="36000"/>
+          </a:blip>
+          <a:srcRect/>
+          <a:tile tx="0" ty="0" sx="100000" sy="100000" flip="none" algn="tl"/>
+        </a:blipFill>
+        <a:effectLst/>
+      </p:bgPr>
     </p:bg>
     <p:spTree>
       <p:nvGrpSpPr>
@@ -3096,20 +2578,115 @@
       </p:grpSpPr>
       <p:sp>
         <p:nvSpPr>
+          <p:cNvPr id="2" name="Title Placeholder 1"/>
+          <p:cNvSpPr>
+            <a:spLocks noGrp="1"/>
+          </p:cNvSpPr>
+          <p:nvPr>
+            <p:ph type="title"/>
+          </p:nvPr>
+        </p:nvSpPr>
+        <p:spPr>
+          <a:xfrm>
+            <a:off x="609600" y="274638"/>
+            <a:ext cx="10160000" cy="1143000"/>
+          </a:xfrm>
+          <a:prstGeom prst="rect">
+            <a:avLst/>
+          </a:prstGeom>
+        </p:spPr>
+        <p:txBody>
+          <a:bodyPr vert="horz" lIns="91440" tIns="45720" rIns="91440" bIns="45720" rtlCol="0" anchor="ctr">
+            <a:noAutofit/>
+          </a:bodyPr>
+          <a:lstStyle/>
+          <a:p>
+            <a:r>
+              <a:rPr lang="en-US" smtClean="0"/>
+              <a:t>Click to edit Master title style</a:t>
+            </a:r>
+            <a:endParaRPr lang="en-US" dirty="0"/>
+          </a:p>
+        </p:txBody>
+      </p:sp>
+      <p:sp>
+        <p:nvSpPr>
+          <p:cNvPr id="3" name="Text Placeholder 2"/>
+          <p:cNvSpPr>
+            <a:spLocks noGrp="1"/>
+          </p:cNvSpPr>
+          <p:nvPr>
+            <p:ph type="body" idx="1"/>
+          </p:nvPr>
+        </p:nvSpPr>
+        <p:spPr>
+          <a:xfrm>
+            <a:off x="609600" y="1600200"/>
+            <a:ext cx="10160000" cy="4800600"/>
+          </a:xfrm>
+          <a:prstGeom prst="rect">
+            <a:avLst/>
+          </a:prstGeom>
+        </p:spPr>
+        <p:txBody>
+          <a:bodyPr vert="horz" lIns="91440" tIns="45720" rIns="91440" bIns="45720" rtlCol="0">
+            <a:normAutofit/>
+          </a:bodyPr>
+          <a:lstStyle/>
+          <a:p>
+            <a:pPr lvl="0"/>
+            <a:r>
+              <a:rPr lang="en-US" smtClean="0"/>
+              <a:t>Click to edit Master text styles</a:t>
+            </a:r>
+          </a:p>
+          <a:p>
+            <a:pPr lvl="1"/>
+            <a:r>
+              <a:rPr lang="en-US" smtClean="0"/>
+              <a:t>Second level</a:t>
+            </a:r>
+          </a:p>
+          <a:p>
+            <a:pPr lvl="2"/>
+            <a:r>
+              <a:rPr lang="en-US" smtClean="0"/>
+              <a:t>Third level</a:t>
+            </a:r>
+          </a:p>
+          <a:p>
+            <a:pPr lvl="3"/>
+            <a:r>
+              <a:rPr lang="en-US" smtClean="0"/>
+              <a:t>Fourth level</a:t>
+            </a:r>
+          </a:p>
+          <a:p>
+            <a:pPr lvl="4"/>
+            <a:r>
+              <a:rPr lang="en-US" smtClean="0"/>
+              <a:t>Fifth level</a:t>
+            </a:r>
+            <a:endParaRPr lang="en-US" dirty="0"/>
+          </a:p>
+        </p:txBody>
+      </p:sp>
+      <p:sp>
+        <p:nvSpPr>
           <p:cNvPr id="7" name="Rectangle 6"/>
           <p:cNvSpPr/>
           <p:nvPr/>
         </p:nvSpPr>
         <p:spPr>
           <a:xfrm>
-            <a:off x="1" y="6400800"/>
-            <a:ext cx="12192000" cy="457200"/>
+            <a:off x="11277600" y="0"/>
+            <a:ext cx="914400" cy="6858000"/>
           </a:xfrm>
           <a:prstGeom prst="rect">
             <a:avLst/>
           </a:prstGeom>
           <a:solidFill>
-            <a:schemeClr val="accent2"/>
+            <a:schemeClr val="tx2"/>
           </a:solidFill>
           <a:ln>
             <a:noFill/>
@@ -3131,17 +2708,25 @@
             <a:schemeClr val="lt1"/>
           </a:fontRef>
         </p:style>
-      </p:sp>
-      <p:sp>
-        <p:nvSpPr>
-          <p:cNvPr id="9" name="Rectangle 8"/>
+        <p:txBody>
+          <a:bodyPr rtlCol="0" anchor="ctr"/>
+          <a:lstStyle/>
+          <a:p>
+            <a:pPr algn="ctr"/>
+            <a:endParaRPr lang="en-US"/>
+          </a:p>
+        </p:txBody>
+      </p:sp>
+      <p:sp>
+        <p:nvSpPr>
+          <p:cNvPr id="8" name="Rectangle 7"/>
           <p:cNvSpPr/>
           <p:nvPr/>
         </p:nvSpPr>
         <p:spPr>
           <a:xfrm>
-            <a:off x="0" y="6334316"/>
-            <a:ext cx="12192001" cy="65998"/>
+            <a:off x="11277600" y="5486400"/>
+            <a:ext cx="914400" cy="685800"/>
           </a:xfrm>
           <a:prstGeom prst="rect">
             <a:avLst/>
@@ -3169,126 +2754,46 @@
             <a:schemeClr val="lt1"/>
           </a:fontRef>
         </p:style>
-      </p:sp>
-      <p:sp>
-        <p:nvSpPr>
-          <p:cNvPr id="2" name="Title Placeholder 1"/>
-          <p:cNvSpPr>
-            <a:spLocks noGrp="1"/>
-          </p:cNvSpPr>
-          <p:nvPr>
-            <p:ph type="title"/>
+        <p:txBody>
+          <a:bodyPr rtlCol="0" anchor="ctr"/>
+          <a:lstStyle/>
+          <a:p>
+            <a:pPr algn="ctr"/>
+            <a:endParaRPr lang="en-US"/>
+          </a:p>
+        </p:txBody>
+      </p:sp>
+      <p:sp>
+        <p:nvSpPr>
+          <p:cNvPr id="6" name="Slide Number Placeholder 5"/>
+          <p:cNvSpPr>
+            <a:spLocks noGrp="1"/>
+          </p:cNvSpPr>
+          <p:nvPr>
+            <p:ph type="sldNum" sz="quarter" idx="4"/>
           </p:nvPr>
         </p:nvSpPr>
         <p:spPr>
           <a:xfrm>
-            <a:off x="1097280" y="286603"/>
-            <a:ext cx="10058400" cy="1450757"/>
+            <a:off x="11375717" y="5648960"/>
+            <a:ext cx="731520" cy="396240"/>
           </a:xfrm>
-          <a:prstGeom prst="rect">
-            <a:avLst/>
+          <a:prstGeom prst="bracketPair">
+            <a:avLst>
+              <a:gd name="adj" fmla="val 17949"/>
+            </a:avLst>
           </a:prstGeom>
+          <a:ln w="19050">
+            <a:solidFill>
+              <a:srgbClr val="FFFFFF"/>
+            </a:solidFill>
+          </a:ln>
         </p:spPr>
         <p:txBody>
-          <a:bodyPr vert="horz" lIns="91440" tIns="45720" rIns="91440" bIns="45720" rtlCol="0" anchor="b">
-            <a:normAutofit/>
-          </a:bodyPr>
-          <a:lstStyle/>
-          <a:p>
-            <a:r>
-              <a:rPr lang="en-US"/>
-              <a:t>Click to edit Master title style</a:t>
-            </a:r>
-            <a:endParaRPr lang="en-US" dirty="0"/>
-          </a:p>
-        </p:txBody>
-      </p:sp>
-      <p:sp>
-        <p:nvSpPr>
-          <p:cNvPr id="3" name="Text Placeholder 2"/>
-          <p:cNvSpPr>
-            <a:spLocks noGrp="1"/>
-          </p:cNvSpPr>
-          <p:nvPr>
-            <p:ph type="body" idx="1"/>
-          </p:nvPr>
-        </p:nvSpPr>
-        <p:spPr>
-          <a:xfrm>
-            <a:off x="1097280" y="1845734"/>
-            <a:ext cx="10058400" cy="4023360"/>
-          </a:xfrm>
-          <a:prstGeom prst="rect">
-            <a:avLst/>
-          </a:prstGeom>
-        </p:spPr>
-        <p:txBody>
-          <a:bodyPr vert="horz" lIns="0" tIns="45720" rIns="0" bIns="45720" rtlCol="0">
-            <a:normAutofit/>
-          </a:bodyPr>
-          <a:lstStyle/>
-          <a:p>
-            <a:pPr lvl="0"/>
-            <a:r>
-              <a:rPr lang="en-US"/>
-              <a:t>Click to edit Master text styles</a:t>
-            </a:r>
-          </a:p>
-          <a:p>
-            <a:pPr lvl="1"/>
-            <a:r>
-              <a:rPr lang="en-US"/>
-              <a:t>Second level</a:t>
-            </a:r>
-          </a:p>
-          <a:p>
-            <a:pPr lvl="2"/>
-            <a:r>
-              <a:rPr lang="en-US"/>
-              <a:t>Third level</a:t>
-            </a:r>
-          </a:p>
-          <a:p>
-            <a:pPr lvl="3"/>
-            <a:r>
-              <a:rPr lang="en-US"/>
-              <a:t>Fourth level</a:t>
-            </a:r>
-          </a:p>
-          <a:p>
-            <a:pPr lvl="4"/>
-            <a:r>
-              <a:rPr lang="en-US"/>
-              <a:t>Fifth level</a:t>
-            </a:r>
-            <a:endParaRPr lang="en-US" dirty="0"/>
-          </a:p>
-        </p:txBody>
-      </p:sp>
-      <p:sp>
-        <p:nvSpPr>
-          <p:cNvPr id="4" name="Date Placeholder 3"/>
-          <p:cNvSpPr>
-            <a:spLocks noGrp="1"/>
-          </p:cNvSpPr>
-          <p:nvPr>
-            <p:ph type="dt" sz="half" idx="2"/>
-          </p:nvPr>
-        </p:nvSpPr>
-        <p:spPr>
-          <a:xfrm>
-            <a:off x="1097280" y="6459785"/>
-            <a:ext cx="2472271" cy="365125"/>
-          </a:xfrm>
-          <a:prstGeom prst="rect">
-            <a:avLst/>
-          </a:prstGeom>
-        </p:spPr>
-        <p:txBody>
-          <a:bodyPr vert="horz" lIns="91440" tIns="45720" rIns="91440" bIns="45720" rtlCol="0" anchor="ctr"/>
+          <a:bodyPr vert="horz" lIns="0" tIns="0" rIns="0" bIns="0" rtlCol="0" anchor="ctr"/>
           <a:lstStyle>
-            <a:lvl1pPr algn="l">
-              <a:defRPr sz="900">
+            <a:lvl1pPr algn="ctr">
+              <a:defRPr sz="1800">
                 <a:solidFill>
                   <a:srgbClr val="FFFFFF"/>
                 </a:solidFill>
@@ -3296,9 +2801,9 @@
             </a:lvl1pPr>
           </a:lstStyle>
           <a:p>
-            <a:fld id="{3A51130B-5554-4741-8142-56D17AB8E1DF}" type="datetimeFigureOut">
-              <a:rPr lang="en-US" smtClean="0"/>
-              <a:t>6/10/2020</a:t>
+            <a:fld id="{875942D6-B7AA-482E-A111-0A2C783F5CFF}" type="slidenum">
+              <a:rPr lang="en-US" smtClean="0"/>
+              <a:t>‹#›</a:t>
             </a:fld>
             <a:endParaRPr lang="en-US"/>
           </a:p>
@@ -3315,9 +2820,9 @@
           </p:nvPr>
         </p:nvSpPr>
         <p:spPr>
-          <a:xfrm>
-            <a:off x="3686185" y="6459785"/>
-            <a:ext cx="4822804" cy="365125"/>
+          <a:xfrm rot="16200000">
+            <a:off x="10510428" y="3987800"/>
+            <a:ext cx="2367281" cy="487680"/>
           </a:xfrm>
           <a:prstGeom prst="rect">
             <a:avLst/>
@@ -3326,10 +2831,10 @@
         <p:txBody>
           <a:bodyPr vert="horz" lIns="91440" tIns="45720" rIns="91440" bIns="45720" rtlCol="0" anchor="ctr"/>
           <a:lstStyle>
-            <a:lvl1pPr algn="ctr">
-              <a:defRPr sz="900" cap="all" baseline="0">
+            <a:lvl1pPr algn="r">
+              <a:defRPr sz="1200">
                 <a:solidFill>
-                  <a:srgbClr val="FFFFFF"/>
+                  <a:schemeClr val="bg2"/>
                 </a:solidFill>
               </a:defRPr>
             </a:lvl1pPr>
@@ -3341,18 +2846,18 @@
       </p:sp>
       <p:sp>
         <p:nvSpPr>
-          <p:cNvPr id="6" name="Slide Number Placeholder 5"/>
-          <p:cNvSpPr>
-            <a:spLocks noGrp="1"/>
-          </p:cNvSpPr>
-          <p:nvPr>
-            <p:ph type="sldNum" sz="quarter" idx="4"/>
+          <p:cNvPr id="4" name="Date Placeholder 3"/>
+          <p:cNvSpPr>
+            <a:spLocks noGrp="1"/>
+          </p:cNvSpPr>
+          <p:nvPr>
+            <p:ph type="dt" sz="half" idx="2"/>
           </p:nvPr>
         </p:nvSpPr>
         <p:spPr>
-          <a:xfrm>
-            <a:off x="9900458" y="6459785"/>
-            <a:ext cx="1312025" cy="365125"/>
+          <a:xfrm rot="16200000">
+            <a:off x="10474869" y="1584960"/>
+            <a:ext cx="2438399" cy="487680"/>
           </a:xfrm>
           <a:prstGeom prst="rect">
             <a:avLst/>
@@ -3361,99 +2866,54 @@
         <p:txBody>
           <a:bodyPr vert="horz" lIns="91440" tIns="45720" rIns="91440" bIns="45720" rtlCol="0" anchor="ctr"/>
           <a:lstStyle>
-            <a:lvl1pPr algn="r">
-              <a:defRPr sz="1050">
+            <a:lvl1pPr algn="l">
+              <a:defRPr sz="1200">
                 <a:solidFill>
-                  <a:srgbClr val="FFFFFF"/>
+                  <a:schemeClr val="bg2"/>
                 </a:solidFill>
               </a:defRPr>
             </a:lvl1pPr>
           </a:lstStyle>
           <a:p>
-            <a:fld id="{875942D6-B7AA-482E-A111-0A2C783F5CFF}" type="slidenum">
-              <a:rPr lang="en-US" smtClean="0"/>
-              <a:t>‹#›</a:t>
+            <a:fld id="{3A51130B-5554-4741-8142-56D17AB8E1DF}" type="datetimeFigureOut">
+              <a:rPr lang="en-US" smtClean="0"/>
+              <a:t>6/11/2020</a:t>
             </a:fld>
             <a:endParaRPr lang="en-US"/>
           </a:p>
         </p:txBody>
       </p:sp>
-      <p:cxnSp>
-        <p:nvCxnSpPr>
-          <p:cNvPr id="10" name="Straight Connector 9"/>
-          <p:cNvCxnSpPr/>
-          <p:nvPr/>
-        </p:nvCxnSpPr>
-        <p:spPr>
-          <a:xfrm>
-            <a:off x="1193532" y="1737845"/>
-            <a:ext cx="9966960" cy="0"/>
-          </a:xfrm>
-          <a:prstGeom prst="line">
-            <a:avLst/>
-          </a:prstGeom>
-          <a:ln w="6350">
-            <a:solidFill>
-              <a:schemeClr val="tx1">
-                <a:lumMod val="50000"/>
-                <a:lumOff val="50000"/>
-              </a:schemeClr>
-            </a:solidFill>
-          </a:ln>
-        </p:spPr>
-        <p:style>
-          <a:lnRef idx="1">
-            <a:schemeClr val="accent1"/>
-          </a:lnRef>
-          <a:fillRef idx="0">
-            <a:schemeClr val="accent1"/>
-          </a:fillRef>
-          <a:effectRef idx="0">
-            <a:schemeClr val="accent1"/>
-          </a:effectRef>
-          <a:fontRef idx="minor">
-            <a:schemeClr val="tx1"/>
-          </a:fontRef>
-        </p:style>
-      </p:cxnSp>
     </p:spTree>
-    <p:extLst>
-      <p:ext uri="{BB962C8B-B14F-4D97-AF65-F5344CB8AC3E}">
-        <p14:creationId xmlns:p14="http://schemas.microsoft.com/office/powerpoint/2010/main" val="2848331553"/>
-      </p:ext>
-    </p:extLst>
   </p:cSld>
   <p:clrMap bg1="lt1" tx1="dk1" bg2="lt2" tx2="dk2" accent1="accent1" accent2="accent2" accent3="accent3" accent4="accent4" accent5="accent5" accent6="accent6" hlink="hlink" folHlink="folHlink"/>
   <p:sldLayoutIdLst>
-    <p:sldLayoutId id="2147483661" r:id="rId1"/>
-    <p:sldLayoutId id="2147483662" r:id="rId2"/>
-    <p:sldLayoutId id="2147483663" r:id="rId3"/>
-    <p:sldLayoutId id="2147483664" r:id="rId4"/>
-    <p:sldLayoutId id="2147483665" r:id="rId5"/>
-    <p:sldLayoutId id="2147483666" r:id="rId6"/>
-    <p:sldLayoutId id="2147483667" r:id="rId7"/>
-    <p:sldLayoutId id="2147483668" r:id="rId8"/>
-    <p:sldLayoutId id="2147483669" r:id="rId9"/>
-    <p:sldLayoutId id="2147483670" r:id="rId10"/>
-    <p:sldLayoutId id="2147483671" r:id="rId11"/>
+    <p:sldLayoutId id="2147483673" r:id="rId1"/>
+    <p:sldLayoutId id="2147483674" r:id="rId2"/>
+    <p:sldLayoutId id="2147483675" r:id="rId3"/>
+    <p:sldLayoutId id="2147483676" r:id="rId4"/>
+    <p:sldLayoutId id="2147483677" r:id="rId5"/>
+    <p:sldLayoutId id="2147483678" r:id="rId6"/>
+    <p:sldLayoutId id="2147483679" r:id="rId7"/>
+    <p:sldLayoutId id="2147483680" r:id="rId8"/>
+    <p:sldLayoutId id="2147483681" r:id="rId9"/>
+    <p:sldLayoutId id="2147483682" r:id="rId10"/>
+    <p:sldLayoutId id="2147483683" r:id="rId11"/>
   </p:sldLayoutIdLst>
   <p:txStyles>
     <p:titleStyle>
       <a:lvl1pPr algn="l" defTabSz="914400" rtl="0" eaLnBrk="1" latinLnBrk="0" hangingPunct="1">
-        <a:lnSpc>
-          <a:spcPct val="85000"/>
-        </a:lnSpc>
         <a:spcBef>
           <a:spcPct val="0"/>
         </a:spcBef>
         <a:buNone/>
-        <a:defRPr sz="4800" kern="1200" spc="-50" baseline="0">
+        <a:defRPr sz="4600" kern="1200" cap="none" spc="-100" baseline="0">
+          <a:ln>
+            <a:noFill/>
+          </a:ln>
           <a:solidFill>
-            <a:schemeClr val="tx1">
-              <a:lumMod val="75000"/>
-              <a:lumOff val="25000"/>
-            </a:schemeClr>
+            <a:schemeClr val="tx2"/>
           </a:solidFill>
+          <a:effectLst/>
           <a:latin typeface="+mj-lt"/>
           <a:ea typeface="+mj-ea"/>
           <a:cs typeface="+mj-cs"/>
@@ -3461,244 +2921,162 @@
       </a:lvl1pPr>
     </p:titleStyle>
     <p:bodyStyle>
-      <a:lvl1pPr marL="91440" indent="-91440" algn="l" defTabSz="914400" rtl="0" eaLnBrk="1" latinLnBrk="0" hangingPunct="1">
-        <a:lnSpc>
-          <a:spcPct val="90000"/>
-        </a:lnSpc>
+      <a:lvl1pPr marL="342900" indent="-228600" algn="l" defTabSz="914400" rtl="0" eaLnBrk="1" latinLnBrk="0" hangingPunct="1">
         <a:spcBef>
-          <a:spcPts val="1200"/>
+          <a:spcPct val="20000"/>
         </a:spcBef>
-        <a:spcAft>
-          <a:spcPts val="200"/>
-        </a:spcAft>
         <a:buClr>
           <a:schemeClr val="accent1"/>
         </a:buClr>
-        <a:buSzPct val="100000"/>
-        <a:buFont typeface="Calibri" panose="020F0502020204030204" pitchFamily="34" charset="0"/>
-        <a:buChar char=" "/>
-        <a:defRPr sz="2000" kern="1200">
+        <a:buFont typeface="Arial" pitchFamily="34" charset="0"/>
+        <a:buChar char="•"/>
+        <a:defRPr sz="2200" kern="1200">
           <a:solidFill>
-            <a:schemeClr val="tx1">
-              <a:lumMod val="75000"/>
-              <a:lumOff val="25000"/>
-            </a:schemeClr>
+            <a:schemeClr val="tx1"/>
           </a:solidFill>
           <a:latin typeface="+mn-lt"/>
           <a:ea typeface="+mn-ea"/>
           <a:cs typeface="+mn-cs"/>
         </a:defRPr>
       </a:lvl1pPr>
-      <a:lvl2pPr marL="384048" indent="-182880" algn="l" defTabSz="914400" rtl="0" eaLnBrk="1" latinLnBrk="0" hangingPunct="1">
-        <a:lnSpc>
-          <a:spcPct val="90000"/>
-        </a:lnSpc>
+      <a:lvl2pPr marL="640080" indent="-228600" algn="l" defTabSz="914400" rtl="0" eaLnBrk="1" latinLnBrk="0" hangingPunct="1">
         <a:spcBef>
-          <a:spcPts val="200"/>
+          <a:spcPct val="20000"/>
         </a:spcBef>
-        <a:spcAft>
-          <a:spcPts val="400"/>
-        </a:spcAft>
         <a:buClr>
-          <a:schemeClr val="accent1"/>
+          <a:schemeClr val="accent2"/>
         </a:buClr>
-        <a:buFont typeface="Calibri" pitchFamily="34" charset="0"/>
-        <a:buChar char="◦"/>
-        <a:defRPr sz="1800" kern="1200">
+        <a:buFont typeface="Arial" pitchFamily="34" charset="0"/>
+        <a:buChar char="•"/>
+        <a:defRPr sz="2000" kern="1200">
           <a:solidFill>
-            <a:schemeClr val="tx1">
-              <a:lumMod val="75000"/>
-              <a:lumOff val="25000"/>
-            </a:schemeClr>
+            <a:schemeClr val="tx1"/>
           </a:solidFill>
           <a:latin typeface="+mn-lt"/>
           <a:ea typeface="+mn-ea"/>
           <a:cs typeface="+mn-cs"/>
         </a:defRPr>
       </a:lvl2pPr>
-      <a:lvl3pPr marL="566928" indent="-182880" algn="l" defTabSz="914400" rtl="0" eaLnBrk="1" latinLnBrk="0" hangingPunct="1">
-        <a:lnSpc>
-          <a:spcPct val="90000"/>
-        </a:lnSpc>
+      <a:lvl3pPr marL="1005840" indent="-228600" algn="l" defTabSz="914400" rtl="0" eaLnBrk="1" latinLnBrk="0" hangingPunct="1">
         <a:spcBef>
-          <a:spcPts val="200"/>
+          <a:spcPct val="20000"/>
         </a:spcBef>
-        <a:spcAft>
-          <a:spcPts val="400"/>
-        </a:spcAft>
         <a:buClr>
-          <a:schemeClr val="accent1"/>
+          <a:schemeClr val="accent3"/>
         </a:buClr>
-        <a:buFont typeface="Calibri" pitchFamily="34" charset="0"/>
-        <a:buChar char="◦"/>
-        <a:defRPr sz="1400" kern="1200">
+        <a:buFont typeface="Arial" pitchFamily="34" charset="0"/>
+        <a:buChar char="•"/>
+        <a:defRPr sz="1800" kern="1200">
           <a:solidFill>
-            <a:schemeClr val="tx1">
-              <a:lumMod val="75000"/>
-              <a:lumOff val="25000"/>
-            </a:schemeClr>
+            <a:schemeClr val="tx1"/>
           </a:solidFill>
           <a:latin typeface="+mn-lt"/>
           <a:ea typeface="+mn-ea"/>
           <a:cs typeface="+mn-cs"/>
         </a:defRPr>
       </a:lvl3pPr>
-      <a:lvl4pPr marL="749808" indent="-182880" algn="l" defTabSz="914400" rtl="0" eaLnBrk="1" latinLnBrk="0" hangingPunct="1">
-        <a:lnSpc>
-          <a:spcPct val="90000"/>
-        </a:lnSpc>
+      <a:lvl4pPr marL="1280160" indent="-228600" algn="l" defTabSz="914400" rtl="0" eaLnBrk="1" latinLnBrk="0" hangingPunct="1">
         <a:spcBef>
-          <a:spcPts val="200"/>
+          <a:spcPct val="20000"/>
         </a:spcBef>
-        <a:spcAft>
-          <a:spcPts val="400"/>
-        </a:spcAft>
         <a:buClr>
-          <a:schemeClr val="accent1"/>
+          <a:schemeClr val="accent4"/>
         </a:buClr>
-        <a:buFont typeface="Calibri" pitchFamily="34" charset="0"/>
-        <a:buChar char="◦"/>
-        <a:defRPr sz="1400" kern="1200">
+        <a:buFont typeface="Arial" pitchFamily="34" charset="0"/>
+        <a:buChar char="•"/>
+        <a:defRPr sz="1600" kern="1200">
           <a:solidFill>
-            <a:schemeClr val="tx1">
-              <a:lumMod val="75000"/>
-              <a:lumOff val="25000"/>
-            </a:schemeClr>
+            <a:schemeClr val="tx1"/>
           </a:solidFill>
           <a:latin typeface="+mn-lt"/>
           <a:ea typeface="+mn-ea"/>
           <a:cs typeface="+mn-cs"/>
         </a:defRPr>
       </a:lvl4pPr>
-      <a:lvl5pPr marL="932688" indent="-182880" algn="l" defTabSz="914400" rtl="0" eaLnBrk="1" latinLnBrk="0" hangingPunct="1">
-        <a:lnSpc>
-          <a:spcPct val="90000"/>
-        </a:lnSpc>
+      <a:lvl5pPr marL="1554480" indent="-228600" algn="l" defTabSz="914400" rtl="0" eaLnBrk="1" latinLnBrk="0" hangingPunct="1">
         <a:spcBef>
-          <a:spcPts val="200"/>
+          <a:spcPct val="20000"/>
         </a:spcBef>
-        <a:spcAft>
-          <a:spcPts val="400"/>
-        </a:spcAft>
         <a:buClr>
-          <a:schemeClr val="accent1"/>
+          <a:schemeClr val="accent5"/>
         </a:buClr>
-        <a:buFont typeface="Calibri" pitchFamily="34" charset="0"/>
-        <a:buChar char="◦"/>
-        <a:defRPr sz="1400" kern="1200">
+        <a:buFont typeface="Arial" pitchFamily="34" charset="0"/>
+        <a:buChar char="•"/>
+        <a:defRPr sz="1400" kern="1200" baseline="0">
           <a:solidFill>
-            <a:schemeClr val="tx1">
-              <a:lumMod val="75000"/>
-              <a:lumOff val="25000"/>
-            </a:schemeClr>
+            <a:schemeClr val="tx1"/>
           </a:solidFill>
           <a:latin typeface="+mn-lt"/>
           <a:ea typeface="+mn-ea"/>
           <a:cs typeface="+mn-cs"/>
         </a:defRPr>
       </a:lvl5pPr>
-      <a:lvl6pPr marL="1100000" indent="-228600" algn="l" defTabSz="914400" rtl="0" eaLnBrk="1" latinLnBrk="0" hangingPunct="1">
-        <a:lnSpc>
-          <a:spcPct val="90000"/>
-        </a:lnSpc>
+      <a:lvl6pPr marL="1737360" indent="-182880" algn="l" defTabSz="914400" rtl="0" eaLnBrk="1" latinLnBrk="0" hangingPunct="1">
         <a:spcBef>
-          <a:spcPts val="200"/>
+          <a:spcPct val="20000"/>
         </a:spcBef>
-        <a:spcAft>
-          <a:spcPts val="400"/>
-        </a:spcAft>
         <a:buClr>
           <a:schemeClr val="accent1"/>
         </a:buClr>
-        <a:buFont typeface="Calibri" pitchFamily="34" charset="0"/>
-        <a:buChar char="◦"/>
-        <a:defRPr sz="1400" kern="1200">
+        <a:buFont typeface="Arial" pitchFamily="34" charset="0"/>
+        <a:buChar char="•"/>
+        <a:defRPr sz="1400" kern="1200" baseline="0">
           <a:solidFill>
-            <a:schemeClr val="tx1">
-              <a:lumMod val="75000"/>
-              <a:lumOff val="25000"/>
-            </a:schemeClr>
+            <a:schemeClr val="tx1"/>
           </a:solidFill>
           <a:latin typeface="+mn-lt"/>
           <a:ea typeface="+mn-ea"/>
           <a:cs typeface="+mn-cs"/>
         </a:defRPr>
       </a:lvl6pPr>
-      <a:lvl7pPr marL="1300000" indent="-228600" algn="l" defTabSz="914400" rtl="0" eaLnBrk="1" latinLnBrk="0" hangingPunct="1">
-        <a:lnSpc>
-          <a:spcPct val="90000"/>
-        </a:lnSpc>
+      <a:lvl7pPr marL="1920240" indent="-182880" algn="l" defTabSz="914400" rtl="0" eaLnBrk="1" latinLnBrk="0" hangingPunct="1">
         <a:spcBef>
-          <a:spcPts val="200"/>
+          <a:spcPct val="20000"/>
         </a:spcBef>
-        <a:spcAft>
-          <a:spcPts val="400"/>
-        </a:spcAft>
         <a:buClr>
-          <a:schemeClr val="accent1"/>
+          <a:schemeClr val="accent2"/>
         </a:buClr>
-        <a:buFont typeface="Calibri" pitchFamily="34" charset="0"/>
-        <a:buChar char="◦"/>
+        <a:buFont typeface="Arial" pitchFamily="34" charset="0"/>
+        <a:buChar char="•"/>
         <a:defRPr sz="1400" kern="1200">
           <a:solidFill>
-            <a:schemeClr val="tx1">
-              <a:lumMod val="75000"/>
-              <a:lumOff val="25000"/>
-            </a:schemeClr>
+            <a:schemeClr val="tx1"/>
           </a:solidFill>
           <a:latin typeface="+mn-lt"/>
           <a:ea typeface="+mn-ea"/>
           <a:cs typeface="+mn-cs"/>
         </a:defRPr>
       </a:lvl7pPr>
-      <a:lvl8pPr marL="1500000" indent="-228600" algn="l" defTabSz="914400" rtl="0" eaLnBrk="1" latinLnBrk="0" hangingPunct="1">
-        <a:lnSpc>
-          <a:spcPct val="90000"/>
-        </a:lnSpc>
+      <a:lvl8pPr marL="2103120" indent="-182880" algn="l" defTabSz="914400" rtl="0" eaLnBrk="1" latinLnBrk="0" hangingPunct="1">
         <a:spcBef>
-          <a:spcPts val="200"/>
+          <a:spcPct val="20000"/>
         </a:spcBef>
-        <a:spcAft>
-          <a:spcPts val="400"/>
-        </a:spcAft>
         <a:buClr>
-          <a:schemeClr val="accent1"/>
+          <a:schemeClr val="accent3"/>
         </a:buClr>
-        <a:buFont typeface="Calibri" pitchFamily="34" charset="0"/>
-        <a:buChar char="◦"/>
+        <a:buFont typeface="Arial" pitchFamily="34" charset="0"/>
+        <a:buChar char="•"/>
         <a:defRPr sz="1400" kern="1200">
           <a:solidFill>
-            <a:schemeClr val="tx1">
-              <a:lumMod val="75000"/>
-              <a:lumOff val="25000"/>
-            </a:schemeClr>
+            <a:schemeClr val="tx1"/>
           </a:solidFill>
           <a:latin typeface="+mn-lt"/>
           <a:ea typeface="+mn-ea"/>
           <a:cs typeface="+mn-cs"/>
         </a:defRPr>
       </a:lvl8pPr>
-      <a:lvl9pPr marL="1700000" indent="-228600" algn="l" defTabSz="914400" rtl="0" eaLnBrk="1" latinLnBrk="0" hangingPunct="1">
-        <a:lnSpc>
-          <a:spcPct val="90000"/>
-        </a:lnSpc>
+      <a:lvl9pPr marL="2286000" indent="-182880" algn="l" defTabSz="914400" rtl="0" eaLnBrk="1" latinLnBrk="0" hangingPunct="1">
         <a:spcBef>
-          <a:spcPts val="200"/>
+          <a:spcPct val="20000"/>
         </a:spcBef>
-        <a:spcAft>
-          <a:spcPts val="400"/>
-        </a:spcAft>
         <a:buClr>
-          <a:schemeClr val="accent1"/>
+          <a:schemeClr val="accent4"/>
         </a:buClr>
-        <a:buFont typeface="Calibri" pitchFamily="34" charset="0"/>
-        <a:buChar char="◦"/>
+        <a:buFont typeface="Arial" pitchFamily="34" charset="0"/>
+        <a:buChar char="•"/>
         <a:defRPr sz="1400" kern="1200">
           <a:solidFill>
-            <a:schemeClr val="tx1">
-              <a:lumMod val="75000"/>
-              <a:lumOff val="25000"/>
-            </a:schemeClr>
+            <a:schemeClr val="tx1"/>
           </a:solidFill>
           <a:latin typeface="+mn-lt"/>
           <a:ea typeface="+mn-ea"/>
@@ -3808,6 +3186,18 @@
 <file path=ppt/slides/slide1.xml><?xml version="1.0" encoding="utf-8"?>
 <p:sld xmlns:a="http://schemas.openxmlformats.org/drawingml/2006/main" xmlns:r="http://schemas.openxmlformats.org/officeDocument/2006/relationships" xmlns:p="http://schemas.openxmlformats.org/presentationml/2006/main">
   <p:cSld>
+    <p:bg>
+      <p:bgPr>
+        <a:blipFill dpi="0" rotWithShape="1">
+          <a:blip r:embed="rId2">
+            <a:lum/>
+          </a:blip>
+          <a:srcRect/>
+          <a:tile tx="0" ty="0" sx="100000" sy="100000" flip="none" algn="tl"/>
+        </a:blipFill>
+        <a:effectLst/>
+      </p:bgPr>
+    </p:bg>
     <p:spTree>
       <p:nvGrpSpPr>
         <p:cNvPr id="1" name=""/>
@@ -3827,7 +3217,7 @@
           <p:cNvPr id="2" name="Title 1">
             <a:extLst>
               <a:ext uri="{FF2B5EF4-FFF2-40B4-BE49-F238E27FC236}">
-                <a16:creationId xmlns:a16="http://schemas.microsoft.com/office/drawing/2014/main" id="{BC60F0FA-7D3E-489E-B4A8-3579C35DE747}"/>
+                <a16:creationId xmlns:a16="http://schemas.microsoft.com/office/drawing/2014/main" xmlns="" id="{BC60F0FA-7D3E-489E-B4A8-3579C35DE747}"/>
               </a:ext>
             </a:extLst>
           </p:cNvPr>
@@ -3838,11 +3228,17 @@
             <p:ph type="ctrTitle"/>
           </p:nvPr>
         </p:nvSpPr>
-        <p:spPr/>
-        <p:txBody>
-          <a:bodyPr/>
-          <a:lstStyle/>
-          <a:p>
+        <p:spPr>
+          <a:xfrm>
+            <a:off x="1075246" y="958468"/>
+            <a:ext cx="8597563" cy="2220890"/>
+          </a:xfrm>
+        </p:spPr>
+        <p:txBody>
+          <a:bodyPr/>
+          <a:lstStyle/>
+          <a:p>
+            <a:pPr algn="ctr"/>
             <a:r>
               <a:rPr lang="en-US" dirty="0"/>
               <a:t>Indian Trade Analysis and Forecasting</a:t>
@@ -3855,7 +3251,7 @@
           <p:cNvPr id="3" name="Subtitle 2">
             <a:extLst>
               <a:ext uri="{FF2B5EF4-FFF2-40B4-BE49-F238E27FC236}">
-                <a16:creationId xmlns:a16="http://schemas.microsoft.com/office/drawing/2014/main" id="{59138817-A4AB-42F6-9ED0-5D7A4A0C4583}"/>
+                <a16:creationId xmlns:a16="http://schemas.microsoft.com/office/drawing/2014/main" xmlns="" id="{59138817-A4AB-42F6-9ED0-5D7A4A0C4583}"/>
               </a:ext>
             </a:extLst>
           </p:cNvPr>
@@ -3866,15 +3262,49 @@
             <p:ph type="subTitle" idx="1"/>
           </p:nvPr>
         </p:nvSpPr>
-        <p:spPr/>
-        <p:txBody>
-          <a:bodyPr/>
-          <a:lstStyle/>
-          <a:p>
-            <a:r>
-              <a:rPr lang="en-US" dirty="0"/>
-              <a:t>Akarsh Somani (162) and Gaurav Misra (172)</a:t>
-            </a:r>
+        <p:spPr>
+          <a:xfrm>
+            <a:off x="1066999" y="3243764"/>
+            <a:ext cx="8616828" cy="2011282"/>
+          </a:xfrm>
+        </p:spPr>
+        <p:txBody>
+          <a:bodyPr>
+            <a:normAutofit/>
+          </a:bodyPr>
+          <a:lstStyle/>
+          <a:p>
+            <a:pPr algn="ctr"/>
+            <a:r>
+              <a:rPr lang="en-IN" sz="2400" dirty="0"/>
+              <a:t>Project Instructor: Dr. Dalia Nandi, Dept. of ECE</a:t>
+            </a:r>
+          </a:p>
+          <a:p>
+            <a:pPr algn="ctr"/>
+            <a:r>
+              <a:rPr lang="en-IN" sz="2400" dirty="0" smtClean="0"/>
+              <a:t>Prepared </a:t>
+            </a:r>
+            <a:r>
+              <a:rPr lang="en-IN" sz="2400" dirty="0"/>
+              <a:t>by </a:t>
+            </a:r>
+          </a:p>
+          <a:p>
+            <a:pPr algn="ctr"/>
+            <a:r>
+              <a:rPr lang="en-IN" sz="2400" dirty="0"/>
+              <a:t>Akarsh Somani(39/CSE/16005/0000162)</a:t>
+            </a:r>
+          </a:p>
+          <a:p>
+            <a:pPr algn="ctr"/>
+            <a:r>
+              <a:rPr lang="en-IN" sz="2400" dirty="0"/>
+              <a:t>Gaurav Misra(39/CSE/16015/0000172)</a:t>
+            </a:r>
+            <a:endParaRPr lang="en-IN" sz="2400" dirty="0"/>
           </a:p>
         </p:txBody>
       </p:sp>
@@ -3913,7 +3343,7 @@
           <p:cNvPr id="2" name="Title 1">
             <a:extLst>
               <a:ext uri="{FF2B5EF4-FFF2-40B4-BE49-F238E27FC236}">
-                <a16:creationId xmlns:a16="http://schemas.microsoft.com/office/drawing/2014/main" id="{459E159F-BDAE-4DB6-9B02-31C1E5F53E4D}"/>
+                <a16:creationId xmlns:a16="http://schemas.microsoft.com/office/drawing/2014/main" xmlns="" id="{459E159F-BDAE-4DB6-9B02-31C1E5F53E4D}"/>
               </a:ext>
             </a:extLst>
           </p:cNvPr>
@@ -3941,7 +3371,7 @@
           <p:cNvPr id="3" name="Content Placeholder 2">
             <a:extLst>
               <a:ext uri="{FF2B5EF4-FFF2-40B4-BE49-F238E27FC236}">
-                <a16:creationId xmlns:a16="http://schemas.microsoft.com/office/drawing/2014/main" id="{87DBCE6D-BA6C-4D4B-B563-745E1C7B3536}"/>
+                <a16:creationId xmlns:a16="http://schemas.microsoft.com/office/drawing/2014/main" xmlns="" id="{87DBCE6D-BA6C-4D4B-B563-745E1C7B3536}"/>
               </a:ext>
             </a:extLst>
           </p:cNvPr>
@@ -4020,7 +3450,7 @@
           <p:cNvPr id="2" name="Title 1">
             <a:extLst>
               <a:ext uri="{FF2B5EF4-FFF2-40B4-BE49-F238E27FC236}">
-                <a16:creationId xmlns:a16="http://schemas.microsoft.com/office/drawing/2014/main" id="{9D5A07A9-3CA7-4EB1-A906-558AA61068B0}"/>
+                <a16:creationId xmlns:a16="http://schemas.microsoft.com/office/drawing/2014/main" xmlns="" id="{9D5A07A9-3CA7-4EB1-A906-558AA61068B0}"/>
               </a:ext>
             </a:extLst>
           </p:cNvPr>
@@ -4048,7 +3478,7 @@
           <p:cNvPr id="3" name="Content Placeholder 2">
             <a:extLst>
               <a:ext uri="{FF2B5EF4-FFF2-40B4-BE49-F238E27FC236}">
-                <a16:creationId xmlns:a16="http://schemas.microsoft.com/office/drawing/2014/main" id="{466AA86D-DFED-4E3C-A03D-60FF211AEB75}"/>
+                <a16:creationId xmlns:a16="http://schemas.microsoft.com/office/drawing/2014/main" xmlns="" id="{466AA86D-DFED-4E3C-A03D-60FF211AEB75}"/>
               </a:ext>
             </a:extLst>
           </p:cNvPr>
@@ -4189,7 +3619,7 @@
           <p:cNvPr id="2" name="Title 1">
             <a:extLst>
               <a:ext uri="{FF2B5EF4-FFF2-40B4-BE49-F238E27FC236}">
-                <a16:creationId xmlns:a16="http://schemas.microsoft.com/office/drawing/2014/main" id="{305F9FD6-CEE3-4E89-A3D2-9A94AF45028D}"/>
+                <a16:creationId xmlns:a16="http://schemas.microsoft.com/office/drawing/2014/main" xmlns="" id="{305F9FD6-CEE3-4E89-A3D2-9A94AF45028D}"/>
               </a:ext>
             </a:extLst>
           </p:cNvPr>
@@ -4217,7 +3647,7 @@
           <p:cNvPr id="3" name="Content Placeholder 2">
             <a:extLst>
               <a:ext uri="{FF2B5EF4-FFF2-40B4-BE49-F238E27FC236}">
-                <a16:creationId xmlns:a16="http://schemas.microsoft.com/office/drawing/2014/main" id="{F2256217-6441-4524-88F5-92A4181A19DD}"/>
+                <a16:creationId xmlns:a16="http://schemas.microsoft.com/office/drawing/2014/main" xmlns="" id="{F2256217-6441-4524-88F5-92A4181A19DD}"/>
               </a:ext>
             </a:extLst>
           </p:cNvPr>
@@ -4248,7 +3678,7 @@
           <p:cNvPr id="4" name="Picture 3">
             <a:extLst>
               <a:ext uri="{FF2B5EF4-FFF2-40B4-BE49-F238E27FC236}">
-                <a16:creationId xmlns:a16="http://schemas.microsoft.com/office/drawing/2014/main" id="{1207F182-2C5B-4884-B493-5D3D39E3791B}"/>
+                <a16:creationId xmlns:a16="http://schemas.microsoft.com/office/drawing/2014/main" xmlns="" id="{1207F182-2C5B-4884-B493-5D3D39E3791B}"/>
               </a:ext>
             </a:extLst>
           </p:cNvPr>
@@ -4270,8 +3700,8 @@
         </p:blipFill>
         <p:spPr bwMode="auto">
           <a:xfrm>
-            <a:off x="4856285" y="2453053"/>
-            <a:ext cx="5943600" cy="2971800"/>
+            <a:off x="1134737" y="2456760"/>
+            <a:ext cx="8706680" cy="3816391"/>
           </a:xfrm>
           <a:prstGeom prst="rect">
             <a:avLst/>
@@ -4282,51 +3712,6 @@
           </a:ln>
         </p:spPr>
       </p:pic>
-      <p:sp>
-        <p:nvSpPr>
-          <p:cNvPr id="5" name="TextBox 4">
-            <a:extLst>
-              <a:ext uri="{FF2B5EF4-FFF2-40B4-BE49-F238E27FC236}">
-                <a16:creationId xmlns:a16="http://schemas.microsoft.com/office/drawing/2014/main" id="{9F55B201-E0E1-470F-8FE2-8B92E5EA99A5}"/>
-              </a:ext>
-            </a:extLst>
-          </p:cNvPr>
-          <p:cNvSpPr txBox="1"/>
-          <p:nvPr/>
-        </p:nvSpPr>
-        <p:spPr>
-          <a:xfrm>
-            <a:off x="780757" y="3118750"/>
-            <a:ext cx="3923128" cy="1477328"/>
-          </a:xfrm>
-          <a:prstGeom prst="rect">
-            <a:avLst/>
-          </a:prstGeom>
-          <a:noFill/>
-        </p:spPr>
-        <p:txBody>
-          <a:bodyPr wrap="square" rtlCol="0">
-            <a:spAutoFit/>
-          </a:bodyPr>
-          <a:lstStyle/>
-          <a:p>
-            <a:r>
-              <a:rPr lang="en-US" dirty="0"/>
-              <a:t>This is one of the best model that we have tried and as can be seen the prediction is very close to actual.</a:t>
-            </a:r>
-          </a:p>
-          <a:p>
-            <a:endParaRPr lang="en-US" dirty="0"/>
-          </a:p>
-          <a:p>
-            <a:r>
-              <a:rPr lang="fr-FR" dirty="0"/>
-              <a:t>RMSE Import/Export - 3391.32, 1310.58</a:t>
-            </a:r>
-            <a:endParaRPr lang="en-US" dirty="0"/>
-          </a:p>
-        </p:txBody>
-      </p:sp>
     </p:spTree>
     <p:extLst>
       <p:ext uri="{BB962C8B-B14F-4D97-AF65-F5344CB8AC3E}">
@@ -4362,7 +3747,7 @@
           <p:cNvPr id="2" name="Title 1">
             <a:extLst>
               <a:ext uri="{FF2B5EF4-FFF2-40B4-BE49-F238E27FC236}">
-                <a16:creationId xmlns:a16="http://schemas.microsoft.com/office/drawing/2014/main" id="{9848A2EE-C121-43C9-BA4B-A9B242509668}"/>
+                <a16:creationId xmlns:a16="http://schemas.microsoft.com/office/drawing/2014/main" xmlns="" id="{9848A2EE-C121-43C9-BA4B-A9B242509668}"/>
               </a:ext>
             </a:extLst>
           </p:cNvPr>
@@ -4379,9 +3764,10 @@
           <a:lstStyle/>
           <a:p>
             <a:r>
-              <a:rPr lang="en-US" dirty="0"/>
-              <a:t>LSTM</a:t>
-            </a:r>
+              <a:rPr lang="en-US" dirty="0" smtClean="0"/>
+              <a:t>Long Short Term Memory (LSTM)</a:t>
+            </a:r>
+            <a:endParaRPr lang="en-US" dirty="0"/>
           </a:p>
         </p:txBody>
       </p:sp>
@@ -4390,7 +3776,7 @@
           <p:cNvPr id="3" name="Content Placeholder 2">
             <a:extLst>
               <a:ext uri="{FF2B5EF4-FFF2-40B4-BE49-F238E27FC236}">
-                <a16:creationId xmlns:a16="http://schemas.microsoft.com/office/drawing/2014/main" id="{3082308F-9D52-4858-BB10-F94701C2AC44}"/>
+                <a16:creationId xmlns:a16="http://schemas.microsoft.com/office/drawing/2014/main" xmlns="" id="{3082308F-9D52-4858-BB10-F94701C2AC44}"/>
               </a:ext>
             </a:extLst>
           </p:cNvPr>
@@ -4401,15 +3787,105 @@
             <p:ph idx="1"/>
           </p:nvPr>
         </p:nvSpPr>
-        <p:spPr/>
-        <p:txBody>
-          <a:bodyPr/>
-          <a:lstStyle/>
-          <a:p>
-            <a:endParaRPr lang="en-US"/>
-          </a:p>
-        </p:txBody>
-      </p:sp>
+        <p:spPr>
+          <a:xfrm>
+            <a:off x="587566" y="1390880"/>
+            <a:ext cx="10160000" cy="4800600"/>
+          </a:xfrm>
+        </p:spPr>
+        <p:txBody>
+          <a:bodyPr/>
+          <a:lstStyle/>
+          <a:p>
+            <a:r>
+              <a:rPr lang="en-US" dirty="0"/>
+              <a:t>Recurrent </a:t>
+            </a:r>
+            <a:r>
+              <a:rPr lang="en-US" dirty="0" smtClean="0"/>
+              <a:t>neural networks are used for processing the sequential data, but Unfortunately</a:t>
+            </a:r>
+            <a:r>
+              <a:rPr lang="en-US" dirty="0"/>
+              <a:t>, as </a:t>
+            </a:r>
+            <a:r>
+              <a:rPr lang="en-US" dirty="0" smtClean="0"/>
+              <a:t>the dependency gets long, </a:t>
+            </a:r>
+            <a:r>
+              <a:rPr lang="en-US" dirty="0"/>
+              <a:t>RNNs become unable to learn to connect the information</a:t>
+            </a:r>
+            <a:r>
+              <a:rPr lang="en-US" dirty="0" smtClean="0"/>
+              <a:t>.</a:t>
+            </a:r>
+          </a:p>
+          <a:p>
+            <a:r>
+              <a:rPr lang="en-US" dirty="0" smtClean="0"/>
+              <a:t>In these cases, LSTMs come to rescue, which</a:t>
+            </a:r>
+            <a:r>
+              <a:rPr lang="en-US" dirty="0" smtClean="0"/>
+              <a:t> </a:t>
+            </a:r>
+            <a:r>
+              <a:rPr lang="en-US" dirty="0"/>
+              <a:t>are explicitly designed to avoid the long-term dependency problem. </a:t>
+            </a:r>
+            <a:endParaRPr lang="en-US" dirty="0" smtClean="0"/>
+          </a:p>
+          <a:p>
+            <a:r>
+              <a:rPr lang="en-US" dirty="0" smtClean="0"/>
+              <a:t>Remembering </a:t>
+            </a:r>
+            <a:r>
+              <a:rPr lang="en-US" dirty="0"/>
+              <a:t>information for long periods of time is practically their default </a:t>
+            </a:r>
+            <a:r>
+              <a:rPr lang="en-US" dirty="0" smtClean="0"/>
+              <a:t>behavior.</a:t>
+            </a:r>
+          </a:p>
+          <a:p>
+            <a:endParaRPr lang="en-US" dirty="0"/>
+          </a:p>
+        </p:txBody>
+      </p:sp>
+      <p:pic>
+        <p:nvPicPr>
+          <p:cNvPr id="4" name="Picture 3"/>
+          <p:cNvPicPr>
+            <a:picLocks noChangeAspect="1"/>
+          </p:cNvPicPr>
+          <p:nvPr/>
+        </p:nvPicPr>
+        <p:blipFill>
+          <a:blip r:embed="rId2" cstate="print">
+            <a:extLst>
+              <a:ext uri="{28A0092B-C50C-407E-A947-70E740481C1C}">
+                <a14:useLocalDpi xmlns:a14="http://schemas.microsoft.com/office/drawing/2010/main" val="0"/>
+              </a:ext>
+            </a:extLst>
+          </a:blip>
+          <a:stretch>
+            <a:fillRect/>
+          </a:stretch>
+        </p:blipFill>
+        <p:spPr>
+          <a:xfrm>
+            <a:off x="1872867" y="3731942"/>
+            <a:ext cx="6874360" cy="2582888"/>
+          </a:xfrm>
+          <a:prstGeom prst="rect">
+            <a:avLst/>
+          </a:prstGeom>
+        </p:spPr>
+      </p:pic>
     </p:spTree>
     <p:extLst>
       <p:ext uri="{BB962C8B-B14F-4D97-AF65-F5344CB8AC3E}">
@@ -4445,7 +3921,7 @@
           <p:cNvPr id="2" name="Title 1">
             <a:extLst>
               <a:ext uri="{FF2B5EF4-FFF2-40B4-BE49-F238E27FC236}">
-                <a16:creationId xmlns:a16="http://schemas.microsoft.com/office/drawing/2014/main" id="{02C04A12-9663-4F93-A4CF-C3FCE901FB72}"/>
+                <a16:creationId xmlns:a16="http://schemas.microsoft.com/office/drawing/2014/main" xmlns="" id="{02C04A12-9663-4F93-A4CF-C3FCE901FB72}"/>
               </a:ext>
             </a:extLst>
           </p:cNvPr>
@@ -4461,32 +3937,74 @@
           <a:bodyPr/>
           <a:lstStyle/>
           <a:p>
+            <a:r>
+              <a:rPr lang="en-US" dirty="0" smtClean="0"/>
+              <a:t>Forecasting</a:t>
+            </a:r>
+            <a:r>
+              <a:rPr lang="en-US" dirty="0" smtClean="0"/>
+              <a:t> using LSTM</a:t>
+            </a:r>
             <a:endParaRPr lang="en-US" dirty="0"/>
           </a:p>
         </p:txBody>
       </p:sp>
-      <p:sp>
-        <p:nvSpPr>
-          <p:cNvPr id="3" name="Content Placeholder 2">
+      <p:pic>
+        <p:nvPicPr>
+          <p:cNvPr id="4" name="Content Placeholder 3"/>
+          <p:cNvPicPr>
+            <a:picLocks noGrp="1" noChangeAspect="1"/>
+          </p:cNvPicPr>
+          <p:nvPr>
+            <p:ph idx="1"/>
+          </p:nvPr>
+        </p:nvPicPr>
+        <p:blipFill>
+          <a:blip r:embed="rId2">
             <a:extLst>
-              <a:ext uri="{FF2B5EF4-FFF2-40B4-BE49-F238E27FC236}">
-                <a16:creationId xmlns:a16="http://schemas.microsoft.com/office/drawing/2014/main" id="{6B8B1920-948C-41D5-AA15-4077964C1E81}"/>
+              <a:ext uri="{28A0092B-C50C-407E-A947-70E740481C1C}">
+                <a14:useLocalDpi xmlns:a14="http://schemas.microsoft.com/office/drawing/2010/main" val="0"/>
               </a:ext>
             </a:extLst>
-          </p:cNvPr>
-          <p:cNvSpPr>
-            <a:spLocks noGrp="1"/>
-          </p:cNvSpPr>
-          <p:nvPr>
-            <p:ph idx="1"/>
-          </p:nvPr>
-        </p:nvSpPr>
-        <p:spPr/>
-        <p:txBody>
-          <a:bodyPr/>
-          <a:lstStyle/>
-          <a:p>
-            <a:endParaRPr lang="en-US"/>
+          </a:blip>
+          <a:stretch>
+            <a:fillRect/>
+          </a:stretch>
+        </p:blipFill>
+        <p:spPr>
+          <a:xfrm>
+            <a:off x="1806766" y="1964518"/>
+            <a:ext cx="8013372" cy="4358624"/>
+          </a:xfrm>
+        </p:spPr>
+      </p:pic>
+      <p:sp>
+        <p:nvSpPr>
+          <p:cNvPr id="5" name="TextBox 4"/>
+          <p:cNvSpPr txBox="1"/>
+          <p:nvPr/>
+        </p:nvSpPr>
+        <p:spPr>
+          <a:xfrm>
+            <a:off x="782198" y="1366092"/>
+            <a:ext cx="9805012" cy="430887"/>
+          </a:xfrm>
+          <a:prstGeom prst="rect">
+            <a:avLst/>
+          </a:prstGeom>
+          <a:noFill/>
+        </p:spPr>
+        <p:txBody>
+          <a:bodyPr wrap="square" rtlCol="0">
+            <a:spAutoFit/>
+          </a:bodyPr>
+          <a:lstStyle/>
+          <a:p>
+            <a:r>
+              <a:rPr lang="en-IN" sz="2200" dirty="0" smtClean="0"/>
+              <a:t>We took 12 previous months trade amount as input for our LSTM Model</a:t>
+            </a:r>
+            <a:endParaRPr lang="en-IN" sz="2200" dirty="0"/>
           </a:p>
         </p:txBody>
       </p:sp>
@@ -4494,6 +4012,1524 @@
     <p:extLst>
       <p:ext uri="{BB962C8B-B14F-4D97-AF65-F5344CB8AC3E}">
         <p14:creationId xmlns:p14="http://schemas.microsoft.com/office/powerpoint/2010/main" val="1293063419"/>
+      </p:ext>
+    </p:extLst>
+  </p:cSld>
+  <p:clrMapOvr>
+    <a:masterClrMapping/>
+  </p:clrMapOvr>
+</p:sld>
+</file>
+
+<file path=ppt/slides/slide15.xml><?xml version="1.0" encoding="utf-8"?>
+<p:sld xmlns:a="http://schemas.openxmlformats.org/drawingml/2006/main" xmlns:r="http://schemas.openxmlformats.org/officeDocument/2006/relationships" xmlns:p="http://schemas.openxmlformats.org/presentationml/2006/main">
+  <p:cSld>
+    <p:spTree>
+      <p:nvGrpSpPr>
+        <p:cNvPr id="1" name=""/>
+        <p:cNvGrpSpPr/>
+        <p:nvPr/>
+      </p:nvGrpSpPr>
+      <p:grpSpPr>
+        <a:xfrm>
+          <a:off x="0" y="0"/>
+          <a:ext cx="0" cy="0"/>
+          <a:chOff x="0" y="0"/>
+          <a:chExt cx="0" cy="0"/>
+        </a:xfrm>
+      </p:grpSpPr>
+      <p:sp>
+        <p:nvSpPr>
+          <p:cNvPr id="2" name="Title 1"/>
+          <p:cNvSpPr>
+            <a:spLocks noGrp="1"/>
+          </p:cNvSpPr>
+          <p:nvPr>
+            <p:ph type="title"/>
+          </p:nvPr>
+        </p:nvSpPr>
+        <p:spPr/>
+        <p:txBody>
+          <a:bodyPr/>
+          <a:lstStyle/>
+          <a:p>
+            <a:r>
+              <a:rPr lang="en-IN" dirty="0" smtClean="0"/>
+              <a:t>Comparison of Models</a:t>
+            </a:r>
+            <a:endParaRPr lang="en-IN" dirty="0"/>
+          </a:p>
+        </p:txBody>
+      </p:sp>
+      <p:graphicFrame>
+        <p:nvGraphicFramePr>
+          <p:cNvPr id="4" name="Content Placeholder 3"/>
+          <p:cNvGraphicFramePr>
+            <a:graphicFrameLocks noGrp="1"/>
+          </p:cNvGraphicFramePr>
+          <p:nvPr>
+            <p:ph idx="1"/>
+            <p:extLst>
+              <p:ext uri="{D42A27DB-BD31-4B8C-83A1-F6EECF244321}">
+                <p14:modId xmlns:p14="http://schemas.microsoft.com/office/powerpoint/2010/main" val="987934968"/>
+              </p:ext>
+            </p:extLst>
+          </p:nvPr>
+        </p:nvGraphicFramePr>
+        <p:xfrm>
+          <a:off x="2082189" y="3051668"/>
+          <a:ext cx="6675188" cy="2870690"/>
+        </p:xfrm>
+        <a:graphic>
+          <a:graphicData uri="http://schemas.openxmlformats.org/drawingml/2006/table">
+            <a:tbl>
+              <a:tblPr firstRow="1" firstCol="1" bandRow="1">
+                <a:tableStyleId>{5C22544A-7EE6-4342-B048-85BDC9FD1C3A}</a:tableStyleId>
+              </a:tblPr>
+              <a:tblGrid>
+                <a:gridCol w="2505873"/>
+                <a:gridCol w="2125351"/>
+                <a:gridCol w="2043964"/>
+              </a:tblGrid>
+              <a:tr h="365258">
+                <a:tc>
+                  <a:txBody>
+                    <a:bodyPr/>
+                    <a:lstStyle/>
+                    <a:p>
+                      <a:pPr algn="just">
+                        <a:lnSpc>
+                          <a:spcPct val="115000"/>
+                        </a:lnSpc>
+                        <a:spcAft>
+                          <a:spcPts val="1000"/>
+                        </a:spcAft>
+                      </a:pPr>
+                      <a:r>
+                        <a:rPr lang="en-US" sz="1400" dirty="0">
+                          <a:effectLst/>
+                        </a:rPr>
+                        <a:t>Model\Error</a:t>
+                      </a:r>
+                      <a:endParaRPr lang="en-IN" sz="1200" dirty="0">
+                        <a:effectLst/>
+                        <a:latin typeface="Times New Roman"/>
+                        <a:ea typeface="Times New Roman"/>
+                        <a:cs typeface="Times New Roman"/>
+                      </a:endParaRPr>
+                    </a:p>
+                  </a:txBody>
+                  <a:tcPr marL="68580" marR="68580" marT="0" marB="0"/>
+                </a:tc>
+                <a:tc>
+                  <a:txBody>
+                    <a:bodyPr/>
+                    <a:lstStyle/>
+                    <a:p>
+                      <a:pPr algn="just">
+                        <a:lnSpc>
+                          <a:spcPct val="115000"/>
+                        </a:lnSpc>
+                        <a:spcAft>
+                          <a:spcPts val="1000"/>
+                        </a:spcAft>
+                      </a:pPr>
+                      <a:r>
+                        <a:rPr lang="en-US" sz="1400">
+                          <a:effectLst/>
+                        </a:rPr>
+                        <a:t>Import RMSE</a:t>
+                      </a:r>
+                      <a:endParaRPr lang="en-IN" sz="1200">
+                        <a:effectLst/>
+                        <a:latin typeface="Times New Roman"/>
+                        <a:ea typeface="Times New Roman"/>
+                        <a:cs typeface="Times New Roman"/>
+                      </a:endParaRPr>
+                    </a:p>
+                  </a:txBody>
+                  <a:tcPr marL="68580" marR="68580" marT="0" marB="0"/>
+                </a:tc>
+                <a:tc>
+                  <a:txBody>
+                    <a:bodyPr/>
+                    <a:lstStyle/>
+                    <a:p>
+                      <a:pPr algn="just">
+                        <a:lnSpc>
+                          <a:spcPct val="115000"/>
+                        </a:lnSpc>
+                        <a:spcAft>
+                          <a:spcPts val="1000"/>
+                        </a:spcAft>
+                      </a:pPr>
+                      <a:r>
+                        <a:rPr lang="en-US" sz="1400">
+                          <a:effectLst/>
+                        </a:rPr>
+                        <a:t>Export RMSE</a:t>
+                      </a:r>
+                      <a:endParaRPr lang="en-IN" sz="1200">
+                        <a:effectLst/>
+                        <a:latin typeface="Times New Roman"/>
+                        <a:ea typeface="Times New Roman"/>
+                        <a:cs typeface="Times New Roman"/>
+                      </a:endParaRPr>
+                    </a:p>
+                  </a:txBody>
+                  <a:tcPr marL="68580" marR="68580" marT="0" marB="0"/>
+                </a:tc>
+              </a:tr>
+              <a:tr h="313179">
+                <a:tc>
+                  <a:txBody>
+                    <a:bodyPr/>
+                    <a:lstStyle/>
+                    <a:p>
+                      <a:pPr algn="just">
+                        <a:lnSpc>
+                          <a:spcPct val="115000"/>
+                        </a:lnSpc>
+                        <a:spcAft>
+                          <a:spcPts val="1000"/>
+                        </a:spcAft>
+                      </a:pPr>
+                      <a:r>
+                        <a:rPr lang="en-US" sz="1200">
+                          <a:effectLst/>
+                        </a:rPr>
+                        <a:t>Exponential Smoothing</a:t>
+                      </a:r>
+                      <a:endParaRPr lang="en-IN" sz="1200">
+                        <a:effectLst/>
+                        <a:latin typeface="Times New Roman"/>
+                        <a:ea typeface="Times New Roman"/>
+                        <a:cs typeface="Times New Roman"/>
+                      </a:endParaRPr>
+                    </a:p>
+                  </a:txBody>
+                  <a:tcPr marL="68580" marR="68580" marT="0" marB="0"/>
+                </a:tc>
+                <a:tc>
+                  <a:txBody>
+                    <a:bodyPr/>
+                    <a:lstStyle/>
+                    <a:p>
+                      <a:pPr algn="just">
+                        <a:lnSpc>
+                          <a:spcPct val="115000"/>
+                        </a:lnSpc>
+                        <a:spcAft>
+                          <a:spcPts val="0"/>
+                        </a:spcAft>
+                      </a:pPr>
+                      <a:r>
+                        <a:rPr lang="en-US" sz="1200" dirty="0">
+                          <a:effectLst/>
+                        </a:rPr>
+                        <a:t>3771.36</a:t>
+                      </a:r>
+                      <a:endParaRPr lang="en-IN" sz="1200" dirty="0">
+                        <a:effectLst/>
+                        <a:latin typeface="Times New Roman"/>
+                        <a:ea typeface="Times New Roman"/>
+                        <a:cs typeface="Times New Roman"/>
+                      </a:endParaRPr>
+                    </a:p>
+                  </a:txBody>
+                  <a:tcPr marL="68580" marR="68580" marT="0" marB="0"/>
+                </a:tc>
+                <a:tc>
+                  <a:txBody>
+                    <a:bodyPr/>
+                    <a:lstStyle/>
+                    <a:p>
+                      <a:pPr algn="just">
+                        <a:lnSpc>
+                          <a:spcPct val="115000"/>
+                        </a:lnSpc>
+                        <a:spcAft>
+                          <a:spcPts val="1000"/>
+                        </a:spcAft>
+                      </a:pPr>
+                      <a:r>
+                        <a:rPr lang="en-US" sz="1200">
+                          <a:effectLst/>
+                        </a:rPr>
+                        <a:t>2042.23</a:t>
+                      </a:r>
+                      <a:endParaRPr lang="en-IN" sz="1200">
+                        <a:effectLst/>
+                        <a:latin typeface="Times New Roman"/>
+                        <a:ea typeface="Times New Roman"/>
+                        <a:cs typeface="Times New Roman"/>
+                      </a:endParaRPr>
+                    </a:p>
+                  </a:txBody>
+                  <a:tcPr marL="68580" marR="68580" marT="0" marB="0"/>
+                </a:tc>
+              </a:tr>
+              <a:tr h="313179">
+                <a:tc>
+                  <a:txBody>
+                    <a:bodyPr/>
+                    <a:lstStyle/>
+                    <a:p>
+                      <a:pPr algn="just">
+                        <a:lnSpc>
+                          <a:spcPct val="115000"/>
+                        </a:lnSpc>
+                        <a:spcAft>
+                          <a:spcPts val="1000"/>
+                        </a:spcAft>
+                      </a:pPr>
+                      <a:r>
+                        <a:rPr lang="en-US" sz="1200">
+                          <a:effectLst/>
+                        </a:rPr>
+                        <a:t>Auto Regressive (AR) model</a:t>
+                      </a:r>
+                      <a:endParaRPr lang="en-IN" sz="1200">
+                        <a:effectLst/>
+                        <a:latin typeface="Times New Roman"/>
+                        <a:ea typeface="Times New Roman"/>
+                        <a:cs typeface="Times New Roman"/>
+                      </a:endParaRPr>
+                    </a:p>
+                  </a:txBody>
+                  <a:tcPr marL="68580" marR="68580" marT="0" marB="0"/>
+                </a:tc>
+                <a:tc>
+                  <a:txBody>
+                    <a:bodyPr/>
+                    <a:lstStyle/>
+                    <a:p>
+                      <a:pPr algn="just" fontAlgn="base" latinLnBrk="1">
+                        <a:lnSpc>
+                          <a:spcPct val="115000"/>
+                        </a:lnSpc>
+                        <a:spcAft>
+                          <a:spcPts val="0"/>
+                        </a:spcAft>
+                        <a:tabLst>
+                          <a:tab pos="581660" algn="l"/>
+                          <a:tab pos="1163320" algn="l"/>
+                          <a:tab pos="1744980" algn="l"/>
+                          <a:tab pos="2326640" algn="l"/>
+                          <a:tab pos="2908300" algn="l"/>
+                          <a:tab pos="3489960" algn="l"/>
+                          <a:tab pos="4071620" algn="l"/>
+                          <a:tab pos="4653280" algn="l"/>
+                          <a:tab pos="5234940" algn="l"/>
+                          <a:tab pos="5816600" algn="l"/>
+                          <a:tab pos="6398260" algn="l"/>
+                          <a:tab pos="6979920" algn="l"/>
+                          <a:tab pos="7561580" algn="l"/>
+                          <a:tab pos="8143240" algn="l"/>
+                          <a:tab pos="8724900" algn="l"/>
+                          <a:tab pos="9306560" algn="l"/>
+                        </a:tabLst>
+                      </a:pPr>
+                      <a:r>
+                        <a:rPr lang="en-US" sz="1200">
+                          <a:effectLst/>
+                        </a:rPr>
+                        <a:t>2718.07</a:t>
+                      </a:r>
+                      <a:endParaRPr lang="en-IN" sz="1200">
+                        <a:effectLst/>
+                        <a:latin typeface="Times New Roman"/>
+                        <a:ea typeface="Times New Roman"/>
+                        <a:cs typeface="Times New Roman"/>
+                      </a:endParaRPr>
+                    </a:p>
+                  </a:txBody>
+                  <a:tcPr marL="68580" marR="68580" marT="0" marB="0"/>
+                </a:tc>
+                <a:tc>
+                  <a:txBody>
+                    <a:bodyPr/>
+                    <a:lstStyle/>
+                    <a:p>
+                      <a:pPr algn="just" fontAlgn="base" latinLnBrk="1">
+                        <a:lnSpc>
+                          <a:spcPct val="115000"/>
+                        </a:lnSpc>
+                        <a:spcAft>
+                          <a:spcPts val="0"/>
+                        </a:spcAft>
+                        <a:tabLst>
+                          <a:tab pos="581660" algn="l"/>
+                          <a:tab pos="1163320" algn="l"/>
+                          <a:tab pos="1744980" algn="l"/>
+                          <a:tab pos="2326640" algn="l"/>
+                          <a:tab pos="2908300" algn="l"/>
+                          <a:tab pos="3489960" algn="l"/>
+                          <a:tab pos="4071620" algn="l"/>
+                          <a:tab pos="4653280" algn="l"/>
+                          <a:tab pos="5234940" algn="l"/>
+                          <a:tab pos="5816600" algn="l"/>
+                          <a:tab pos="6398260" algn="l"/>
+                          <a:tab pos="6979920" algn="l"/>
+                          <a:tab pos="7561580" algn="l"/>
+                          <a:tab pos="8143240" algn="l"/>
+                          <a:tab pos="8724900" algn="l"/>
+                          <a:tab pos="9306560" algn="l"/>
+                        </a:tabLst>
+                      </a:pPr>
+                      <a:r>
+                        <a:rPr lang="en-US" sz="1200">
+                          <a:effectLst/>
+                        </a:rPr>
+                        <a:t>1738.07</a:t>
+                      </a:r>
+                      <a:endParaRPr lang="en-IN" sz="1200">
+                        <a:effectLst/>
+                        <a:latin typeface="Times New Roman"/>
+                        <a:ea typeface="Times New Roman"/>
+                        <a:cs typeface="Times New Roman"/>
+                      </a:endParaRPr>
+                    </a:p>
+                  </a:txBody>
+                  <a:tcPr marL="68580" marR="68580" marT="0" marB="0"/>
+                </a:tc>
+              </a:tr>
+              <a:tr h="313179">
+                <a:tc>
+                  <a:txBody>
+                    <a:bodyPr/>
+                    <a:lstStyle/>
+                    <a:p>
+                      <a:pPr algn="just">
+                        <a:lnSpc>
+                          <a:spcPct val="115000"/>
+                        </a:lnSpc>
+                        <a:spcAft>
+                          <a:spcPts val="1000"/>
+                        </a:spcAft>
+                      </a:pPr>
+                      <a:r>
+                        <a:rPr lang="en-US" sz="1200">
+                          <a:effectLst/>
+                        </a:rPr>
+                        <a:t>Moving Average (MA) model</a:t>
+                      </a:r>
+                      <a:endParaRPr lang="en-IN" sz="1200">
+                        <a:effectLst/>
+                        <a:latin typeface="Times New Roman"/>
+                        <a:ea typeface="Times New Roman"/>
+                        <a:cs typeface="Times New Roman"/>
+                      </a:endParaRPr>
+                    </a:p>
+                  </a:txBody>
+                  <a:tcPr marL="68580" marR="68580" marT="0" marB="0"/>
+                </a:tc>
+                <a:tc>
+                  <a:txBody>
+                    <a:bodyPr/>
+                    <a:lstStyle/>
+                    <a:p>
+                      <a:pPr algn="just" fontAlgn="base" latinLnBrk="1">
+                        <a:lnSpc>
+                          <a:spcPct val="115000"/>
+                        </a:lnSpc>
+                        <a:spcAft>
+                          <a:spcPts val="0"/>
+                        </a:spcAft>
+                        <a:tabLst>
+                          <a:tab pos="581660" algn="l"/>
+                          <a:tab pos="1163320" algn="l"/>
+                          <a:tab pos="1744980" algn="l"/>
+                          <a:tab pos="2326640" algn="l"/>
+                          <a:tab pos="2908300" algn="l"/>
+                          <a:tab pos="3489960" algn="l"/>
+                          <a:tab pos="4071620" algn="l"/>
+                          <a:tab pos="4653280" algn="l"/>
+                          <a:tab pos="5234940" algn="l"/>
+                          <a:tab pos="5816600" algn="l"/>
+                          <a:tab pos="6398260" algn="l"/>
+                          <a:tab pos="6979920" algn="l"/>
+                          <a:tab pos="7561580" algn="l"/>
+                          <a:tab pos="8143240" algn="l"/>
+                          <a:tab pos="8724900" algn="l"/>
+                          <a:tab pos="9306560" algn="l"/>
+                        </a:tabLst>
+                      </a:pPr>
+                      <a:r>
+                        <a:rPr lang="en-US" sz="1200">
+                          <a:effectLst/>
+                        </a:rPr>
+                        <a:t>7743.73</a:t>
+                      </a:r>
+                      <a:endParaRPr lang="en-IN" sz="1200">
+                        <a:effectLst/>
+                        <a:latin typeface="Times New Roman"/>
+                        <a:ea typeface="Times New Roman"/>
+                        <a:cs typeface="Times New Roman"/>
+                      </a:endParaRPr>
+                    </a:p>
+                  </a:txBody>
+                  <a:tcPr marL="68580" marR="68580" marT="0" marB="0"/>
+                </a:tc>
+                <a:tc>
+                  <a:txBody>
+                    <a:bodyPr/>
+                    <a:lstStyle/>
+                    <a:p>
+                      <a:pPr algn="just" fontAlgn="base" latinLnBrk="1">
+                        <a:lnSpc>
+                          <a:spcPct val="115000"/>
+                        </a:lnSpc>
+                        <a:spcAft>
+                          <a:spcPts val="0"/>
+                        </a:spcAft>
+                        <a:tabLst>
+                          <a:tab pos="581660" algn="l"/>
+                          <a:tab pos="1163320" algn="l"/>
+                          <a:tab pos="1744980" algn="l"/>
+                          <a:tab pos="2326640" algn="l"/>
+                          <a:tab pos="2908300" algn="l"/>
+                          <a:tab pos="3489960" algn="l"/>
+                          <a:tab pos="4071620" algn="l"/>
+                          <a:tab pos="4653280" algn="l"/>
+                          <a:tab pos="5234940" algn="l"/>
+                          <a:tab pos="5816600" algn="l"/>
+                          <a:tab pos="6398260" algn="l"/>
+                          <a:tab pos="6979920" algn="l"/>
+                          <a:tab pos="7561580" algn="l"/>
+                          <a:tab pos="8143240" algn="l"/>
+                          <a:tab pos="8724900" algn="l"/>
+                          <a:tab pos="9306560" algn="l"/>
+                        </a:tabLst>
+                      </a:pPr>
+                      <a:r>
+                        <a:rPr lang="en-US" sz="1200">
+                          <a:effectLst/>
+                        </a:rPr>
+                        <a:t>4284.66</a:t>
+                      </a:r>
+                      <a:endParaRPr lang="en-IN" sz="1200">
+                        <a:effectLst/>
+                        <a:latin typeface="Times New Roman"/>
+                        <a:ea typeface="Times New Roman"/>
+                        <a:cs typeface="Times New Roman"/>
+                      </a:endParaRPr>
+                    </a:p>
+                  </a:txBody>
+                  <a:tcPr marL="68580" marR="68580" marT="0" marB="0"/>
+                </a:tc>
+              </a:tr>
+              <a:tr h="313179">
+                <a:tc>
+                  <a:txBody>
+                    <a:bodyPr/>
+                    <a:lstStyle/>
+                    <a:p>
+                      <a:pPr algn="just">
+                        <a:lnSpc>
+                          <a:spcPct val="115000"/>
+                        </a:lnSpc>
+                        <a:spcAft>
+                          <a:spcPts val="1000"/>
+                        </a:spcAft>
+                      </a:pPr>
+                      <a:r>
+                        <a:rPr lang="en-US" sz="1200">
+                          <a:effectLst/>
+                        </a:rPr>
+                        <a:t>Holt-Winters Method</a:t>
+                      </a:r>
+                      <a:endParaRPr lang="en-IN" sz="1200">
+                        <a:effectLst/>
+                        <a:latin typeface="Times New Roman"/>
+                        <a:ea typeface="Times New Roman"/>
+                        <a:cs typeface="Times New Roman"/>
+                      </a:endParaRPr>
+                    </a:p>
+                  </a:txBody>
+                  <a:tcPr marL="68580" marR="68580" marT="0" marB="0"/>
+                </a:tc>
+                <a:tc>
+                  <a:txBody>
+                    <a:bodyPr/>
+                    <a:lstStyle/>
+                    <a:p>
+                      <a:pPr algn="just" fontAlgn="base" latinLnBrk="1">
+                        <a:lnSpc>
+                          <a:spcPct val="115000"/>
+                        </a:lnSpc>
+                        <a:spcAft>
+                          <a:spcPts val="0"/>
+                        </a:spcAft>
+                        <a:tabLst>
+                          <a:tab pos="581660" algn="l"/>
+                          <a:tab pos="1163320" algn="l"/>
+                          <a:tab pos="1744980" algn="l"/>
+                          <a:tab pos="2326640" algn="l"/>
+                          <a:tab pos="2908300" algn="l"/>
+                          <a:tab pos="3489960" algn="l"/>
+                          <a:tab pos="4071620" algn="l"/>
+                          <a:tab pos="4653280" algn="l"/>
+                          <a:tab pos="5234940" algn="l"/>
+                          <a:tab pos="5816600" algn="l"/>
+                          <a:tab pos="6398260" algn="l"/>
+                          <a:tab pos="6979920" algn="l"/>
+                          <a:tab pos="7561580" algn="l"/>
+                          <a:tab pos="8143240" algn="l"/>
+                          <a:tab pos="8724900" algn="l"/>
+                          <a:tab pos="9306560" algn="l"/>
+                        </a:tabLst>
+                      </a:pPr>
+                      <a:r>
+                        <a:rPr lang="en-US" sz="1200">
+                          <a:effectLst/>
+                        </a:rPr>
+                        <a:t>4417.84</a:t>
+                      </a:r>
+                      <a:endParaRPr lang="en-IN" sz="1200">
+                        <a:effectLst/>
+                        <a:latin typeface="Times New Roman"/>
+                        <a:ea typeface="Times New Roman"/>
+                        <a:cs typeface="Times New Roman"/>
+                      </a:endParaRPr>
+                    </a:p>
+                  </a:txBody>
+                  <a:tcPr marL="68580" marR="68580" marT="0" marB="0"/>
+                </a:tc>
+                <a:tc>
+                  <a:txBody>
+                    <a:bodyPr/>
+                    <a:lstStyle/>
+                    <a:p>
+                      <a:pPr algn="just" fontAlgn="base" latinLnBrk="1">
+                        <a:lnSpc>
+                          <a:spcPct val="115000"/>
+                        </a:lnSpc>
+                        <a:spcAft>
+                          <a:spcPts val="0"/>
+                        </a:spcAft>
+                        <a:tabLst>
+                          <a:tab pos="581660" algn="l"/>
+                          <a:tab pos="1163320" algn="l"/>
+                          <a:tab pos="1744980" algn="l"/>
+                          <a:tab pos="2326640" algn="l"/>
+                          <a:tab pos="2908300" algn="l"/>
+                          <a:tab pos="3489960" algn="l"/>
+                          <a:tab pos="4071620" algn="l"/>
+                          <a:tab pos="4653280" algn="l"/>
+                          <a:tab pos="5234940" algn="l"/>
+                          <a:tab pos="5816600" algn="l"/>
+                          <a:tab pos="6398260" algn="l"/>
+                          <a:tab pos="6979920" algn="l"/>
+                          <a:tab pos="7561580" algn="l"/>
+                          <a:tab pos="8143240" algn="l"/>
+                          <a:tab pos="8724900" algn="l"/>
+                          <a:tab pos="9306560" algn="l"/>
+                        </a:tabLst>
+                      </a:pPr>
+                      <a:r>
+                        <a:rPr lang="en-US" sz="1200">
+                          <a:effectLst/>
+                        </a:rPr>
+                        <a:t>1850.49</a:t>
+                      </a:r>
+                      <a:endParaRPr lang="en-IN" sz="1200">
+                        <a:effectLst/>
+                        <a:latin typeface="Times New Roman"/>
+                        <a:ea typeface="Times New Roman"/>
+                        <a:cs typeface="Times New Roman"/>
+                      </a:endParaRPr>
+                    </a:p>
+                  </a:txBody>
+                  <a:tcPr marL="68580" marR="68580" marT="0" marB="0"/>
+                </a:tc>
+              </a:tr>
+              <a:tr h="313179">
+                <a:tc>
+                  <a:txBody>
+                    <a:bodyPr/>
+                    <a:lstStyle/>
+                    <a:p>
+                      <a:pPr algn="just">
+                        <a:lnSpc>
+                          <a:spcPct val="115000"/>
+                        </a:lnSpc>
+                        <a:spcAft>
+                          <a:spcPts val="1000"/>
+                        </a:spcAft>
+                      </a:pPr>
+                      <a:r>
+                        <a:rPr lang="en-US" sz="1200">
+                          <a:effectLst/>
+                        </a:rPr>
+                        <a:t>ARIMA Multiplicative</a:t>
+                      </a:r>
+                      <a:endParaRPr lang="en-IN" sz="1200">
+                        <a:effectLst/>
+                        <a:latin typeface="Times New Roman"/>
+                        <a:ea typeface="Times New Roman"/>
+                        <a:cs typeface="Times New Roman"/>
+                      </a:endParaRPr>
+                    </a:p>
+                  </a:txBody>
+                  <a:tcPr marL="68580" marR="68580" marT="0" marB="0"/>
+                </a:tc>
+                <a:tc>
+                  <a:txBody>
+                    <a:bodyPr/>
+                    <a:lstStyle/>
+                    <a:p>
+                      <a:pPr algn="just" fontAlgn="base" latinLnBrk="1">
+                        <a:lnSpc>
+                          <a:spcPct val="115000"/>
+                        </a:lnSpc>
+                        <a:spcAft>
+                          <a:spcPts val="0"/>
+                        </a:spcAft>
+                        <a:tabLst>
+                          <a:tab pos="581660" algn="l"/>
+                          <a:tab pos="1163320" algn="l"/>
+                          <a:tab pos="1744980" algn="l"/>
+                          <a:tab pos="2326640" algn="l"/>
+                          <a:tab pos="2908300" algn="l"/>
+                          <a:tab pos="3489960" algn="l"/>
+                          <a:tab pos="4071620" algn="l"/>
+                          <a:tab pos="4653280" algn="l"/>
+                          <a:tab pos="5234940" algn="l"/>
+                          <a:tab pos="5816600" algn="l"/>
+                          <a:tab pos="6398260" algn="l"/>
+                          <a:tab pos="6979920" algn="l"/>
+                          <a:tab pos="7561580" algn="l"/>
+                          <a:tab pos="8143240" algn="l"/>
+                          <a:tab pos="8724900" algn="l"/>
+                          <a:tab pos="9306560" algn="l"/>
+                        </a:tabLst>
+                      </a:pPr>
+                      <a:r>
+                        <a:rPr lang="en-US" sz="1200">
+                          <a:effectLst/>
+                        </a:rPr>
+                        <a:t>3739.46</a:t>
+                      </a:r>
+                      <a:endParaRPr lang="en-IN" sz="1200">
+                        <a:effectLst/>
+                        <a:latin typeface="Times New Roman"/>
+                        <a:ea typeface="Times New Roman"/>
+                        <a:cs typeface="Times New Roman"/>
+                      </a:endParaRPr>
+                    </a:p>
+                  </a:txBody>
+                  <a:tcPr marL="68580" marR="68580" marT="0" marB="0"/>
+                </a:tc>
+                <a:tc>
+                  <a:txBody>
+                    <a:bodyPr/>
+                    <a:lstStyle/>
+                    <a:p>
+                      <a:pPr algn="just" fontAlgn="base" latinLnBrk="1">
+                        <a:lnSpc>
+                          <a:spcPct val="115000"/>
+                        </a:lnSpc>
+                        <a:spcAft>
+                          <a:spcPts val="0"/>
+                        </a:spcAft>
+                        <a:tabLst>
+                          <a:tab pos="581660" algn="l"/>
+                          <a:tab pos="1163320" algn="l"/>
+                          <a:tab pos="1744980" algn="l"/>
+                          <a:tab pos="2326640" algn="l"/>
+                          <a:tab pos="2908300" algn="l"/>
+                          <a:tab pos="3489960" algn="l"/>
+                          <a:tab pos="4071620" algn="l"/>
+                          <a:tab pos="4653280" algn="l"/>
+                          <a:tab pos="5234940" algn="l"/>
+                          <a:tab pos="5816600" algn="l"/>
+                          <a:tab pos="6398260" algn="l"/>
+                          <a:tab pos="6979920" algn="l"/>
+                          <a:tab pos="7561580" algn="l"/>
+                          <a:tab pos="8143240" algn="l"/>
+                          <a:tab pos="8724900" algn="l"/>
+                          <a:tab pos="9306560" algn="l"/>
+                        </a:tabLst>
+                      </a:pPr>
+                      <a:r>
+                        <a:rPr lang="en-US" sz="1200">
+                          <a:effectLst/>
+                        </a:rPr>
+                        <a:t>1646.06</a:t>
+                      </a:r>
+                      <a:endParaRPr lang="en-IN" sz="1200">
+                        <a:effectLst/>
+                        <a:latin typeface="Times New Roman"/>
+                        <a:ea typeface="Times New Roman"/>
+                        <a:cs typeface="Times New Roman"/>
+                      </a:endParaRPr>
+                    </a:p>
+                  </a:txBody>
+                  <a:tcPr marL="68580" marR="68580" marT="0" marB="0"/>
+                </a:tc>
+              </a:tr>
+              <a:tr h="313179">
+                <a:tc>
+                  <a:txBody>
+                    <a:bodyPr/>
+                    <a:lstStyle/>
+                    <a:p>
+                      <a:pPr algn="just">
+                        <a:lnSpc>
+                          <a:spcPct val="115000"/>
+                        </a:lnSpc>
+                        <a:spcAft>
+                          <a:spcPts val="1000"/>
+                        </a:spcAft>
+                      </a:pPr>
+                      <a:r>
+                        <a:rPr lang="en-US" sz="1200">
+                          <a:effectLst/>
+                        </a:rPr>
+                        <a:t>ARIMA Additive</a:t>
+                      </a:r>
+                      <a:endParaRPr lang="en-IN" sz="1200">
+                        <a:effectLst/>
+                        <a:latin typeface="Times New Roman"/>
+                        <a:ea typeface="Times New Roman"/>
+                        <a:cs typeface="Times New Roman"/>
+                      </a:endParaRPr>
+                    </a:p>
+                  </a:txBody>
+                  <a:tcPr marL="68580" marR="68580" marT="0" marB="0"/>
+                </a:tc>
+                <a:tc>
+                  <a:txBody>
+                    <a:bodyPr/>
+                    <a:lstStyle/>
+                    <a:p>
+                      <a:pPr algn="just" fontAlgn="base" latinLnBrk="1">
+                        <a:lnSpc>
+                          <a:spcPct val="115000"/>
+                        </a:lnSpc>
+                        <a:spcAft>
+                          <a:spcPts val="0"/>
+                        </a:spcAft>
+                        <a:tabLst>
+                          <a:tab pos="581660" algn="l"/>
+                          <a:tab pos="1163320" algn="l"/>
+                          <a:tab pos="1744980" algn="l"/>
+                          <a:tab pos="2326640" algn="l"/>
+                          <a:tab pos="2908300" algn="l"/>
+                          <a:tab pos="3489960" algn="l"/>
+                          <a:tab pos="4071620" algn="l"/>
+                          <a:tab pos="4653280" algn="l"/>
+                          <a:tab pos="5234940" algn="l"/>
+                          <a:tab pos="5816600" algn="l"/>
+                          <a:tab pos="6398260" algn="l"/>
+                          <a:tab pos="6979920" algn="l"/>
+                          <a:tab pos="7561580" algn="l"/>
+                          <a:tab pos="8143240" algn="l"/>
+                          <a:tab pos="8724900" algn="l"/>
+                          <a:tab pos="9306560" algn="l"/>
+                        </a:tabLst>
+                      </a:pPr>
+                      <a:r>
+                        <a:rPr lang="en-US" sz="1200">
+                          <a:effectLst/>
+                        </a:rPr>
+                        <a:t>3286.15</a:t>
+                      </a:r>
+                      <a:endParaRPr lang="en-IN" sz="1200">
+                        <a:effectLst/>
+                        <a:latin typeface="Times New Roman"/>
+                        <a:ea typeface="Times New Roman"/>
+                        <a:cs typeface="Times New Roman"/>
+                      </a:endParaRPr>
+                    </a:p>
+                  </a:txBody>
+                  <a:tcPr marL="68580" marR="68580" marT="0" marB="0"/>
+                </a:tc>
+                <a:tc>
+                  <a:txBody>
+                    <a:bodyPr/>
+                    <a:lstStyle/>
+                    <a:p>
+                      <a:pPr algn="just" fontAlgn="base" latinLnBrk="1">
+                        <a:lnSpc>
+                          <a:spcPct val="115000"/>
+                        </a:lnSpc>
+                        <a:spcAft>
+                          <a:spcPts val="0"/>
+                        </a:spcAft>
+                        <a:tabLst>
+                          <a:tab pos="581660" algn="l"/>
+                          <a:tab pos="1163320" algn="l"/>
+                          <a:tab pos="1744980" algn="l"/>
+                          <a:tab pos="2326640" algn="l"/>
+                          <a:tab pos="2908300" algn="l"/>
+                          <a:tab pos="3489960" algn="l"/>
+                          <a:tab pos="4071620" algn="l"/>
+                          <a:tab pos="4653280" algn="l"/>
+                          <a:tab pos="5234940" algn="l"/>
+                          <a:tab pos="5816600" algn="l"/>
+                          <a:tab pos="6398260" algn="l"/>
+                          <a:tab pos="6979920" algn="l"/>
+                          <a:tab pos="7561580" algn="l"/>
+                          <a:tab pos="8143240" algn="l"/>
+                          <a:tab pos="8724900" algn="l"/>
+                          <a:tab pos="9306560" algn="l"/>
+                        </a:tabLst>
+                      </a:pPr>
+                      <a:r>
+                        <a:rPr lang="en-US" sz="1200">
+                          <a:effectLst/>
+                        </a:rPr>
+                        <a:t>2026.4</a:t>
+                      </a:r>
+                      <a:endParaRPr lang="en-IN" sz="1200">
+                        <a:effectLst/>
+                        <a:latin typeface="Times New Roman"/>
+                        <a:ea typeface="Times New Roman"/>
+                        <a:cs typeface="Times New Roman"/>
+                      </a:endParaRPr>
+                    </a:p>
+                  </a:txBody>
+                  <a:tcPr marL="68580" marR="68580" marT="0" marB="0"/>
+                </a:tc>
+              </a:tr>
+              <a:tr h="313179">
+                <a:tc>
+                  <a:txBody>
+                    <a:bodyPr/>
+                    <a:lstStyle/>
+                    <a:p>
+                      <a:pPr algn="just">
+                        <a:lnSpc>
+                          <a:spcPct val="115000"/>
+                        </a:lnSpc>
+                        <a:spcAft>
+                          <a:spcPts val="1000"/>
+                        </a:spcAft>
+                      </a:pPr>
+                      <a:r>
+                        <a:rPr lang="en-US" sz="1200">
+                          <a:effectLst/>
+                        </a:rPr>
+                        <a:t>Seasonal ARIMA</a:t>
+                      </a:r>
+                      <a:endParaRPr lang="en-IN" sz="1200">
+                        <a:effectLst/>
+                        <a:latin typeface="Times New Roman"/>
+                        <a:ea typeface="Times New Roman"/>
+                        <a:cs typeface="Times New Roman"/>
+                      </a:endParaRPr>
+                    </a:p>
+                  </a:txBody>
+                  <a:tcPr marL="68580" marR="68580" marT="0" marB="0"/>
+                </a:tc>
+                <a:tc>
+                  <a:txBody>
+                    <a:bodyPr/>
+                    <a:lstStyle/>
+                    <a:p>
+                      <a:pPr algn="just" fontAlgn="base" latinLnBrk="1">
+                        <a:lnSpc>
+                          <a:spcPct val="115000"/>
+                        </a:lnSpc>
+                        <a:spcAft>
+                          <a:spcPts val="0"/>
+                        </a:spcAft>
+                        <a:tabLst>
+                          <a:tab pos="581660" algn="l"/>
+                          <a:tab pos="1163320" algn="l"/>
+                          <a:tab pos="1744980" algn="l"/>
+                          <a:tab pos="2326640" algn="l"/>
+                          <a:tab pos="2908300" algn="l"/>
+                          <a:tab pos="3489960" algn="l"/>
+                          <a:tab pos="4071620" algn="l"/>
+                          <a:tab pos="4653280" algn="l"/>
+                          <a:tab pos="5234940" algn="l"/>
+                          <a:tab pos="5816600" algn="l"/>
+                          <a:tab pos="6398260" algn="l"/>
+                          <a:tab pos="6979920" algn="l"/>
+                          <a:tab pos="7561580" algn="l"/>
+                          <a:tab pos="8143240" algn="l"/>
+                          <a:tab pos="8724900" algn="l"/>
+                          <a:tab pos="9306560" algn="l"/>
+                        </a:tabLst>
+                      </a:pPr>
+                      <a:r>
+                        <a:rPr lang="en-US" sz="1200">
+                          <a:effectLst/>
+                        </a:rPr>
+                        <a:t>3391.32</a:t>
+                      </a:r>
+                      <a:endParaRPr lang="en-IN" sz="1200">
+                        <a:effectLst/>
+                        <a:latin typeface="Times New Roman"/>
+                        <a:ea typeface="Times New Roman"/>
+                        <a:cs typeface="Times New Roman"/>
+                      </a:endParaRPr>
+                    </a:p>
+                  </a:txBody>
+                  <a:tcPr marL="68580" marR="68580" marT="0" marB="0"/>
+                </a:tc>
+                <a:tc>
+                  <a:txBody>
+                    <a:bodyPr/>
+                    <a:lstStyle/>
+                    <a:p>
+                      <a:pPr algn="just" fontAlgn="base" latinLnBrk="1">
+                        <a:lnSpc>
+                          <a:spcPct val="115000"/>
+                        </a:lnSpc>
+                        <a:spcAft>
+                          <a:spcPts val="0"/>
+                        </a:spcAft>
+                        <a:tabLst>
+                          <a:tab pos="581660" algn="l"/>
+                          <a:tab pos="1163320" algn="l"/>
+                          <a:tab pos="1744980" algn="l"/>
+                          <a:tab pos="2326640" algn="l"/>
+                          <a:tab pos="2908300" algn="l"/>
+                          <a:tab pos="3489960" algn="l"/>
+                          <a:tab pos="4071620" algn="l"/>
+                          <a:tab pos="4653280" algn="l"/>
+                          <a:tab pos="5234940" algn="l"/>
+                          <a:tab pos="5816600" algn="l"/>
+                          <a:tab pos="6398260" algn="l"/>
+                          <a:tab pos="6979920" algn="l"/>
+                          <a:tab pos="7561580" algn="l"/>
+                          <a:tab pos="8143240" algn="l"/>
+                          <a:tab pos="8724900" algn="l"/>
+                          <a:tab pos="9306560" algn="l"/>
+                        </a:tabLst>
+                      </a:pPr>
+                      <a:r>
+                        <a:rPr lang="en-US" sz="1200" b="1" dirty="0">
+                          <a:effectLst/>
+                        </a:rPr>
+                        <a:t>1310.58</a:t>
+                      </a:r>
+                      <a:endParaRPr lang="en-IN" sz="1200" b="1" dirty="0">
+                        <a:effectLst/>
+                        <a:latin typeface="Times New Roman"/>
+                        <a:ea typeface="Times New Roman"/>
+                        <a:cs typeface="Times New Roman"/>
+                      </a:endParaRPr>
+                    </a:p>
+                  </a:txBody>
+                  <a:tcPr marL="68580" marR="68580" marT="0" marB="0"/>
+                </a:tc>
+              </a:tr>
+              <a:tr h="313179">
+                <a:tc>
+                  <a:txBody>
+                    <a:bodyPr/>
+                    <a:lstStyle/>
+                    <a:p>
+                      <a:pPr algn="just">
+                        <a:lnSpc>
+                          <a:spcPct val="115000"/>
+                        </a:lnSpc>
+                        <a:spcAft>
+                          <a:spcPts val="1000"/>
+                        </a:spcAft>
+                      </a:pPr>
+                      <a:r>
+                        <a:rPr lang="en-US" sz="1200">
+                          <a:effectLst/>
+                        </a:rPr>
+                        <a:t>LSTM</a:t>
+                      </a:r>
+                      <a:endParaRPr lang="en-IN" sz="1200">
+                        <a:effectLst/>
+                        <a:latin typeface="Times New Roman"/>
+                        <a:ea typeface="Times New Roman"/>
+                        <a:cs typeface="Times New Roman"/>
+                      </a:endParaRPr>
+                    </a:p>
+                  </a:txBody>
+                  <a:tcPr marL="68580" marR="68580" marT="0" marB="0"/>
+                </a:tc>
+                <a:tc>
+                  <a:txBody>
+                    <a:bodyPr/>
+                    <a:lstStyle/>
+                    <a:p>
+                      <a:pPr algn="just">
+                        <a:lnSpc>
+                          <a:spcPct val="115000"/>
+                        </a:lnSpc>
+                        <a:spcAft>
+                          <a:spcPts val="1000"/>
+                        </a:spcAft>
+                      </a:pPr>
+                      <a:r>
+                        <a:rPr lang="en-US" sz="1200" b="1" dirty="0">
+                          <a:effectLst/>
+                        </a:rPr>
+                        <a:t>2637.71</a:t>
+                      </a:r>
+                      <a:endParaRPr lang="en-IN" sz="1200" b="1" dirty="0">
+                        <a:effectLst/>
+                        <a:latin typeface="Times New Roman"/>
+                        <a:ea typeface="Times New Roman"/>
+                        <a:cs typeface="Times New Roman"/>
+                      </a:endParaRPr>
+                    </a:p>
+                  </a:txBody>
+                  <a:tcPr marL="68580" marR="68580" marT="0" marB="0"/>
+                </a:tc>
+                <a:tc>
+                  <a:txBody>
+                    <a:bodyPr/>
+                    <a:lstStyle/>
+                    <a:p>
+                      <a:pPr algn="just">
+                        <a:lnSpc>
+                          <a:spcPct val="115000"/>
+                        </a:lnSpc>
+                        <a:spcAft>
+                          <a:spcPts val="1000"/>
+                        </a:spcAft>
+                      </a:pPr>
+                      <a:r>
+                        <a:rPr lang="en-US" sz="1200" dirty="0">
+                          <a:effectLst/>
+                        </a:rPr>
+                        <a:t>2043.39</a:t>
+                      </a:r>
+                      <a:endParaRPr lang="en-IN" sz="1200" dirty="0">
+                        <a:effectLst/>
+                        <a:latin typeface="Times New Roman"/>
+                        <a:ea typeface="Times New Roman"/>
+                        <a:cs typeface="Times New Roman"/>
+                      </a:endParaRPr>
+                    </a:p>
+                  </a:txBody>
+                  <a:tcPr marL="68580" marR="68580" marT="0" marB="0"/>
+                </a:tc>
+              </a:tr>
+            </a:tbl>
+          </a:graphicData>
+        </a:graphic>
+      </p:graphicFrame>
+      <p:sp>
+        <p:nvSpPr>
+          <p:cNvPr id="5" name="TextBox 4"/>
+          <p:cNvSpPr txBox="1"/>
+          <p:nvPr/>
+        </p:nvSpPr>
+        <p:spPr>
+          <a:xfrm>
+            <a:off x="738130" y="1399142"/>
+            <a:ext cx="9617725" cy="1446550"/>
+          </a:xfrm>
+          <a:prstGeom prst="rect">
+            <a:avLst/>
+          </a:prstGeom>
+          <a:noFill/>
+        </p:spPr>
+        <p:txBody>
+          <a:bodyPr wrap="square" rtlCol="0">
+            <a:spAutoFit/>
+          </a:bodyPr>
+          <a:lstStyle/>
+          <a:p>
+            <a:pPr marL="342900" indent="-342900">
+              <a:buFont typeface="Arial" pitchFamily="34" charset="0"/>
+              <a:buChar char="•"/>
+            </a:pPr>
+            <a:r>
+              <a:rPr lang="en-IN" sz="2200" dirty="0" smtClean="0"/>
+              <a:t>For monthly Import’s data, LSTM stands up to expectations with minimum RMSE of 2637.71</a:t>
+            </a:r>
+          </a:p>
+          <a:p>
+            <a:pPr marL="342900" indent="-342900">
+              <a:buFont typeface="Arial" pitchFamily="34" charset="0"/>
+              <a:buChar char="•"/>
+            </a:pPr>
+            <a:r>
+              <a:rPr lang="en-IN" sz="2200" dirty="0" smtClean="0"/>
+              <a:t>For monthly Export’s data, Seasonal ARIMA outperforms other models with minimum RMSE of 1310.58</a:t>
+            </a:r>
+            <a:endParaRPr lang="en-IN" sz="2200" dirty="0"/>
+          </a:p>
+        </p:txBody>
+      </p:sp>
+    </p:spTree>
+    <p:extLst>
+      <p:ext uri="{BB962C8B-B14F-4D97-AF65-F5344CB8AC3E}">
+        <p14:creationId xmlns:p14="http://schemas.microsoft.com/office/powerpoint/2010/main" val="3791623421"/>
+      </p:ext>
+    </p:extLst>
+  </p:cSld>
+  <p:clrMapOvr>
+    <a:masterClrMapping/>
+  </p:clrMapOvr>
+</p:sld>
+</file>
+
+<file path=ppt/slides/slide16.xml><?xml version="1.0" encoding="utf-8"?>
+<p:sld xmlns:a="http://schemas.openxmlformats.org/drawingml/2006/main" xmlns:r="http://schemas.openxmlformats.org/officeDocument/2006/relationships" xmlns:p="http://schemas.openxmlformats.org/presentationml/2006/main">
+  <p:cSld>
+    <p:spTree>
+      <p:nvGrpSpPr>
+        <p:cNvPr id="1" name=""/>
+        <p:cNvGrpSpPr/>
+        <p:nvPr/>
+      </p:nvGrpSpPr>
+      <p:grpSpPr>
+        <a:xfrm>
+          <a:off x="0" y="0"/>
+          <a:ext cx="0" cy="0"/>
+          <a:chOff x="0" y="0"/>
+          <a:chExt cx="0" cy="0"/>
+        </a:xfrm>
+      </p:grpSpPr>
+      <p:sp>
+        <p:nvSpPr>
+          <p:cNvPr id="2" name="Title 1"/>
+          <p:cNvSpPr>
+            <a:spLocks noGrp="1"/>
+          </p:cNvSpPr>
+          <p:nvPr>
+            <p:ph type="title"/>
+          </p:nvPr>
+        </p:nvSpPr>
+        <p:spPr/>
+        <p:txBody>
+          <a:bodyPr/>
+          <a:lstStyle/>
+          <a:p>
+            <a:r>
+              <a:rPr lang="en-IN" dirty="0" smtClean="0"/>
+              <a:t>Conclusion</a:t>
+            </a:r>
+            <a:endParaRPr lang="en-IN" dirty="0"/>
+          </a:p>
+        </p:txBody>
+      </p:sp>
+      <p:sp>
+        <p:nvSpPr>
+          <p:cNvPr id="3" name="Content Placeholder 2"/>
+          <p:cNvSpPr>
+            <a:spLocks noGrp="1"/>
+          </p:cNvSpPr>
+          <p:nvPr>
+            <p:ph idx="1"/>
+          </p:nvPr>
+        </p:nvSpPr>
+        <p:spPr/>
+        <p:txBody>
+          <a:bodyPr/>
+          <a:lstStyle/>
+          <a:p>
+            <a:r>
+              <a:rPr lang="en-US" dirty="0"/>
+              <a:t>T</a:t>
+            </a:r>
+            <a:r>
+              <a:rPr lang="en-US" dirty="0" smtClean="0"/>
+              <a:t>here </a:t>
+            </a:r>
+            <a:r>
+              <a:rPr lang="en-US" dirty="0"/>
+              <a:t>is an upwards trend in Import forecast and slightly upward trend in the Export forecast</a:t>
+            </a:r>
+            <a:r>
+              <a:rPr lang="en-US" dirty="0" smtClean="0"/>
+              <a:t>.</a:t>
+            </a:r>
+          </a:p>
+          <a:p>
+            <a:r>
+              <a:rPr lang="en-US" dirty="0"/>
+              <a:t>W</a:t>
+            </a:r>
+            <a:r>
+              <a:rPr lang="en-US" dirty="0" smtClean="0"/>
+              <a:t>e’re </a:t>
+            </a:r>
+            <a:r>
+              <a:rPr lang="en-US" dirty="0"/>
+              <a:t>in huge trade </a:t>
+            </a:r>
+            <a:r>
+              <a:rPr lang="en-US" dirty="0" smtClean="0"/>
+              <a:t>deficit (Export-Import) </a:t>
+            </a:r>
+            <a:r>
+              <a:rPr lang="en-US" dirty="0"/>
+              <a:t>with China in terms of </a:t>
+            </a:r>
+            <a:r>
+              <a:rPr lang="en-US" dirty="0" smtClean="0"/>
+              <a:t>trade. Hence we </a:t>
+            </a:r>
+            <a:r>
+              <a:rPr lang="en-US" dirty="0"/>
+              <a:t>need to make strict policies towards Chinese </a:t>
+            </a:r>
+            <a:r>
+              <a:rPr lang="en-US" dirty="0" smtClean="0"/>
+              <a:t>products as soon as possible.</a:t>
+            </a:r>
+          </a:p>
+          <a:p>
+            <a:r>
+              <a:rPr lang="en-US" dirty="0"/>
+              <a:t>S</a:t>
+            </a:r>
+            <a:r>
+              <a:rPr lang="en-US" dirty="0" smtClean="0"/>
+              <a:t>urprisingly </a:t>
+            </a:r>
+            <a:r>
+              <a:rPr lang="en-US" dirty="0"/>
+              <a:t>Seasonal ARIMA outperformed LSTM </a:t>
+            </a:r>
+            <a:r>
+              <a:rPr lang="en-US" dirty="0" smtClean="0"/>
+              <a:t>in Forecasting </a:t>
+            </a:r>
+            <a:r>
+              <a:rPr lang="en-US" dirty="0"/>
+              <a:t>Export Data, which </a:t>
+            </a:r>
+            <a:r>
+              <a:rPr lang="en-US" dirty="0" smtClean="0"/>
+              <a:t>shows that </a:t>
+            </a:r>
+            <a:r>
+              <a:rPr lang="en-US" dirty="0"/>
+              <a:t>ARIMA captures seasonality much better than any other model, even with </a:t>
+            </a:r>
+            <a:r>
+              <a:rPr lang="en-US" b="1" dirty="0"/>
+              <a:t>lesser data and randomness</a:t>
+            </a:r>
+            <a:r>
+              <a:rPr lang="en-US" b="1" dirty="0" smtClean="0"/>
+              <a:t>.</a:t>
+            </a:r>
+          </a:p>
+          <a:p>
+            <a:r>
+              <a:rPr lang="en-US" dirty="0"/>
+              <a:t>LSTM model performed better for Import Data as </a:t>
+            </a:r>
+            <a:r>
+              <a:rPr lang="en-US" dirty="0" smtClean="0"/>
+              <a:t>expected because of it’s capability of retaining information of long period of time.</a:t>
+            </a:r>
+          </a:p>
+          <a:p>
+            <a:r>
+              <a:rPr lang="en-US" dirty="0" smtClean="0"/>
+              <a:t>LSTM underperformed for Export data because of </a:t>
+            </a:r>
+            <a:r>
+              <a:rPr lang="en-US" b="1" dirty="0" smtClean="0"/>
+              <a:t>lesser data and first few unexpected high fluctuations.</a:t>
+            </a:r>
+            <a:endParaRPr lang="en-IN" dirty="0"/>
+          </a:p>
+        </p:txBody>
+      </p:sp>
+    </p:spTree>
+    <p:extLst>
+      <p:ext uri="{BB962C8B-B14F-4D97-AF65-F5344CB8AC3E}">
+        <p14:creationId xmlns:p14="http://schemas.microsoft.com/office/powerpoint/2010/main" val="3961139742"/>
+      </p:ext>
+    </p:extLst>
+  </p:cSld>
+  <p:clrMapOvr>
+    <a:masterClrMapping/>
+  </p:clrMapOvr>
+</p:sld>
+</file>
+
+<file path=ppt/slides/slide17.xml><?xml version="1.0" encoding="utf-8"?>
+<p:sld xmlns:a="http://schemas.openxmlformats.org/drawingml/2006/main" xmlns:r="http://schemas.openxmlformats.org/officeDocument/2006/relationships" xmlns:p="http://schemas.openxmlformats.org/presentationml/2006/main">
+  <p:cSld>
+    <p:spTree>
+      <p:nvGrpSpPr>
+        <p:cNvPr id="1" name=""/>
+        <p:cNvGrpSpPr/>
+        <p:nvPr/>
+      </p:nvGrpSpPr>
+      <p:grpSpPr>
+        <a:xfrm>
+          <a:off x="0" y="0"/>
+          <a:ext cx="0" cy="0"/>
+          <a:chOff x="0" y="0"/>
+          <a:chExt cx="0" cy="0"/>
+        </a:xfrm>
+      </p:grpSpPr>
+      <p:sp>
+        <p:nvSpPr>
+          <p:cNvPr id="2" name="Title 1"/>
+          <p:cNvSpPr>
+            <a:spLocks noGrp="1"/>
+          </p:cNvSpPr>
+          <p:nvPr>
+            <p:ph type="title"/>
+          </p:nvPr>
+        </p:nvSpPr>
+        <p:spPr/>
+        <p:txBody>
+          <a:bodyPr/>
+          <a:lstStyle/>
+          <a:p>
+            <a:r>
+              <a:rPr lang="en-IN" dirty="0" smtClean="0"/>
+              <a:t>Future Prospects</a:t>
+            </a:r>
+            <a:endParaRPr lang="en-IN" dirty="0"/>
+          </a:p>
+        </p:txBody>
+      </p:sp>
+      <p:sp>
+        <p:nvSpPr>
+          <p:cNvPr id="3" name="Content Placeholder 2"/>
+          <p:cNvSpPr>
+            <a:spLocks noGrp="1"/>
+          </p:cNvSpPr>
+          <p:nvPr>
+            <p:ph idx="1"/>
+          </p:nvPr>
+        </p:nvSpPr>
+        <p:spPr/>
+        <p:txBody>
+          <a:bodyPr/>
+          <a:lstStyle/>
+          <a:p>
+            <a:pPr lvl="0"/>
+            <a:r>
+              <a:rPr lang="en-US" dirty="0"/>
+              <a:t>Making Existing Models more </a:t>
+            </a:r>
+            <a:r>
+              <a:rPr lang="en-US" dirty="0" smtClean="0"/>
+              <a:t>robust by tuning them even more.</a:t>
+            </a:r>
+            <a:endParaRPr lang="en-IN" dirty="0"/>
+          </a:p>
+          <a:p>
+            <a:pPr lvl="0"/>
+            <a:r>
+              <a:rPr lang="en-US" dirty="0"/>
+              <a:t>Using New models </a:t>
+            </a:r>
+            <a:r>
+              <a:rPr lang="en-US" dirty="0" smtClean="0"/>
+              <a:t>specially </a:t>
+            </a:r>
+            <a:r>
+              <a:rPr lang="en-US" dirty="0"/>
+              <a:t>Attention </a:t>
+            </a:r>
+            <a:r>
+              <a:rPr lang="en-US" dirty="0" smtClean="0"/>
+              <a:t>Models which can even store more information than LSTMs.</a:t>
+            </a:r>
+            <a:endParaRPr lang="en-IN" dirty="0"/>
+          </a:p>
+          <a:p>
+            <a:pPr lvl="0"/>
+            <a:r>
+              <a:rPr lang="en-US" dirty="0"/>
+              <a:t>Include some factor to encounter the randomness in </a:t>
+            </a:r>
+            <a:r>
+              <a:rPr lang="en-US" dirty="0" smtClean="0"/>
+              <a:t>data which causes high frequency fluctuations which in turn results in below expected performance of models.</a:t>
+            </a:r>
+            <a:endParaRPr lang="en-IN" dirty="0"/>
+          </a:p>
+          <a:p>
+            <a:pPr lvl="0"/>
+            <a:r>
+              <a:rPr lang="en-US" dirty="0"/>
+              <a:t>Getting more data points for better </a:t>
+            </a:r>
+            <a:r>
+              <a:rPr lang="en-US" dirty="0" smtClean="0"/>
+              <a:t>forecasting specially for LSTM model since it operates on a neural network which needs more and more data for better predictions.</a:t>
+            </a:r>
+            <a:endParaRPr lang="en-IN" dirty="0"/>
+          </a:p>
+          <a:p>
+            <a:pPr lvl="0"/>
+            <a:r>
+              <a:rPr lang="en-US" dirty="0"/>
+              <a:t>Using this thesis for </a:t>
+            </a:r>
+            <a:r>
+              <a:rPr lang="en-US" dirty="0" smtClean="0"/>
+              <a:t>even more case studies similar to the one we discussed above.</a:t>
+            </a:r>
+            <a:endParaRPr lang="en-IN" dirty="0"/>
+          </a:p>
+        </p:txBody>
+      </p:sp>
+    </p:spTree>
+    <p:extLst>
+      <p:ext uri="{BB962C8B-B14F-4D97-AF65-F5344CB8AC3E}">
+        <p14:creationId xmlns:p14="http://schemas.microsoft.com/office/powerpoint/2010/main" val="1758375041"/>
+      </p:ext>
+    </p:extLst>
+  </p:cSld>
+  <p:clrMapOvr>
+    <a:masterClrMapping/>
+  </p:clrMapOvr>
+</p:sld>
+</file>
+
+<file path=ppt/slides/slide18.xml><?xml version="1.0" encoding="utf-8"?>
+<p:sld xmlns:a="http://schemas.openxmlformats.org/drawingml/2006/main" xmlns:r="http://schemas.openxmlformats.org/officeDocument/2006/relationships" xmlns:p="http://schemas.openxmlformats.org/presentationml/2006/main">
+  <p:cSld>
+    <p:spTree>
+      <p:nvGrpSpPr>
+        <p:cNvPr id="1" name=""/>
+        <p:cNvGrpSpPr/>
+        <p:nvPr/>
+      </p:nvGrpSpPr>
+      <p:grpSpPr>
+        <a:xfrm>
+          <a:off x="0" y="0"/>
+          <a:ext cx="0" cy="0"/>
+          <a:chOff x="0" y="0"/>
+          <a:chExt cx="0" cy="0"/>
+        </a:xfrm>
+      </p:grpSpPr>
+      <p:sp>
+        <p:nvSpPr>
+          <p:cNvPr id="2" name="Title 1"/>
+          <p:cNvSpPr>
+            <a:spLocks noGrp="1"/>
+          </p:cNvSpPr>
+          <p:nvPr>
+            <p:ph type="ctrTitle"/>
+          </p:nvPr>
+        </p:nvSpPr>
+        <p:spPr/>
+        <p:txBody>
+          <a:bodyPr/>
+          <a:lstStyle/>
+          <a:p>
+            <a:r>
+              <a:rPr lang="en-IN" dirty="0" smtClean="0"/>
+              <a:t>Thank You!</a:t>
+            </a:r>
+            <a:endParaRPr lang="en-IN" dirty="0"/>
+          </a:p>
+        </p:txBody>
+      </p:sp>
+    </p:spTree>
+    <p:extLst>
+      <p:ext uri="{BB962C8B-B14F-4D97-AF65-F5344CB8AC3E}">
+        <p14:creationId xmlns:p14="http://schemas.microsoft.com/office/powerpoint/2010/main" val="2706848313"/>
       </p:ext>
     </p:extLst>
   </p:cSld>
@@ -4525,7 +5561,7 @@
           <p:cNvPr id="2" name="Title 1">
             <a:extLst>
               <a:ext uri="{FF2B5EF4-FFF2-40B4-BE49-F238E27FC236}">
-                <a16:creationId xmlns:a16="http://schemas.microsoft.com/office/drawing/2014/main" id="{AEADAB91-8980-4F53-9688-21BED7326DE7}"/>
+                <a16:creationId xmlns:a16="http://schemas.microsoft.com/office/drawing/2014/main" xmlns="" id="{AEADAB91-8980-4F53-9688-21BED7326DE7}"/>
               </a:ext>
             </a:extLst>
           </p:cNvPr>
@@ -4542,9 +5578,10 @@
           <a:lstStyle/>
           <a:p>
             <a:r>
-              <a:rPr lang="en-US" dirty="0"/>
-              <a:t>Why Trade Data Analysis and Forecasting</a:t>
-            </a:r>
+              <a:rPr lang="en-US" dirty="0" smtClean="0"/>
+              <a:t>What is Trade?</a:t>
+            </a:r>
+            <a:endParaRPr lang="en-US" dirty="0"/>
           </a:p>
         </p:txBody>
       </p:sp>
@@ -4553,7 +5590,7 @@
           <p:cNvPr id="3" name="Content Placeholder 2">
             <a:extLst>
               <a:ext uri="{FF2B5EF4-FFF2-40B4-BE49-F238E27FC236}">
-                <a16:creationId xmlns:a16="http://schemas.microsoft.com/office/drawing/2014/main" id="{A879210D-023D-4D55-84FD-4CB00233888D}"/>
+                <a16:creationId xmlns:a16="http://schemas.microsoft.com/office/drawing/2014/main" xmlns="" id="{A879210D-023D-4D55-84FD-4CB00233888D}"/>
               </a:ext>
             </a:extLst>
           </p:cNvPr>
@@ -4571,16 +5608,39 @@
           <a:p>
             <a:r>
               <a:rPr lang="en-US" dirty="0"/>
-              <a:t>Trade is an economic concept which involves Buying and Selling of the commodities, or exchanging goods and services between needy people. Trade is important in a way that it increases competition and decreases overall world wise cost of a product. </a:t>
-            </a:r>
-          </a:p>
-          <a:p>
-            <a:r>
-              <a:rPr lang="en-US" dirty="0"/>
-              <a:t>India is only second largest market place (after China) in terms of human resource. Hence many foreign countries exploit this fact, especially China, to sell their products. Hence our Import Trade matters a lot from economic point of view.</a:t>
-            </a:r>
-          </a:p>
-          <a:p>
+              <a:t>Trade is an economic concept which involves Buying and Selling of the commodities, or exchanging goods and services between needy people. </a:t>
+            </a:r>
+            <a:endParaRPr lang="en-US" dirty="0" smtClean="0"/>
+          </a:p>
+          <a:p>
+            <a:r>
+              <a:rPr lang="en-US" dirty="0" smtClean="0"/>
+              <a:t>Trade </a:t>
+            </a:r>
+            <a:r>
+              <a:rPr lang="en-US" dirty="0"/>
+              <a:t>is important in a way that it increases competition and decreases overall world wise cost of a product. </a:t>
+            </a:r>
+            <a:endParaRPr lang="en-US" dirty="0" smtClean="0"/>
+          </a:p>
+          <a:p>
+            <a:r>
+              <a:rPr lang="en-US" dirty="0" smtClean="0"/>
+              <a:t>Trade covers for the scarcity of some commodity which may be unavailable in the country in need, like India doesn’t produce petroleum products so we import it from Arab countries.</a:t>
+            </a:r>
+          </a:p>
+          <a:p>
+            <a:r>
+              <a:rPr lang="en-US" dirty="0" smtClean="0"/>
+              <a:t>In exchange, a country can offer to sell commodities which are rich in that country, like India exports metals, pearls, clothes and mineral oils which are scarce there.</a:t>
+            </a:r>
+            <a:endParaRPr lang="en-US" dirty="0"/>
+          </a:p>
+          <a:p>
+            <a:r>
+              <a:rPr lang="en-US" dirty="0" smtClean="0"/>
+              <a:t>So in this way countries help each other and also make some fortune out of resources available.</a:t>
+            </a:r>
             <a:endParaRPr lang="en-US" dirty="0"/>
           </a:p>
         </p:txBody>
@@ -4620,7 +5680,7 @@
           <p:cNvPr id="2" name="Title 1">
             <a:extLst>
               <a:ext uri="{FF2B5EF4-FFF2-40B4-BE49-F238E27FC236}">
-                <a16:creationId xmlns:a16="http://schemas.microsoft.com/office/drawing/2014/main" id="{7B3B6C76-254B-4957-AFE9-EA111965FE94}"/>
+                <a16:creationId xmlns:a16="http://schemas.microsoft.com/office/drawing/2014/main" xmlns="" id="{7B3B6C76-254B-4957-AFE9-EA111965FE94}"/>
               </a:ext>
             </a:extLst>
           </p:cNvPr>
@@ -4637,9 +5697,10 @@
           <a:lstStyle/>
           <a:p>
             <a:r>
-              <a:rPr lang="en-US" dirty="0"/>
-              <a:t>Our Motives</a:t>
-            </a:r>
+              <a:rPr lang="en-US" dirty="0" smtClean="0"/>
+              <a:t>Significance of Analysis and Forecasting</a:t>
+            </a:r>
+            <a:endParaRPr lang="en-US" dirty="0"/>
           </a:p>
         </p:txBody>
       </p:sp>
@@ -4648,7 +5709,7 @@
           <p:cNvPr id="3" name="Content Placeholder 2">
             <a:extLst>
               <a:ext uri="{FF2B5EF4-FFF2-40B4-BE49-F238E27FC236}">
-                <a16:creationId xmlns:a16="http://schemas.microsoft.com/office/drawing/2014/main" id="{E344AEE5-F668-445D-8291-E46207E99A59}"/>
+                <a16:creationId xmlns:a16="http://schemas.microsoft.com/office/drawing/2014/main" xmlns="" id="{E344AEE5-F668-445D-8291-E46207E99A59}"/>
               </a:ext>
             </a:extLst>
           </p:cNvPr>
@@ -4664,56 +5725,46 @@
           <a:bodyPr/>
           <a:lstStyle/>
           <a:p>
-            <a:pPr marL="457200" indent="-457200">
-              <a:buFont typeface="+mj-lt"/>
-              <a:buAutoNum type="arabicPeriod"/>
-            </a:pPr>
-            <a:r>
-              <a:rPr lang="en-US" dirty="0"/>
-              <a:t>Which HS Code involves the most import/export?</a:t>
-            </a:r>
-          </a:p>
-          <a:p>
-            <a:pPr marL="457200" indent="-457200">
-              <a:buFont typeface="+mj-lt"/>
-              <a:buAutoNum type="arabicPeriod"/>
-            </a:pPr>
-            <a:r>
-              <a:rPr lang="en-US" dirty="0"/>
-              <a:t>From which country we import/export the most?</a:t>
-            </a:r>
-          </a:p>
-          <a:p>
-            <a:pPr marL="457200" indent="-457200">
-              <a:buFont typeface="+mj-lt"/>
-              <a:buAutoNum type="arabicPeriod"/>
-            </a:pPr>
-            <a:r>
-              <a:rPr lang="en-US" dirty="0"/>
-              <a:t>Forecasting the Indian import/export data to predict what should be our country’s next move?</a:t>
-            </a:r>
-          </a:p>
-          <a:p>
-            <a:pPr marL="457200" indent="-457200">
-              <a:buFont typeface="+mj-lt"/>
-              <a:buAutoNum type="arabicPeriod"/>
-            </a:pPr>
-            <a:r>
-              <a:rPr lang="en-US" dirty="0"/>
-              <a:t>How our trades are evolving across the years?</a:t>
-            </a:r>
-          </a:p>
-          <a:p>
-            <a:pPr marL="457200" indent="-457200">
-              <a:buFont typeface="+mj-lt"/>
-              <a:buAutoNum type="arabicPeriod"/>
-            </a:pPr>
-            <a:r>
-              <a:rPr lang="en-US" dirty="0"/>
-              <a:t>Getting Rid of Trade Deficit (Case Study)?</a:t>
-            </a:r>
-          </a:p>
-          <a:p>
+            <a:pPr indent="-342900"/>
+            <a:r>
+              <a:rPr lang="en-US" dirty="0" smtClean="0"/>
+              <a:t>Country Importing more becomes dependent on other countries thus letting others control their economy.</a:t>
+            </a:r>
+          </a:p>
+          <a:p>
+            <a:pPr indent="-342900"/>
+            <a:r>
+              <a:rPr lang="en-US" dirty="0" smtClean="0"/>
+              <a:t>Country Exporting more becomes stronger economy with the help of profits earned.</a:t>
+            </a:r>
+          </a:p>
+          <a:p>
+            <a:pPr indent="-342900"/>
+            <a:r>
+              <a:rPr lang="en-US" dirty="0" smtClean="0"/>
+              <a:t>Trade Analysis provides a raw understanding of how our country’s economy depends on Imported products. So we can distribute our total import into many countries so that no country can control our economy.</a:t>
+            </a:r>
+          </a:p>
+          <a:p>
+            <a:pPr indent="-342900"/>
+            <a:r>
+              <a:rPr lang="en-US" dirty="0" smtClean="0"/>
+              <a:t>Inflation happens when Import increases and our productivity decreases for the particular product.</a:t>
+            </a:r>
+          </a:p>
+          <a:p>
+            <a:pPr indent="-342900"/>
+            <a:r>
+              <a:rPr lang="en-US" dirty="0" smtClean="0"/>
+              <a:t>Knowing next month’s import value’s increasing trend, we can encourage that commodity’s production to compensate the costs.</a:t>
+            </a:r>
+          </a:p>
+          <a:p>
+            <a:pPr indent="-342900"/>
+            <a:r>
+              <a:rPr lang="en-US" dirty="0" smtClean="0"/>
+              <a:t>Knowing next month’s export value’s increasing trend, we can increase our profits, sensing the more demand from the importing country.</a:t>
+            </a:r>
             <a:endParaRPr lang="en-US" dirty="0"/>
           </a:p>
         </p:txBody>
@@ -4753,7 +5804,7 @@
           <p:cNvPr id="2" name="Title 1">
             <a:extLst>
               <a:ext uri="{FF2B5EF4-FFF2-40B4-BE49-F238E27FC236}">
-                <a16:creationId xmlns:a16="http://schemas.microsoft.com/office/drawing/2014/main" id="{DF397BB6-61D8-41C1-818D-83C8A4F7E683}"/>
+                <a16:creationId xmlns:a16="http://schemas.microsoft.com/office/drawing/2014/main" xmlns="" id="{DF397BB6-61D8-41C1-818D-83C8A4F7E683}"/>
               </a:ext>
             </a:extLst>
           </p:cNvPr>
@@ -4781,7 +5832,7 @@
           <p:cNvPr id="3" name="Content Placeholder 2">
             <a:extLst>
               <a:ext uri="{FF2B5EF4-FFF2-40B4-BE49-F238E27FC236}">
-                <a16:creationId xmlns:a16="http://schemas.microsoft.com/office/drawing/2014/main" id="{8E5BF401-6CA6-4DF9-BEDA-266E07986AA8}"/>
+                <a16:creationId xmlns:a16="http://schemas.microsoft.com/office/drawing/2014/main" xmlns="" id="{8E5BF401-6CA6-4DF9-BEDA-266E07986AA8}"/>
               </a:ext>
             </a:extLst>
           </p:cNvPr>
@@ -4799,13 +5850,29 @@
           <a:p>
             <a:r>
               <a:rPr lang="en-US" dirty="0"/>
-              <a:t>We have taken the trade dataset from Department of Commerce, Govt. of India website. </a:t>
-            </a:r>
-          </a:p>
-          <a:p>
-            <a:r>
-              <a:rPr lang="en-US" dirty="0"/>
-              <a:t>Trade Monthly data is available from January, 2006 to January, 2020. </a:t>
+              <a:t>We </a:t>
+            </a:r>
+            <a:r>
+              <a:rPr lang="en-US" dirty="0" smtClean="0"/>
+              <a:t>scraped</a:t>
+            </a:r>
+            <a:r>
+              <a:rPr lang="en-US" dirty="0" smtClean="0"/>
+              <a:t> </a:t>
+            </a:r>
+            <a:r>
+              <a:rPr lang="en-US" dirty="0"/>
+              <a:t>the trade dataset from Department of Commerce, Govt. of India website. </a:t>
+            </a:r>
+          </a:p>
+          <a:p>
+            <a:r>
+              <a:rPr lang="en-US" dirty="0" smtClean="0"/>
+              <a:t>Monthly Trade </a:t>
+            </a:r>
+            <a:r>
+              <a:rPr lang="en-US" dirty="0"/>
+              <a:t>data is available from January, 2006 to January, 2020. </a:t>
             </a:r>
           </a:p>
           <a:p>
@@ -4816,40 +5883,48 @@
           </a:p>
           <a:p>
             <a:r>
-              <a:rPr lang="en-US" dirty="0" err="1"/>
-              <a:t>HSCode</a:t>
-            </a:r>
-            <a:r>
-              <a:rPr lang="en-US" dirty="0"/>
-              <a:t>: - Harmonized System (HS) of tariff nomenclature is an internationally standardized system of names and numbers to classify traded products.</a:t>
-            </a:r>
-          </a:p>
-          <a:p>
-            <a:pPr marL="201168" lvl="1" indent="0">
-              <a:buNone/>
-            </a:pPr>
-            <a:r>
-              <a:rPr lang="en-US" dirty="0"/>
-              <a:t>Ex – </a:t>
-            </a:r>
-          </a:p>
-          <a:p>
-            <a:pPr marL="201168" lvl="1" indent="0">
-              <a:buNone/>
-            </a:pPr>
-            <a:r>
-              <a:rPr lang="en-US" dirty="0"/>
-              <a:t>1 for Live Animal</a:t>
-            </a:r>
-          </a:p>
-          <a:p>
-            <a:pPr marL="201168" lvl="1" indent="0">
-              <a:buNone/>
-            </a:pPr>
-            <a:r>
-              <a:rPr lang="en-US" dirty="0"/>
-              <a:t>95 for Toys, Games and Sports Requisites …</a:t>
-            </a:r>
+              <a:rPr lang="en-US" dirty="0" smtClean="0"/>
+              <a:t>HS Code - </a:t>
+            </a:r>
+            <a:r>
+              <a:rPr lang="en-US" dirty="0"/>
+              <a:t>Harmonized System (HS) of tariff nomenclature is an internationally standardized system of names and numbers to classify traded </a:t>
+            </a:r>
+            <a:r>
+              <a:rPr lang="en-US" dirty="0" smtClean="0"/>
+              <a:t>products, </a:t>
+            </a:r>
+            <a:r>
+              <a:rPr lang="en-US" sz="2200" dirty="0" smtClean="0"/>
+              <a:t>e.g.</a:t>
+            </a:r>
+            <a:r>
+              <a:rPr lang="en-US" sz="2200" dirty="0" smtClean="0"/>
+              <a:t> 1 </a:t>
+            </a:r>
+            <a:r>
+              <a:rPr lang="en-US" sz="2200" dirty="0"/>
+              <a:t>for Live </a:t>
+            </a:r>
+            <a:r>
+              <a:rPr lang="en-US" sz="2200" dirty="0" smtClean="0"/>
+              <a:t>Animal, 95 </a:t>
+            </a:r>
+            <a:r>
+              <a:rPr lang="en-US" sz="2200" dirty="0"/>
+              <a:t>for Toys, Games and Sports Requisites </a:t>
+            </a:r>
+            <a:r>
+              <a:rPr lang="en-US" sz="2200" dirty="0" smtClean="0"/>
+              <a:t>…</a:t>
+            </a:r>
+          </a:p>
+          <a:p>
+            <a:r>
+              <a:rPr lang="en-US" dirty="0" smtClean="0"/>
+              <a:t>Data can be viewed in terms of Country wise or HS code wise.</a:t>
+            </a:r>
+            <a:endParaRPr lang="en-US" sz="2200" dirty="0"/>
           </a:p>
           <a:p>
             <a:pPr lvl="1"/>
@@ -4892,7 +5967,7 @@
           <p:cNvPr id="2" name="Title 1">
             <a:extLst>
               <a:ext uri="{FF2B5EF4-FFF2-40B4-BE49-F238E27FC236}">
-                <a16:creationId xmlns:a16="http://schemas.microsoft.com/office/drawing/2014/main" id="{4C89A33E-AACB-49C0-819F-8920338CF076}"/>
+                <a16:creationId xmlns:a16="http://schemas.microsoft.com/office/drawing/2014/main" xmlns="" id="{4C89A33E-AACB-49C0-819F-8920338CF076}"/>
               </a:ext>
             </a:extLst>
           </p:cNvPr>
@@ -4920,7 +5995,7 @@
           <p:cNvPr id="4" name="Content Placeholder 3">
             <a:extLst>
               <a:ext uri="{FF2B5EF4-FFF2-40B4-BE49-F238E27FC236}">
-                <a16:creationId xmlns:a16="http://schemas.microsoft.com/office/drawing/2014/main" id="{DBAF1874-DCD5-42BA-B8F9-7F6F1308CD2A}"/>
+                <a16:creationId xmlns:a16="http://schemas.microsoft.com/office/drawing/2014/main" xmlns="" id="{DBAF1874-DCD5-42BA-B8F9-7F6F1308CD2A}"/>
               </a:ext>
             </a:extLst>
           </p:cNvPr>
@@ -4945,8 +6020,8 @@
         </p:blipFill>
         <p:spPr>
           <a:xfrm>
-            <a:off x="1190942" y="1863848"/>
-            <a:ext cx="7162412" cy="4022725"/>
+            <a:off x="893485" y="1852831"/>
+            <a:ext cx="9231016" cy="4415766"/>
           </a:xfrm>
           <a:prstGeom prst="rect">
             <a:avLst/>
@@ -4988,7 +6063,7 @@
           <p:cNvPr id="2" name="Title 1">
             <a:extLst>
               <a:ext uri="{FF2B5EF4-FFF2-40B4-BE49-F238E27FC236}">
-                <a16:creationId xmlns:a16="http://schemas.microsoft.com/office/drawing/2014/main" id="{DF09CCE7-7DE4-4276-8546-CC34212408B6}"/>
+                <a16:creationId xmlns:a16="http://schemas.microsoft.com/office/drawing/2014/main" xmlns="" id="{DF09CCE7-7DE4-4276-8546-CC34212408B6}"/>
               </a:ext>
             </a:extLst>
           </p:cNvPr>
@@ -5005,13 +6080,10 @@
           <a:lstStyle/>
           <a:p>
             <a:r>
-              <a:rPr lang="en-US" dirty="0" err="1"/>
-              <a:t>HSCode</a:t>
-            </a:r>
-            <a:r>
-              <a:rPr lang="en-US" dirty="0"/>
-              <a:t> India trade the most</a:t>
-            </a:r>
+              <a:rPr lang="en-US" dirty="0" smtClean="0"/>
+              <a:t>Commodities which we traded the most</a:t>
+            </a:r>
+            <a:endParaRPr lang="en-US" dirty="0"/>
           </a:p>
         </p:txBody>
       </p:sp>
@@ -5020,7 +6092,7 @@
           <p:cNvPr id="4" name="Content Placeholder 3">
             <a:extLst>
               <a:ext uri="{FF2B5EF4-FFF2-40B4-BE49-F238E27FC236}">
-                <a16:creationId xmlns:a16="http://schemas.microsoft.com/office/drawing/2014/main" id="{C7BEF372-F27F-4DDC-91E8-5D485CDD8622}"/>
+                <a16:creationId xmlns:a16="http://schemas.microsoft.com/office/drawing/2014/main" xmlns="" id="{C7BEF372-F27F-4DDC-91E8-5D485CDD8622}"/>
               </a:ext>
             </a:extLst>
           </p:cNvPr>
@@ -5045,8 +6117,8 @@
         </p:blipFill>
         <p:spPr>
           <a:xfrm>
-            <a:off x="1097280" y="1872640"/>
-            <a:ext cx="7155130" cy="4022725"/>
+            <a:off x="561860" y="1872640"/>
+            <a:ext cx="7690550" cy="4054435"/>
           </a:xfrm>
           <a:prstGeom prst="rect">
             <a:avLst/>
@@ -5058,7 +6130,7 @@
           <p:cNvPr id="5" name="TextBox 4">
             <a:extLst>
               <a:ext uri="{FF2B5EF4-FFF2-40B4-BE49-F238E27FC236}">
-                <a16:creationId xmlns:a16="http://schemas.microsoft.com/office/drawing/2014/main" id="{D99B2D6F-704A-4629-8F33-9A6A63627A46}"/>
+                <a16:creationId xmlns:a16="http://schemas.microsoft.com/office/drawing/2014/main" xmlns="" id="{D99B2D6F-704A-4629-8F33-9A6A63627A46}"/>
               </a:ext>
             </a:extLst>
           </p:cNvPr>
@@ -5068,7 +6140,7 @@
         <p:spPr>
           <a:xfrm>
             <a:off x="8414239" y="2162907"/>
-            <a:ext cx="2963007" cy="3139321"/>
+            <a:ext cx="2963007" cy="2862322"/>
           </a:xfrm>
           <a:prstGeom prst="rect">
             <a:avLst/>
@@ -5081,31 +6153,53 @@
           </a:bodyPr>
           <a:lstStyle/>
           <a:p>
-            <a:r>
-              <a:rPr lang="en-US" dirty="0"/>
-              <a:t>27 for Mineral Fuels and Mineral Oils and the product of there distillation.</a:t>
-            </a:r>
-          </a:p>
-          <a:p>
-            <a:endParaRPr lang="en-US" dirty="0"/>
-          </a:p>
-          <a:p>
-            <a:r>
-              <a:rPr lang="en-US" dirty="0"/>
-              <a:t>71 for natural or cultured pearls, precious or semiprecious stones, Pre-Metals, Coins</a:t>
-            </a:r>
-          </a:p>
-          <a:p>
-            <a:endParaRPr lang="en-US" dirty="0"/>
-          </a:p>
-          <a:p>
-            <a:r>
-              <a:rPr lang="en-US" dirty="0"/>
-              <a:t>85 for Electrical Machinery and </a:t>
-            </a:r>
-            <a:r>
-              <a:rPr lang="en-US" dirty="0" err="1"/>
-              <a:t>Equipments</a:t>
+            <a:pPr marL="285750" indent="-285750">
+              <a:buFont typeface="Arial" pitchFamily="34" charset="0"/>
+              <a:buChar char="•"/>
+            </a:pPr>
+            <a:r>
+              <a:rPr lang="en-US" dirty="0"/>
+              <a:t>27 for Mineral Fuels and Mineral Oils and the product of there </a:t>
+            </a:r>
+            <a:r>
+              <a:rPr lang="en-US" dirty="0" smtClean="0"/>
+              <a:t>distillation.</a:t>
+            </a:r>
+          </a:p>
+          <a:p>
+            <a:pPr marL="285750" indent="-285750">
+              <a:buFont typeface="Arial" pitchFamily="34" charset="0"/>
+              <a:buChar char="•"/>
+            </a:pPr>
+            <a:r>
+              <a:rPr lang="en-US" dirty="0" smtClean="0"/>
+              <a:t>71 </a:t>
+            </a:r>
+            <a:r>
+              <a:rPr lang="en-US" dirty="0"/>
+              <a:t>for natural or cultured pearls, precious or semiprecious stones, Pre-Metals, </a:t>
+            </a:r>
+            <a:r>
+              <a:rPr lang="en-US" dirty="0" smtClean="0"/>
+              <a:t>Coins etc.</a:t>
+            </a:r>
+          </a:p>
+          <a:p>
+            <a:pPr marL="285750" indent="-285750">
+              <a:buFont typeface="Arial" pitchFamily="34" charset="0"/>
+              <a:buChar char="•"/>
+            </a:pPr>
+            <a:r>
+              <a:rPr lang="en-US" dirty="0" smtClean="0"/>
+              <a:t>85 </a:t>
+            </a:r>
+            <a:r>
+              <a:rPr lang="en-US" dirty="0"/>
+              <a:t>for Electrical Machinery and </a:t>
+            </a:r>
+            <a:r>
+              <a:rPr lang="en-US" dirty="0" smtClean="0"/>
+              <a:t>Equipment</a:t>
             </a:r>
             <a:endParaRPr lang="en-US" dirty="0"/>
           </a:p>
@@ -5146,7 +6240,7 @@
           <p:cNvPr id="2" name="Title 1">
             <a:extLst>
               <a:ext uri="{FF2B5EF4-FFF2-40B4-BE49-F238E27FC236}">
-                <a16:creationId xmlns:a16="http://schemas.microsoft.com/office/drawing/2014/main" id="{1A6B5522-BFDE-4C02-BE49-85BD361D3A50}"/>
+                <a16:creationId xmlns:a16="http://schemas.microsoft.com/office/drawing/2014/main" xmlns="" id="{1A6B5522-BFDE-4C02-BE49-85BD361D3A50}"/>
               </a:ext>
             </a:extLst>
           </p:cNvPr>
@@ -5163,9 +6257,10 @@
           <a:lstStyle/>
           <a:p>
             <a:r>
-              <a:rPr lang="en-US" dirty="0"/>
-              <a:t>Country From Which India Trade Most </a:t>
-            </a:r>
+              <a:rPr lang="en-US" dirty="0" smtClean="0"/>
+              <a:t>Countries which we traded the most</a:t>
+            </a:r>
+            <a:endParaRPr lang="en-US" dirty="0"/>
           </a:p>
         </p:txBody>
       </p:sp>
@@ -5174,7 +6269,7 @@
           <p:cNvPr id="4" name="Content Placeholder 3">
             <a:extLst>
               <a:ext uri="{FF2B5EF4-FFF2-40B4-BE49-F238E27FC236}">
-                <a16:creationId xmlns:a16="http://schemas.microsoft.com/office/drawing/2014/main" id="{BB5653EC-DCFD-4B94-B431-1BF773E6E561}"/>
+                <a16:creationId xmlns:a16="http://schemas.microsoft.com/office/drawing/2014/main" xmlns="" id="{BB5653EC-DCFD-4B94-B431-1BF773E6E561}"/>
               </a:ext>
             </a:extLst>
           </p:cNvPr>
@@ -5199,8 +6294,8 @@
         </p:blipFill>
         <p:spPr>
           <a:xfrm>
-            <a:off x="1097280" y="1890225"/>
-            <a:ext cx="7145486" cy="4022725"/>
+            <a:off x="517793" y="1890225"/>
+            <a:ext cx="7724973" cy="4191086"/>
           </a:xfrm>
           <a:prstGeom prst="rect">
             <a:avLst/>
@@ -5212,7 +6307,7 @@
           <p:cNvPr id="5" name="TextBox 4">
             <a:extLst>
               <a:ext uri="{FF2B5EF4-FFF2-40B4-BE49-F238E27FC236}">
-                <a16:creationId xmlns:a16="http://schemas.microsoft.com/office/drawing/2014/main" id="{4DCC699E-A326-430A-8F1B-29C397404BE0}"/>
+                <a16:creationId xmlns:a16="http://schemas.microsoft.com/office/drawing/2014/main" xmlns="" id="{4DCC699E-A326-430A-8F1B-29C397404BE0}"/>
               </a:ext>
             </a:extLst>
           </p:cNvPr>
@@ -5221,8 +6316,8 @@
         </p:nvSpPr>
         <p:spPr>
           <a:xfrm>
-            <a:off x="8625254" y="2286000"/>
-            <a:ext cx="2530426" cy="3139321"/>
+            <a:off x="8537119" y="2120747"/>
+            <a:ext cx="2530426" cy="3693319"/>
           </a:xfrm>
           <a:prstGeom prst="rect">
             <a:avLst/>
@@ -5235,9 +6330,36 @@
           </a:bodyPr>
           <a:lstStyle/>
           <a:p>
-            <a:r>
-              <a:rPr lang="en-US" dirty="0"/>
-              <a:t>China tops the list with around $4379 million Import followed by United Arab Emirates, Saudi Arab and USA. While USA is top most country to which India exports the most $3013 million followed by UAE, China, Hong Kong and Singapore.</a:t>
+            <a:pPr marL="285750" indent="-285750">
+              <a:buFont typeface="Arial" pitchFamily="34" charset="0"/>
+              <a:buChar char="•"/>
+            </a:pPr>
+            <a:r>
+              <a:rPr lang="en-US" dirty="0"/>
+              <a:t>China tops the list with around $4379 </a:t>
+            </a:r>
+            <a:r>
+              <a:rPr lang="en-US" dirty="0" smtClean="0"/>
+              <a:t>million trade </a:t>
+            </a:r>
+            <a:r>
+              <a:rPr lang="en-US" dirty="0"/>
+              <a:t>Import followed by United Arab Emirates, Saudi Arab and USA. </a:t>
+            </a:r>
+            <a:endParaRPr lang="en-US" dirty="0" smtClean="0"/>
+          </a:p>
+          <a:p>
+            <a:pPr marL="285750" indent="-285750">
+              <a:buFont typeface="Arial" pitchFamily="34" charset="0"/>
+              <a:buChar char="•"/>
+            </a:pPr>
+            <a:r>
+              <a:rPr lang="en-US" dirty="0" smtClean="0"/>
+              <a:t>While USA </a:t>
+            </a:r>
+            <a:r>
+              <a:rPr lang="en-US" dirty="0"/>
+              <a:t>is top most country to which India exports the most $3013 million followed by UAE, China, Hong Kong and Singapore.</a:t>
             </a:r>
           </a:p>
         </p:txBody>
@@ -5277,7 +6399,7 @@
           <p:cNvPr id="2" name="Title 1">
             <a:extLst>
               <a:ext uri="{FF2B5EF4-FFF2-40B4-BE49-F238E27FC236}">
-                <a16:creationId xmlns:a16="http://schemas.microsoft.com/office/drawing/2014/main" id="{FA0B0F23-AA5A-482B-9292-21909CD3D244}"/>
+                <a16:creationId xmlns:a16="http://schemas.microsoft.com/office/drawing/2014/main" xmlns="" id="{FA0B0F23-AA5A-482B-9292-21909CD3D244}"/>
               </a:ext>
             </a:extLst>
           </p:cNvPr>
@@ -5305,7 +6427,7 @@
           <p:cNvPr id="3" name="Content Placeholder 2">
             <a:extLst>
               <a:ext uri="{FF2B5EF4-FFF2-40B4-BE49-F238E27FC236}">
-                <a16:creationId xmlns:a16="http://schemas.microsoft.com/office/drawing/2014/main" id="{5891B381-2B71-49EA-A683-A3160B6C07B2}"/>
+                <a16:creationId xmlns:a16="http://schemas.microsoft.com/office/drawing/2014/main" xmlns="" id="{5891B381-2B71-49EA-A683-A3160B6C07B2}"/>
               </a:ext>
             </a:extLst>
           </p:cNvPr>
@@ -5412,7 +6534,7 @@
           <p:cNvPr id="2" name="Title 1">
             <a:extLst>
               <a:ext uri="{FF2B5EF4-FFF2-40B4-BE49-F238E27FC236}">
-                <a16:creationId xmlns:a16="http://schemas.microsoft.com/office/drawing/2014/main" id="{79732034-DF0D-4F26-84D8-CD1B8D30179B}"/>
+                <a16:creationId xmlns:a16="http://schemas.microsoft.com/office/drawing/2014/main" xmlns="" id="{79732034-DF0D-4F26-84D8-CD1B8D30179B}"/>
               </a:ext>
             </a:extLst>
           </p:cNvPr>
@@ -5440,7 +6562,7 @@
           <p:cNvPr id="3" name="Content Placeholder 2">
             <a:extLst>
               <a:ext uri="{FF2B5EF4-FFF2-40B4-BE49-F238E27FC236}">
-                <a16:creationId xmlns:a16="http://schemas.microsoft.com/office/drawing/2014/main" id="{3C057F40-40A7-4CAE-B87C-F65A17102C19}"/>
+                <a16:creationId xmlns:a16="http://schemas.microsoft.com/office/drawing/2014/main" xmlns="" id="{3C057F40-40A7-4CAE-B87C-F65A17102C19}"/>
               </a:ext>
             </a:extLst>
           </p:cNvPr>
@@ -5544,7 +6666,7 @@
           <p:cNvPr id="4" name="Picture 3">
             <a:extLst>
               <a:ext uri="{FF2B5EF4-FFF2-40B4-BE49-F238E27FC236}">
-                <a16:creationId xmlns:a16="http://schemas.microsoft.com/office/drawing/2014/main" id="{AD170295-B5A2-4CA5-B861-2B95FC69247C}"/>
+                <a16:creationId xmlns:a16="http://schemas.microsoft.com/office/drawing/2014/main" xmlns="" id="{AD170295-B5A2-4CA5-B861-2B95FC69247C}"/>
               </a:ext>
             </a:extLst>
           </p:cNvPr>
@@ -5581,52 +6703,52 @@
 </file>
 
 <file path=ppt/theme/theme1.xml><?xml version="1.0" encoding="utf-8"?>
-<a:theme xmlns:a="http://schemas.openxmlformats.org/drawingml/2006/main" name="Retrospect">
+<a:theme xmlns:a="http://schemas.openxmlformats.org/drawingml/2006/main" name="Adjacency">
   <a:themeElements>
-    <a:clrScheme name="Retrospect">
+    <a:clrScheme name="Adjacency">
       <a:dk1>
-        <a:srgbClr val="000000"/>
+        <a:srgbClr val="2F2B20"/>
       </a:dk1>
       <a:lt1>
-        <a:sysClr val="window" lastClr="FFFFFF"/>
+        <a:srgbClr val="FFFFFF"/>
       </a:lt1>
       <a:dk2>
-        <a:srgbClr val="637052"/>
+        <a:srgbClr val="675E47"/>
       </a:dk2>
       <a:lt2>
-        <a:srgbClr val="CCDDEA"/>
+        <a:srgbClr val="DFDCB7"/>
       </a:lt2>
       <a:accent1>
-        <a:srgbClr val="E48312"/>
+        <a:srgbClr val="A9A57C"/>
       </a:accent1>
       <a:accent2>
-        <a:srgbClr val="BD582C"/>
+        <a:srgbClr val="9CBEBD"/>
       </a:accent2>
       <a:accent3>
-        <a:srgbClr val="865640"/>
+        <a:srgbClr val="D2CB6C"/>
       </a:accent3>
       <a:accent4>
-        <a:srgbClr val="9B8357"/>
+        <a:srgbClr val="95A39D"/>
       </a:accent4>
       <a:accent5>
-        <a:srgbClr val="C2BC80"/>
+        <a:srgbClr val="C89F5D"/>
       </a:accent5>
       <a:accent6>
-        <a:srgbClr val="94A088"/>
+        <a:srgbClr val="B1A089"/>
       </a:accent6>
       <a:hlink>
-        <a:srgbClr val="2998E3"/>
+        <a:srgbClr val="D25814"/>
       </a:hlink>
       <a:folHlink>
-        <a:srgbClr val="8C8C8C"/>
+        <a:srgbClr val="849A0A"/>
       </a:folHlink>
     </a:clrScheme>
-    <a:fontScheme name="Retrospect">
+    <a:fontScheme name="Office">
       <a:majorFont>
-        <a:latin typeface="Calibri Light" panose="020F0302020204030204"/>
+        <a:latin typeface="Cambria"/>
         <a:ea typeface=""/>
         <a:cs typeface=""/>
-        <a:font script="Jpan" typeface="ＭＳ Ｐゴシック"/>
+        <a:font script="Jpan" typeface="ＭＳ ゴシック"/>
         <a:font script="Hang" typeface="맑은 고딕"/>
         <a:font script="Hans" typeface="宋体"/>
         <a:font script="Hant" typeface="新細明體"/>
@@ -5658,10 +6780,10 @@
         <a:font script="Geor" typeface="Sylfaen"/>
       </a:majorFont>
       <a:minorFont>
-        <a:latin typeface="Calibri" panose="020F0502020204030204"/>
+        <a:latin typeface="Calibri"/>
         <a:ea typeface=""/>
         <a:cs typeface=""/>
-        <a:font script="Jpan" typeface="ＭＳ Ｐゴシック"/>
+        <a:font script="Jpan" typeface="ＭＳ 明朝"/>
         <a:font script="Hang" typeface="맑은 고딕"/>
         <a:font script="Hans" typeface="宋体"/>
         <a:font script="Hant" typeface="新細明體"/>
@@ -5693,86 +6815,37 @@
         <a:font script="Geor" typeface="Sylfaen"/>
       </a:minorFont>
     </a:fontScheme>
-    <a:fmtScheme name="Retrospect">
+    <a:fmtScheme name="Adjacency">
       <a:fillStyleLst>
         <a:solidFill>
           <a:schemeClr val="phClr"/>
         </a:solidFill>
-        <a:gradFill rotWithShape="1">
-          <a:gsLst>
-            <a:gs pos="0">
-              <a:schemeClr val="phClr">
-                <a:tint val="65000"/>
-                <a:shade val="92000"/>
-                <a:satMod val="130000"/>
-              </a:schemeClr>
-            </a:gs>
-            <a:gs pos="45000">
-              <a:schemeClr val="phClr">
-                <a:tint val="60000"/>
-                <a:shade val="99000"/>
-                <a:satMod val="120000"/>
-              </a:schemeClr>
-            </a:gs>
-            <a:gs pos="100000">
-              <a:schemeClr val="phClr">
-                <a:tint val="55000"/>
-                <a:satMod val="140000"/>
-              </a:schemeClr>
-            </a:gs>
-          </a:gsLst>
-          <a:path path="circle">
-            <a:fillToRect l="100000" t="100000" r="100000" b="100000"/>
-          </a:path>
-        </a:gradFill>
-        <a:gradFill rotWithShape="1">
-          <a:gsLst>
-            <a:gs pos="0">
-              <a:schemeClr val="phClr">
-                <a:shade val="85000"/>
-                <a:satMod val="130000"/>
-              </a:schemeClr>
-            </a:gs>
-            <a:gs pos="34000">
-              <a:schemeClr val="phClr">
-                <a:shade val="87000"/>
-                <a:satMod val="125000"/>
-              </a:schemeClr>
-            </a:gs>
-            <a:gs pos="70000">
-              <a:schemeClr val="phClr">
-                <a:tint val="100000"/>
-                <a:shade val="90000"/>
-                <a:satMod val="130000"/>
-              </a:schemeClr>
-            </a:gs>
-            <a:gs pos="100000">
-              <a:schemeClr val="phClr">
-                <a:tint val="100000"/>
-                <a:shade val="100000"/>
-                <a:satMod val="110000"/>
-              </a:schemeClr>
-            </a:gs>
-          </a:gsLst>
-          <a:path path="circle">
-            <a:fillToRect l="100000" t="100000" r="100000" b="100000"/>
-          </a:path>
-        </a:gradFill>
+        <a:solidFill>
+          <a:schemeClr val="phClr">
+            <a:tint val="55000"/>
+          </a:schemeClr>
+        </a:solidFill>
+        <a:solidFill>
+          <a:schemeClr val="phClr"/>
+        </a:solidFill>
       </a:fillStyleLst>
       <a:lnStyleLst>
         <a:ln w="12700" cap="flat" cmpd="sng" algn="ctr">
+          <a:solidFill>
+            <a:schemeClr val="phClr">
+              <a:shade val="95000"/>
+              <a:satMod val="105000"/>
+            </a:schemeClr>
+          </a:solidFill>
+          <a:prstDash val="solid"/>
+        </a:ln>
+        <a:ln w="25400" cap="flat" cmpd="sng" algn="ctr">
           <a:solidFill>
             <a:schemeClr val="phClr"/>
           </a:solidFill>
           <a:prstDash val="solid"/>
         </a:ln>
-        <a:ln w="15875" cap="flat" cmpd="sng" algn="ctr">
-          <a:solidFill>
-            <a:schemeClr val="phClr"/>
-          </a:solidFill>
-          <a:prstDash val="solid"/>
-        </a:ln>
-        <a:ln w="25400" cap="flat" cmpd="sng" algn="ctr">
+        <a:ln w="38100" cap="flat" cmpd="sng" algn="ctr">
           <a:solidFill>
             <a:schemeClr val="phClr"/>
           </a:solidFill>
@@ -5785,7 +6858,7 @@
         </a:effectStyle>
         <a:effectStyle>
           <a:effectLst>
-            <a:outerShdw blurRad="38100" dist="25400" dir="2700000" algn="br" rotWithShape="0">
+            <a:outerShdw blurRad="50800" dist="25400" algn="bl" rotWithShape="0">
               <a:srgbClr val="000000">
                 <a:alpha val="60000"/>
               </a:srgbClr>
@@ -5793,23 +6866,23 @@
           </a:effectLst>
         </a:effectStyle>
         <a:effectStyle>
-          <a:effectLst>
-            <a:outerShdw blurRad="44450" dist="25400" dir="2700000" algn="br" rotWithShape="0">
-              <a:srgbClr val="000000">
-                <a:alpha val="60000"/>
-              </a:srgbClr>
-            </a:outerShdw>
-          </a:effectLst>
+          <a:effectLst/>
           <a:scene3d>
             <a:camera prst="orthographicFront">
               <a:rot lat="0" lon="0" rev="0"/>
             </a:camera>
-            <a:lightRig rig="threePt" dir="t">
-              <a:rot lat="0" lon="0" rev="19800000"/>
+            <a:lightRig rig="brightRoom" dir="tl">
+              <a:rot lat="0" lon="0" rev="1800000"/>
             </a:lightRig>
           </a:scene3d>
-          <a:sp3d prstMaterial="flat">
-            <a:bevelT w="25400" h="31750"/>
+          <a:sp3d contourW="10160" prstMaterial="dkEdge">
+            <a:bevelT w="38100" h="50800" prst="angle"/>
+            <a:contourClr>
+              <a:schemeClr val="phClr">
+                <a:shade val="40000"/>
+                <a:satMod val="150000"/>
+              </a:schemeClr>
+            </a:contourClr>
           </a:sp3d>
         </a:effectStyle>
       </a:effectStyleLst>
@@ -5817,48 +6890,47 @@
         <a:solidFill>
           <a:schemeClr val="phClr"/>
         </a:solidFill>
-        <a:solidFill>
-          <a:schemeClr val="phClr">
-            <a:tint val="90000"/>
-            <a:shade val="97000"/>
-            <a:satMod val="130000"/>
-          </a:schemeClr>
-        </a:solidFill>
         <a:gradFill rotWithShape="1">
           <a:gsLst>
             <a:gs pos="0">
               <a:schemeClr val="phClr">
-                <a:tint val="96000"/>
-                <a:shade val="99000"/>
-                <a:satMod val="140000"/>
+                <a:tint val="90000"/>
               </a:schemeClr>
             </a:gs>
-            <a:gs pos="65000">
+            <a:gs pos="75000">
               <a:schemeClr val="phClr">
-                <a:tint val="100000"/>
-                <a:shade val="80000"/>
-                <a:satMod val="130000"/>
+                <a:shade val="100000"/>
+                <a:satMod val="115000"/>
               </a:schemeClr>
             </a:gs>
             <a:gs pos="100000">
               <a:schemeClr val="phClr">
-                <a:tint val="100000"/>
-                <a:shade val="48000"/>
-                <a:satMod val="120000"/>
+                <a:shade val="70000"/>
+                <a:satMod val="130000"/>
               </a:schemeClr>
             </a:gs>
           </a:gsLst>
-          <a:lin ang="16200000" scaled="0"/>
+          <a:path path="circle">
+            <a:fillToRect l="20000" t="50000" r="100000" b="50000"/>
+          </a:path>
         </a:gradFill>
+        <a:blipFill rotWithShape="1">
+          <a:blip xmlns:r="http://schemas.openxmlformats.org/officeDocument/2006/relationships" r:embed="rId1">
+            <a:duotone>
+              <a:schemeClr val="phClr">
+                <a:tint val="97000"/>
+              </a:schemeClr>
+              <a:schemeClr val="phClr">
+                <a:shade val="96000"/>
+              </a:schemeClr>
+            </a:duotone>
+          </a:blip>
+          <a:tile tx="0" ty="0" sx="32000" sy="32000" flip="none" algn="tl"/>
+        </a:blipFill>
       </a:bgFillStyleLst>
     </a:fmtScheme>
   </a:themeElements>
   <a:objectDefaults/>
   <a:extraClrSchemeLst/>
-  <a:extLst>
-    <a:ext uri="{05A4C25C-085E-4340-85A3-A5531E510DB2}">
-      <thm15:themeFamily xmlns:thm15="http://schemas.microsoft.com/office/thememl/2012/main" name="Retrospect" id="{5F128B03-DCCA-4EEB-AB3B-CF2899314A46}" vid="{3F1AAB62-24C6-49D2-8E01-B56FAC9A3DCD}"/>
-    </a:ext>
-  </a:extLst>
 </a:theme>
 </file>